--- a/ppt/day12_다형성.pptx
+++ b/ppt/day12_다형성.pptx
@@ -112,6 +112,22 @@
       </a:defRPr>
     </a:lvl9pPr>
   </p:defaultTextStyle>
+  <p:extLst>
+    <p:ext uri="{EFAFB233-063F-42B5-8137-9DF3F51BA10A}">
+      <p15:sldGuideLst xmlns:p15="http://schemas.microsoft.com/office/powerpoint/2012/main">
+        <p15:guide id="1" orient="horz" pos="2160">
+          <p15:clr>
+            <a:srgbClr val="A4A3A4"/>
+          </p15:clr>
+        </p15:guide>
+        <p15:guide id="2" pos="2880">
+          <p15:clr>
+            <a:srgbClr val="A4A3A4"/>
+          </p15:clr>
+        </p15:guide>
+      </p15:sldGuideLst>
+    </p:ext>
+  </p:extLst>
 </p:presentation>
 </file>
 
@@ -296,7 +312,7 @@
           <a:p>
             <a:fld id="{FB30EDBD-1C2D-4C1E-B459-B60219FAB484}" type="datetimeFigureOut">
               <a:rPr lang="ko-KR" altLang="en-US" smtClean="0"/>
-              <a:t>2018-01-21</a:t>
+              <a:t>2018-01-23 Tue</a:t>
             </a:fld>
             <a:endParaRPr lang="ko-KR" altLang="en-US"/>
           </a:p>
@@ -461,7 +477,7 @@
           <a:p>
             <a:fld id="{FB30EDBD-1C2D-4C1E-B459-B60219FAB484}" type="datetimeFigureOut">
               <a:rPr lang="ko-KR" altLang="en-US" smtClean="0"/>
-              <a:t>2018-01-21</a:t>
+              <a:t>2018-01-23 Tue</a:t>
             </a:fld>
             <a:endParaRPr lang="ko-KR" altLang="en-US"/>
           </a:p>
@@ -636,7 +652,7 @@
           <a:p>
             <a:fld id="{FB30EDBD-1C2D-4C1E-B459-B60219FAB484}" type="datetimeFigureOut">
               <a:rPr lang="ko-KR" altLang="en-US" smtClean="0"/>
-              <a:t>2018-01-21</a:t>
+              <a:t>2018-01-23 Tue</a:t>
             </a:fld>
             <a:endParaRPr lang="ko-KR" altLang="en-US"/>
           </a:p>
@@ -801,7 +817,7 @@
           <a:p>
             <a:fld id="{FB30EDBD-1C2D-4C1E-B459-B60219FAB484}" type="datetimeFigureOut">
               <a:rPr lang="ko-KR" altLang="en-US" smtClean="0"/>
-              <a:t>2018-01-21</a:t>
+              <a:t>2018-01-23 Tue</a:t>
             </a:fld>
             <a:endParaRPr lang="ko-KR" altLang="en-US"/>
           </a:p>
@@ -1042,7 +1058,7 @@
           <a:p>
             <a:fld id="{FB30EDBD-1C2D-4C1E-B459-B60219FAB484}" type="datetimeFigureOut">
               <a:rPr lang="ko-KR" altLang="en-US" smtClean="0"/>
-              <a:t>2018-01-21</a:t>
+              <a:t>2018-01-23 Tue</a:t>
             </a:fld>
             <a:endParaRPr lang="ko-KR" altLang="en-US"/>
           </a:p>
@@ -1325,7 +1341,7 @@
           <a:p>
             <a:fld id="{FB30EDBD-1C2D-4C1E-B459-B60219FAB484}" type="datetimeFigureOut">
               <a:rPr lang="ko-KR" altLang="en-US" smtClean="0"/>
-              <a:t>2018-01-21</a:t>
+              <a:t>2018-01-23 Tue</a:t>
             </a:fld>
             <a:endParaRPr lang="ko-KR" altLang="en-US"/>
           </a:p>
@@ -1742,7 +1758,7 @@
           <a:p>
             <a:fld id="{FB30EDBD-1C2D-4C1E-B459-B60219FAB484}" type="datetimeFigureOut">
               <a:rPr lang="ko-KR" altLang="en-US" smtClean="0"/>
-              <a:t>2018-01-21</a:t>
+              <a:t>2018-01-23 Tue</a:t>
             </a:fld>
             <a:endParaRPr lang="ko-KR" altLang="en-US"/>
           </a:p>
@@ -1855,7 +1871,7 @@
           <a:p>
             <a:fld id="{FB30EDBD-1C2D-4C1E-B459-B60219FAB484}" type="datetimeFigureOut">
               <a:rPr lang="ko-KR" altLang="en-US" smtClean="0"/>
-              <a:t>2018-01-21</a:t>
+              <a:t>2018-01-23 Tue</a:t>
             </a:fld>
             <a:endParaRPr lang="ko-KR" altLang="en-US"/>
           </a:p>
@@ -1945,7 +1961,7 @@
           <a:p>
             <a:fld id="{FB30EDBD-1C2D-4C1E-B459-B60219FAB484}" type="datetimeFigureOut">
               <a:rPr lang="ko-KR" altLang="en-US" smtClean="0"/>
-              <a:t>2018-01-21</a:t>
+              <a:t>2018-01-23 Tue</a:t>
             </a:fld>
             <a:endParaRPr lang="ko-KR" altLang="en-US"/>
           </a:p>
@@ -2217,7 +2233,7 @@
           <a:p>
             <a:fld id="{FB30EDBD-1C2D-4C1E-B459-B60219FAB484}" type="datetimeFigureOut">
               <a:rPr lang="ko-KR" altLang="en-US" smtClean="0"/>
-              <a:t>2018-01-21</a:t>
+              <a:t>2018-01-23 Tue</a:t>
             </a:fld>
             <a:endParaRPr lang="ko-KR" altLang="en-US"/>
           </a:p>
@@ -2465,7 +2481,7 @@
           <a:p>
             <a:fld id="{FB30EDBD-1C2D-4C1E-B459-B60219FAB484}" type="datetimeFigureOut">
               <a:rPr lang="ko-KR" altLang="en-US" smtClean="0"/>
-              <a:t>2018-01-21</a:t>
+              <a:t>2018-01-23 Tue</a:t>
             </a:fld>
             <a:endParaRPr lang="ko-KR" altLang="en-US"/>
           </a:p>
@@ -2673,7 +2689,7 @@
           <a:p>
             <a:fld id="{FB30EDBD-1C2D-4C1E-B459-B60219FAB484}" type="datetimeFigureOut">
               <a:rPr lang="ko-KR" altLang="en-US" smtClean="0"/>
-              <a:t>2018-01-21</a:t>
+              <a:t>2018-01-23 Tue</a:t>
             </a:fld>
             <a:endParaRPr lang="ko-KR" altLang="en-US"/>
           </a:p>
@@ -3589,9 +3605,277 @@
           </a:fontRef>
         </p:style>
       </p:cxnSp>
-      <p:sp>
-        <p:nvSpPr>
-          <p:cNvPr id="111" name="타원 110"/>
+      <p:grpSp>
+        <p:nvGrpSpPr>
+          <p:cNvPr id="112" name="그룹 111"/>
+          <p:cNvGrpSpPr/>
+          <p:nvPr/>
+        </p:nvGrpSpPr>
+        <p:grpSpPr>
+          <a:xfrm>
+            <a:off x="1205626" y="4395201"/>
+            <a:ext cx="936104" cy="1422448"/>
+            <a:chOff x="2195736" y="2983423"/>
+            <a:chExt cx="936104" cy="1422448"/>
+          </a:xfrm>
+        </p:grpSpPr>
+        <p:sp>
+          <p:nvSpPr>
+            <p:cNvPr id="8" name="모서리가 둥근 직사각형 7"/>
+            <p:cNvSpPr/>
+            <p:nvPr/>
+          </p:nvSpPr>
+          <p:spPr>
+            <a:xfrm>
+              <a:off x="2195736" y="2983423"/>
+              <a:ext cx="936104" cy="539878"/>
+            </a:xfrm>
+            <a:prstGeom prst="roundRect">
+              <a:avLst/>
+            </a:prstGeom>
+          </p:spPr>
+          <p:style>
+            <a:lnRef idx="2">
+              <a:schemeClr val="accent1">
+                <a:shade val="50000"/>
+              </a:schemeClr>
+            </a:lnRef>
+            <a:fillRef idx="1">
+              <a:schemeClr val="accent1"/>
+            </a:fillRef>
+            <a:effectRef idx="0">
+              <a:schemeClr val="accent1"/>
+            </a:effectRef>
+            <a:fontRef idx="minor">
+              <a:schemeClr val="lt1"/>
+            </a:fontRef>
+          </p:style>
+          <p:txBody>
+            <a:bodyPr rtlCol="0" anchor="ctr"/>
+            <a:lstStyle/>
+            <a:p>
+              <a:pPr algn="ctr"/>
+              <a:r>
+                <a:rPr lang="ko-KR" altLang="en-US" dirty="0" smtClean="0"/>
+                <a:t>고양이</a:t>
+              </a:r>
+              <a:endParaRPr lang="ko-KR" altLang="en-US" dirty="0"/>
+            </a:p>
+          </p:txBody>
+        </p:sp>
+        <p:pic>
+          <p:nvPicPr>
+            <p:cNvPr id="1026" name="Picture 2" descr="C:\Users\Administrator\AppData\Local\Microsoft\Windows\Temporary Internet Files\Content.IE5\ZP9R3R42\Turkish_Van_Cat[1].jpg"/>
+            <p:cNvPicPr>
+              <a:picLocks noChangeAspect="1" noChangeArrowheads="1"/>
+            </p:cNvPicPr>
+            <p:nvPr/>
+          </p:nvPicPr>
+          <p:blipFill>
+            <a:blip r:embed="rId2" cstate="print">
+              <a:extLst>
+                <a:ext uri="{28A0092B-C50C-407E-A947-70E740481C1C}">
+                  <a14:useLocalDpi xmlns:a14="http://schemas.microsoft.com/office/drawing/2010/main" val="0"/>
+                </a:ext>
+              </a:extLst>
+            </a:blip>
+            <a:srcRect/>
+            <a:stretch>
+              <a:fillRect/>
+            </a:stretch>
+          </p:blipFill>
+          <p:spPr bwMode="auto">
+            <a:xfrm>
+              <a:off x="2207132" y="3429000"/>
+              <a:ext cx="890018" cy="976871"/>
+            </a:xfrm>
+            <a:prstGeom prst="rect">
+              <a:avLst/>
+            </a:prstGeom>
+            <a:noFill/>
+            <a:extLst>
+              <a:ext uri="{909E8E84-426E-40DD-AFC4-6F175D3DCCD1}">
+                <a14:hiddenFill xmlns:a14="http://schemas.microsoft.com/office/drawing/2010/main">
+                  <a:solidFill>
+                    <a:srgbClr val="FFFFFF"/>
+                  </a:solidFill>
+                </a14:hiddenFill>
+              </a:ext>
+            </a:extLst>
+          </p:spPr>
+        </p:pic>
+      </p:grpSp>
+      <p:grpSp>
+        <p:nvGrpSpPr>
+          <p:cNvPr id="113" name="그룹 112"/>
+          <p:cNvGrpSpPr/>
+          <p:nvPr/>
+        </p:nvGrpSpPr>
+        <p:grpSpPr>
+          <a:xfrm>
+            <a:off x="2268464" y="4395201"/>
+            <a:ext cx="936104" cy="1422448"/>
+            <a:chOff x="3258574" y="2983423"/>
+            <a:chExt cx="936104" cy="1422448"/>
+          </a:xfrm>
+        </p:grpSpPr>
+        <p:sp>
+          <p:nvSpPr>
+            <p:cNvPr id="9" name="모서리가 둥근 직사각형 8"/>
+            <p:cNvSpPr/>
+            <p:nvPr/>
+          </p:nvSpPr>
+          <p:spPr>
+            <a:xfrm>
+              <a:off x="3258574" y="2983423"/>
+              <a:ext cx="936104" cy="539878"/>
+            </a:xfrm>
+            <a:prstGeom prst="roundRect">
+              <a:avLst/>
+            </a:prstGeom>
+          </p:spPr>
+          <p:style>
+            <a:lnRef idx="2">
+              <a:schemeClr val="accent1">
+                <a:shade val="50000"/>
+              </a:schemeClr>
+            </a:lnRef>
+            <a:fillRef idx="1">
+              <a:schemeClr val="accent1"/>
+            </a:fillRef>
+            <a:effectRef idx="0">
+              <a:schemeClr val="accent1"/>
+            </a:effectRef>
+            <a:fontRef idx="minor">
+              <a:schemeClr val="lt1"/>
+            </a:fontRef>
+          </p:style>
+          <p:txBody>
+            <a:bodyPr rtlCol="0" anchor="ctr"/>
+            <a:lstStyle/>
+            <a:p>
+              <a:pPr algn="ctr"/>
+              <a:r>
+                <a:rPr lang="ko-KR" altLang="en-US" dirty="0" smtClean="0"/>
+                <a:t>강아지</a:t>
+              </a:r>
+              <a:endParaRPr lang="ko-KR" altLang="en-US" dirty="0"/>
+            </a:p>
+          </p:txBody>
+        </p:sp>
+        <p:pic>
+          <p:nvPicPr>
+            <p:cNvPr id="1027" name="Picture 3" descr="C:\Users\Administrator\AppData\Local\Microsoft\Windows\Temporary Internet Files\Content.IE5\1VC934YU\Goldendoodle_puppy_Marty[1].jpg"/>
+            <p:cNvPicPr>
+              <a:picLocks noChangeAspect="1" noChangeArrowheads="1"/>
+            </p:cNvPicPr>
+            <p:nvPr/>
+          </p:nvPicPr>
+          <p:blipFill>
+            <a:blip r:embed="rId3" cstate="print">
+              <a:extLst>
+                <a:ext uri="{28A0092B-C50C-407E-A947-70E740481C1C}">
+                  <a14:useLocalDpi xmlns:a14="http://schemas.microsoft.com/office/drawing/2010/main" val="0"/>
+                </a:ext>
+              </a:extLst>
+            </a:blip>
+            <a:srcRect/>
+            <a:stretch>
+              <a:fillRect/>
+            </a:stretch>
+          </p:blipFill>
+          <p:spPr bwMode="auto">
+            <a:xfrm>
+              <a:off x="3323570" y="3429000"/>
+              <a:ext cx="806112" cy="976871"/>
+            </a:xfrm>
+            <a:prstGeom prst="rect">
+              <a:avLst/>
+            </a:prstGeom>
+            <a:noFill/>
+            <a:extLst>
+              <a:ext uri="{909E8E84-426E-40DD-AFC4-6F175D3DCCD1}">
+                <a14:hiddenFill xmlns:a14="http://schemas.microsoft.com/office/drawing/2010/main">
+                  <a:solidFill>
+                    <a:srgbClr val="FFFFFF"/>
+                  </a:solidFill>
+                </a14:hiddenFill>
+              </a:ext>
+            </a:extLst>
+          </p:spPr>
+        </p:pic>
+      </p:grpSp>
+      <p:cxnSp>
+        <p:nvCxnSpPr>
+          <p:cNvPr id="26" name="직선 화살표 연결선 115"/>
+          <p:cNvCxnSpPr/>
+          <p:nvPr/>
+        </p:nvCxnSpPr>
+        <p:spPr>
+          <a:xfrm flipV="1">
+            <a:off x="1673678" y="2210404"/>
+            <a:ext cx="828092" cy="2184797"/>
+          </a:xfrm>
+          <a:prstGeom prst="straightConnector1">
+            <a:avLst/>
+          </a:prstGeom>
+          <a:ln>
+            <a:headEnd type="none" w="med" len="med"/>
+            <a:tailEnd type="triangle" w="med" len="med"/>
+          </a:ln>
+        </p:spPr>
+        <p:style>
+          <a:lnRef idx="1">
+            <a:schemeClr val="accent2"/>
+          </a:lnRef>
+          <a:fillRef idx="0">
+            <a:schemeClr val="accent2"/>
+          </a:fillRef>
+          <a:effectRef idx="0">
+            <a:schemeClr val="accent2"/>
+          </a:effectRef>
+          <a:fontRef idx="minor">
+            <a:schemeClr val="tx1"/>
+          </a:fontRef>
+        </p:style>
+      </p:cxnSp>
+      <p:cxnSp>
+        <p:nvCxnSpPr>
+          <p:cNvPr id="27" name="직선 화살표 연결선 118"/>
+          <p:cNvCxnSpPr/>
+          <p:nvPr/>
+        </p:nvCxnSpPr>
+        <p:spPr>
+          <a:xfrm flipH="1" flipV="1">
+            <a:off x="2501770" y="2210404"/>
+            <a:ext cx="234746" cy="2184797"/>
+          </a:xfrm>
+          <a:prstGeom prst="straightConnector1">
+            <a:avLst/>
+          </a:prstGeom>
+          <a:ln>
+            <a:headEnd type="none" w="med" len="med"/>
+            <a:tailEnd type="triangle" w="med" len="med"/>
+          </a:ln>
+        </p:spPr>
+        <p:style>
+          <a:lnRef idx="1">
+            <a:schemeClr val="accent2"/>
+          </a:lnRef>
+          <a:fillRef idx="0">
+            <a:schemeClr val="accent2"/>
+          </a:fillRef>
+          <a:effectRef idx="0">
+            <a:schemeClr val="accent2"/>
+          </a:effectRef>
+          <a:fontRef idx="minor">
+            <a:schemeClr val="tx1"/>
+          </a:fontRef>
+        </p:style>
+      </p:cxnSp>
+      <p:sp>
+        <p:nvSpPr>
+          <p:cNvPr id="30" name="타원 110"/>
           <p:cNvSpPr/>
           <p:nvPr/>
         </p:nvSpPr>
@@ -3644,6 +3928,182 @@
           </a:p>
         </p:txBody>
       </p:sp>
+    </p:spTree>
+    <p:extLst>
+      <p:ext uri="{BB962C8B-B14F-4D97-AF65-F5344CB8AC3E}">
+        <p14:creationId xmlns:p14="http://schemas.microsoft.com/office/powerpoint/2010/main" val="3662329444"/>
+      </p:ext>
+    </p:extLst>
+  </p:cSld>
+  <p:clrMapOvr>
+    <a:masterClrMapping/>
+  </p:clrMapOvr>
+</p:sld>
+</file>
+
+<file path=ppt/slides/slide2.xml><?xml version="1.0" encoding="utf-8"?>
+<p:sld xmlns:a="http://schemas.openxmlformats.org/drawingml/2006/main" xmlns:r="http://schemas.openxmlformats.org/officeDocument/2006/relationships" xmlns:p="http://schemas.openxmlformats.org/presentationml/2006/main">
+  <p:cSld>
+    <p:spTree>
+      <p:nvGrpSpPr>
+        <p:cNvPr id="1" name=""/>
+        <p:cNvGrpSpPr/>
+        <p:nvPr/>
+      </p:nvGrpSpPr>
+      <p:grpSpPr>
+        <a:xfrm>
+          <a:off x="0" y="0"/>
+          <a:ext cx="0" cy="0"/>
+          <a:chOff x="0" y="0"/>
+          <a:chExt cx="0" cy="0"/>
+        </a:xfrm>
+      </p:grpSpPr>
+      <p:sp>
+        <p:nvSpPr>
+          <p:cNvPr id="5" name="제목 4"/>
+          <p:cNvSpPr>
+            <a:spLocks noGrp="1"/>
+          </p:cNvSpPr>
+          <p:nvPr>
+            <p:ph type="title"/>
+          </p:nvPr>
+        </p:nvSpPr>
+        <p:spPr>
+          <a:xfrm>
+            <a:off x="876097" y="274638"/>
+            <a:ext cx="8229600" cy="1143000"/>
+          </a:xfrm>
+        </p:spPr>
+        <p:txBody>
+          <a:bodyPr/>
+          <a:lstStyle/>
+          <a:p>
+            <a:r>
+              <a:rPr lang="ko-KR" altLang="en-US" dirty="0" err="1" smtClean="0"/>
+              <a:t>다형성</a:t>
+            </a:r>
+            <a:endParaRPr lang="ko-KR" altLang="en-US" dirty="0"/>
+          </a:p>
+        </p:txBody>
+      </p:sp>
+      <p:sp>
+        <p:nvSpPr>
+          <p:cNvPr id="7" name="타원 6"/>
+          <p:cNvSpPr/>
+          <p:nvPr/>
+        </p:nvSpPr>
+        <p:spPr>
+          <a:xfrm>
+            <a:off x="4826806" y="1412776"/>
+            <a:ext cx="1152128" cy="797628"/>
+          </a:xfrm>
+          <a:prstGeom prst="ellipse">
+            <a:avLst/>
+          </a:prstGeom>
+        </p:spPr>
+        <p:style>
+          <a:lnRef idx="2">
+            <a:schemeClr val="accent1">
+              <a:shade val="50000"/>
+            </a:schemeClr>
+          </a:lnRef>
+          <a:fillRef idx="1">
+            <a:schemeClr val="accent1"/>
+          </a:fillRef>
+          <a:effectRef idx="0">
+            <a:schemeClr val="accent1"/>
+          </a:effectRef>
+          <a:fontRef idx="minor">
+            <a:schemeClr val="lt1"/>
+          </a:fontRef>
+        </p:style>
+        <p:txBody>
+          <a:bodyPr rtlCol="0" anchor="ctr"/>
+          <a:lstStyle/>
+          <a:p>
+            <a:pPr algn="ctr"/>
+            <a:r>
+              <a:rPr lang="ko-KR" altLang="en-US" dirty="0" smtClean="0"/>
+              <a:t>동물</a:t>
+            </a:r>
+            <a:endParaRPr lang="ko-KR" altLang="en-US" dirty="0"/>
+          </a:p>
+        </p:txBody>
+      </p:sp>
+      <p:cxnSp>
+        <p:nvCxnSpPr>
+          <p:cNvPr id="11" name="직선 화살표 연결선 10"/>
+          <p:cNvCxnSpPr>
+            <a:stCxn id="8" idx="0"/>
+            <a:endCxn id="7" idx="4"/>
+          </p:cNvCxnSpPr>
+          <p:nvPr/>
+        </p:nvCxnSpPr>
+        <p:spPr>
+          <a:xfrm flipV="1">
+            <a:off x="4878754" y="2210404"/>
+            <a:ext cx="524116" cy="1074580"/>
+          </a:xfrm>
+          <a:prstGeom prst="straightConnector1">
+            <a:avLst/>
+          </a:prstGeom>
+          <a:ln>
+            <a:headEnd type="none" w="med" len="med"/>
+            <a:tailEnd type="triangle" w="med" len="med"/>
+          </a:ln>
+        </p:spPr>
+        <p:style>
+          <a:lnRef idx="1">
+            <a:schemeClr val="accent2"/>
+          </a:lnRef>
+          <a:fillRef idx="0">
+            <a:schemeClr val="accent2"/>
+          </a:fillRef>
+          <a:effectRef idx="0">
+            <a:schemeClr val="accent2"/>
+          </a:effectRef>
+          <a:fontRef idx="minor">
+            <a:schemeClr val="tx1"/>
+          </a:fontRef>
+        </p:style>
+      </p:cxnSp>
+      <p:cxnSp>
+        <p:nvCxnSpPr>
+          <p:cNvPr id="12" name="직선 화살표 연결선 11"/>
+          <p:cNvCxnSpPr>
+            <a:stCxn id="9" idx="0"/>
+            <a:endCxn id="7" idx="4"/>
+          </p:cNvCxnSpPr>
+          <p:nvPr/>
+        </p:nvCxnSpPr>
+        <p:spPr>
+          <a:xfrm flipH="1" flipV="1">
+            <a:off x="5402870" y="2210404"/>
+            <a:ext cx="538722" cy="1074580"/>
+          </a:xfrm>
+          <a:prstGeom prst="straightConnector1">
+            <a:avLst/>
+          </a:prstGeom>
+          <a:ln>
+            <a:headEnd type="none" w="med" len="med"/>
+            <a:tailEnd type="triangle" w="med" len="med"/>
+          </a:ln>
+        </p:spPr>
+        <p:style>
+          <a:lnRef idx="1">
+            <a:schemeClr val="accent2"/>
+          </a:lnRef>
+          <a:fillRef idx="0">
+            <a:schemeClr val="accent2"/>
+          </a:fillRef>
+          <a:effectRef idx="0">
+            <a:schemeClr val="accent2"/>
+          </a:effectRef>
+          <a:fontRef idx="minor">
+            <a:schemeClr val="tx1"/>
+          </a:fontRef>
+        </p:style>
+      </p:cxnSp>
       <p:grpSp>
         <p:nvGrpSpPr>
           <p:cNvPr id="112" name="그룹 111"/>
@@ -3652,7 +4112,7 @@
         </p:nvGrpSpPr>
         <p:grpSpPr>
           <a:xfrm>
-            <a:off x="1205626" y="4395201"/>
+            <a:off x="4410702" y="3284984"/>
             <a:ext cx="936104" cy="1422448"/>
             <a:chOff x="2195736" y="2983423"/>
             <a:chExt cx="936104" cy="1422448"/>
@@ -3752,7 +4212,7 @@
         </p:nvGrpSpPr>
         <p:grpSpPr>
           <a:xfrm>
-            <a:off x="2268464" y="4395201"/>
+            <a:off x="5473540" y="3284984"/>
             <a:ext cx="936104" cy="1422448"/>
             <a:chOff x="3258574" y="2983423"/>
             <a:chExt cx="936104" cy="1422448"/>
@@ -3795,7 +4255,7 @@
             <a:p>
               <a:pPr algn="ctr"/>
               <a:r>
-                <a:rPr lang="ko-KR" altLang="en-US" smtClean="0"/>
+                <a:rPr lang="ko-KR" altLang="en-US" dirty="0" smtClean="0"/>
                 <a:t>강아지</a:t>
               </a:r>
               <a:endParaRPr lang="ko-KR" altLang="en-US" dirty="0"/>
@@ -3844,19 +4304,774 @@
           </p:spPr>
         </p:pic>
       </p:grpSp>
+      <p:sp>
+        <p:nvSpPr>
+          <p:cNvPr id="2" name="Rectangle 1"/>
+          <p:cNvSpPr>
+            <a:spLocks noChangeArrowheads="1"/>
+          </p:cNvSpPr>
+          <p:nvPr/>
+        </p:nvSpPr>
+        <p:spPr bwMode="auto">
+          <a:xfrm>
+            <a:off x="5998013" y="1052736"/>
+            <a:ext cx="2915816" cy="969496"/>
+          </a:xfrm>
+          <a:prstGeom prst="rect">
+            <a:avLst/>
+          </a:prstGeom>
+          <a:ln w="3175">
+            <a:headEnd/>
+            <a:tailEnd/>
+          </a:ln>
+        </p:spPr>
+        <p:style>
+          <a:lnRef idx="2">
+            <a:schemeClr val="dk1"/>
+          </a:lnRef>
+          <a:fillRef idx="1">
+            <a:schemeClr val="lt1"/>
+          </a:fillRef>
+          <a:effectRef idx="0">
+            <a:schemeClr val="dk1"/>
+          </a:effectRef>
+          <a:fontRef idx="minor">
+            <a:schemeClr val="dk1"/>
+          </a:fontRef>
+        </p:style>
+        <p:txBody>
+          <a:bodyPr vert="horz" wrap="square" lIns="91440" tIns="45720" rIns="91440" bIns="45720" numCol="1" anchor="ctr" anchorCtr="0" compatLnSpc="1">
+            <a:prstTxWarp prst="textNoShape">
+              <a:avLst/>
+            </a:prstTxWarp>
+            <a:spAutoFit/>
+          </a:bodyPr>
+          <a:lstStyle/>
+          <a:p>
+            <a:pPr marL="0" marR="0" lvl="0" indent="0" algn="l" defTabSz="914400" rtl="0" eaLnBrk="1" fontAlgn="base" latinLnBrk="1" hangingPunct="1">
+              <a:lnSpc>
+                <a:spcPct val="100000"/>
+              </a:lnSpc>
+              <a:spcBef>
+                <a:spcPct val="0"/>
+              </a:spcBef>
+              <a:spcAft>
+                <a:spcPct val="0"/>
+              </a:spcAft>
+              <a:buClrTx/>
+              <a:buSzTx/>
+              <a:buFontTx/>
+              <a:buNone/>
+              <a:tabLst/>
+            </a:pPr>
+            <a:r>
+              <a:rPr kumimoji="1" lang="ko-KR" altLang="ko-KR" sz="1900" b="0" i="0" u="none" strike="noStrike" cap="none" normalizeH="0" baseline="0" dirty="0" smtClean="0">
+                <a:ln>
+                  <a:noFill/>
+                </a:ln>
+                <a:solidFill>
+                  <a:srgbClr val="000000"/>
+                </a:solidFill>
+                <a:effectLst/>
+                <a:latin typeface="Source Code Pro" pitchFamily="49" charset="0"/>
+                <a:ea typeface="굴림" pitchFamily="50" charset="-127"/>
+                <a:cs typeface="굴림" pitchFamily="50" charset="-127"/>
+              </a:rPr>
+              <a:t>String </a:t>
+            </a:r>
+            <a:r>
+              <a:rPr kumimoji="1" lang="ko-KR" altLang="ko-KR" sz="1900" b="1" i="0" u="none" strike="noStrike" cap="none" normalizeH="0" baseline="0" dirty="0" smtClean="0">
+                <a:ln>
+                  <a:noFill/>
+                </a:ln>
+                <a:solidFill>
+                  <a:srgbClr val="660E7A"/>
+                </a:solidFill>
+                <a:effectLst/>
+                <a:latin typeface="Source Code Pro" pitchFamily="49" charset="0"/>
+                <a:ea typeface="굴림" pitchFamily="50" charset="-127"/>
+                <a:cs typeface="굴림" pitchFamily="50" charset="-127"/>
+              </a:rPr>
+              <a:t>name</a:t>
+            </a:r>
+            <a:r>
+              <a:rPr kumimoji="1" lang="ko-KR" altLang="ko-KR" sz="1900" b="0" i="0" u="none" strike="noStrike" cap="none" normalizeH="0" baseline="0" dirty="0" smtClean="0">
+                <a:ln>
+                  <a:noFill/>
+                </a:ln>
+                <a:solidFill>
+                  <a:srgbClr val="000000"/>
+                </a:solidFill>
+                <a:effectLst/>
+                <a:latin typeface="Source Code Pro" pitchFamily="49" charset="0"/>
+                <a:ea typeface="굴림" pitchFamily="50" charset="-127"/>
+                <a:cs typeface="굴림" pitchFamily="50" charset="-127"/>
+              </a:rPr>
+              <a:t>;</a:t>
+            </a:r>
+            <a:br>
+              <a:rPr kumimoji="1" lang="ko-KR" altLang="ko-KR" sz="1900" b="0" i="0" u="none" strike="noStrike" cap="none" normalizeH="0" baseline="0" dirty="0" smtClean="0">
+                <a:ln>
+                  <a:noFill/>
+                </a:ln>
+                <a:solidFill>
+                  <a:srgbClr val="000000"/>
+                </a:solidFill>
+                <a:effectLst/>
+                <a:latin typeface="Source Code Pro" pitchFamily="49" charset="0"/>
+                <a:ea typeface="굴림" pitchFamily="50" charset="-127"/>
+                <a:cs typeface="굴림" pitchFamily="50" charset="-127"/>
+              </a:rPr>
+            </a:br>
+            <a:r>
+              <a:rPr kumimoji="1" lang="ko-KR" altLang="ko-KR" sz="1900" b="1" i="0" u="none" strike="noStrike" cap="none" normalizeH="0" baseline="0" dirty="0" smtClean="0">
+                <a:ln>
+                  <a:noFill/>
+                </a:ln>
+                <a:solidFill>
+                  <a:srgbClr val="000080"/>
+                </a:solidFill>
+                <a:effectLst/>
+                <a:latin typeface="Source Code Pro" pitchFamily="49" charset="0"/>
+                <a:ea typeface="굴림" pitchFamily="50" charset="-127"/>
+                <a:cs typeface="굴림" pitchFamily="50" charset="-127"/>
+              </a:rPr>
+              <a:t>int </a:t>
+            </a:r>
+            <a:r>
+              <a:rPr kumimoji="1" lang="ko-KR" altLang="ko-KR" sz="1900" b="1" i="0" u="none" strike="noStrike" cap="none" normalizeH="0" baseline="0" dirty="0" smtClean="0">
+                <a:ln>
+                  <a:noFill/>
+                </a:ln>
+                <a:solidFill>
+                  <a:srgbClr val="660E7A"/>
+                </a:solidFill>
+                <a:effectLst/>
+                <a:latin typeface="Source Code Pro" pitchFamily="49" charset="0"/>
+                <a:ea typeface="굴림" pitchFamily="50" charset="-127"/>
+                <a:cs typeface="굴림" pitchFamily="50" charset="-127"/>
+              </a:rPr>
+              <a:t>age</a:t>
+            </a:r>
+            <a:r>
+              <a:rPr kumimoji="1" lang="ko-KR" altLang="ko-KR" sz="1900" b="0" i="0" u="none" strike="noStrike" cap="none" normalizeH="0" baseline="0" dirty="0" smtClean="0">
+                <a:ln>
+                  <a:noFill/>
+                </a:ln>
+                <a:solidFill>
+                  <a:srgbClr val="000000"/>
+                </a:solidFill>
+                <a:effectLst/>
+                <a:latin typeface="Source Code Pro" pitchFamily="49" charset="0"/>
+                <a:ea typeface="굴림" pitchFamily="50" charset="-127"/>
+                <a:cs typeface="굴림" pitchFamily="50" charset="-127"/>
+              </a:rPr>
+              <a:t>;</a:t>
+            </a:r>
+            <a:br>
+              <a:rPr kumimoji="1" lang="ko-KR" altLang="ko-KR" sz="1900" b="0" i="0" u="none" strike="noStrike" cap="none" normalizeH="0" baseline="0" dirty="0" smtClean="0">
+                <a:ln>
+                  <a:noFill/>
+                </a:ln>
+                <a:solidFill>
+                  <a:srgbClr val="000000"/>
+                </a:solidFill>
+                <a:effectLst/>
+                <a:latin typeface="Source Code Pro" pitchFamily="49" charset="0"/>
+                <a:ea typeface="굴림" pitchFamily="50" charset="-127"/>
+                <a:cs typeface="굴림" pitchFamily="50" charset="-127"/>
+              </a:rPr>
+            </a:br>
+            <a:r>
+              <a:rPr kumimoji="1" lang="ko-KR" altLang="ko-KR" sz="1900" b="1" i="0" u="none" strike="noStrike" cap="none" normalizeH="0" baseline="0" dirty="0" smtClean="0">
+                <a:ln>
+                  <a:noFill/>
+                </a:ln>
+                <a:solidFill>
+                  <a:srgbClr val="000080"/>
+                </a:solidFill>
+                <a:effectLst/>
+                <a:latin typeface="Source Code Pro" pitchFamily="49" charset="0"/>
+                <a:ea typeface="굴림" pitchFamily="50" charset="-127"/>
+                <a:cs typeface="굴림" pitchFamily="50" charset="-127"/>
+              </a:rPr>
+              <a:t>int </a:t>
+            </a:r>
+            <a:r>
+              <a:rPr kumimoji="1" lang="ko-KR" altLang="ko-KR" sz="1900" b="1" i="0" u="none" strike="noStrike" cap="none" normalizeH="0" baseline="0" dirty="0" smtClean="0">
+                <a:ln>
+                  <a:noFill/>
+                </a:ln>
+                <a:solidFill>
+                  <a:srgbClr val="660E7A"/>
+                </a:solidFill>
+                <a:effectLst/>
+                <a:latin typeface="Source Code Pro" pitchFamily="49" charset="0"/>
+                <a:ea typeface="굴림" pitchFamily="50" charset="-127"/>
+                <a:cs typeface="굴림" pitchFamily="50" charset="-127"/>
+              </a:rPr>
+              <a:t>weight</a:t>
+            </a:r>
+            <a:r>
+              <a:rPr kumimoji="1" lang="ko-KR" altLang="ko-KR" sz="1900" b="0" i="0" u="none" strike="noStrike" cap="none" normalizeH="0" baseline="0" dirty="0" smtClean="0">
+                <a:ln>
+                  <a:noFill/>
+                </a:ln>
+                <a:solidFill>
+                  <a:srgbClr val="000000"/>
+                </a:solidFill>
+                <a:effectLst/>
+                <a:latin typeface="Source Code Pro" pitchFamily="49" charset="0"/>
+                <a:ea typeface="굴림" pitchFamily="50" charset="-127"/>
+                <a:cs typeface="굴림" pitchFamily="50" charset="-127"/>
+              </a:rPr>
+              <a:t>;</a:t>
+            </a:r>
+            <a:endParaRPr kumimoji="1" lang="ko-KR" altLang="ko-KR" sz="1800" b="0" i="0" u="none" strike="noStrike" cap="none" normalizeH="0" baseline="0" dirty="0" smtClean="0">
+              <a:ln>
+                <a:noFill/>
+              </a:ln>
+              <a:solidFill>
+                <a:schemeClr val="tx1"/>
+              </a:solidFill>
+              <a:effectLst/>
+              <a:latin typeface="굴림" pitchFamily="50" charset="-127"/>
+              <a:ea typeface="굴림" pitchFamily="50" charset="-127"/>
+              <a:cs typeface="굴림" pitchFamily="50" charset="-127"/>
+            </a:endParaRPr>
+          </a:p>
+        </p:txBody>
+      </p:sp>
+      <p:sp>
+        <p:nvSpPr>
+          <p:cNvPr id="16" name="Rectangle 2"/>
+          <p:cNvSpPr>
+            <a:spLocks noChangeArrowheads="1"/>
+          </p:cNvSpPr>
+          <p:nvPr/>
+        </p:nvSpPr>
+        <p:spPr bwMode="auto">
+          <a:xfrm>
+            <a:off x="5998013" y="2022232"/>
+            <a:ext cx="2915816" cy="677108"/>
+          </a:xfrm>
+          <a:prstGeom prst="rect">
+            <a:avLst/>
+          </a:prstGeom>
+          <a:ln w="3175">
+            <a:headEnd/>
+            <a:tailEnd/>
+          </a:ln>
+        </p:spPr>
+        <p:style>
+          <a:lnRef idx="2">
+            <a:schemeClr val="dk1"/>
+          </a:lnRef>
+          <a:fillRef idx="1">
+            <a:schemeClr val="lt1"/>
+          </a:fillRef>
+          <a:effectRef idx="0">
+            <a:schemeClr val="dk1"/>
+          </a:effectRef>
+          <a:fontRef idx="minor">
+            <a:schemeClr val="dk1"/>
+          </a:fontRef>
+        </p:style>
+        <p:txBody>
+          <a:bodyPr vert="horz" wrap="square" lIns="91440" tIns="45720" rIns="91440" bIns="45720" numCol="1" anchor="ctr" anchorCtr="0" compatLnSpc="1">
+            <a:prstTxWarp prst="textNoShape">
+              <a:avLst/>
+            </a:prstTxWarp>
+            <a:spAutoFit/>
+          </a:bodyPr>
+          <a:lstStyle/>
+          <a:p>
+            <a:pPr marL="0" marR="0" lvl="0" indent="0" algn="l" defTabSz="914400" rtl="0" eaLnBrk="1" fontAlgn="base" latinLnBrk="1" hangingPunct="1">
+              <a:lnSpc>
+                <a:spcPct val="100000"/>
+              </a:lnSpc>
+              <a:spcBef>
+                <a:spcPct val="0"/>
+              </a:spcBef>
+              <a:spcAft>
+                <a:spcPct val="0"/>
+              </a:spcAft>
+              <a:buClrTx/>
+              <a:buSzTx/>
+              <a:buFontTx/>
+              <a:buNone/>
+              <a:tabLst/>
+            </a:pPr>
+            <a:r>
+              <a:rPr kumimoji="1" lang="ko-KR" altLang="ko-KR" sz="1900" b="0" i="0" u="none" strike="noStrike" cap="none" normalizeH="0" baseline="0" dirty="0" smtClean="0">
+                <a:ln>
+                  <a:noFill/>
+                </a:ln>
+                <a:solidFill>
+                  <a:srgbClr val="000000"/>
+                </a:solidFill>
+                <a:effectLst/>
+                <a:latin typeface="Source Code Pro" pitchFamily="49" charset="0"/>
+                <a:ea typeface="굴림" pitchFamily="50" charset="-127"/>
+                <a:cs typeface="굴림" pitchFamily="50" charset="-127"/>
+              </a:rPr>
+              <a:t>shakeTail</a:t>
+            </a:r>
+            <a:r>
+              <a:rPr kumimoji="1" lang="en-US" altLang="ko-KR" sz="1900" b="0" i="0" u="none" strike="noStrike" cap="none" normalizeH="0" baseline="0" dirty="0" smtClean="0">
+                <a:ln>
+                  <a:noFill/>
+                </a:ln>
+                <a:solidFill>
+                  <a:srgbClr val="000000"/>
+                </a:solidFill>
+                <a:effectLst/>
+                <a:latin typeface="Source Code Pro" pitchFamily="49" charset="0"/>
+                <a:ea typeface="굴림" pitchFamily="50" charset="-127"/>
+                <a:cs typeface="굴림" pitchFamily="50" charset="-127"/>
+              </a:rPr>
+              <a:t>()</a:t>
+            </a:r>
+          </a:p>
+          <a:p>
+            <a:pPr marL="0" marR="0" lvl="0" indent="0" algn="l" defTabSz="914400" rtl="0" eaLnBrk="1" fontAlgn="base" latinLnBrk="1" hangingPunct="1">
+              <a:lnSpc>
+                <a:spcPct val="100000"/>
+              </a:lnSpc>
+              <a:spcBef>
+                <a:spcPct val="0"/>
+              </a:spcBef>
+              <a:spcAft>
+                <a:spcPct val="0"/>
+              </a:spcAft>
+              <a:buClrTx/>
+              <a:buSzTx/>
+              <a:buFontTx/>
+              <a:buNone/>
+              <a:tabLst/>
+            </a:pPr>
+            <a:r>
+              <a:rPr kumimoji="1" lang="ko-KR" altLang="ko-KR" sz="1900" b="0" i="0" u="none" strike="noStrike" cap="none" normalizeH="0" baseline="0" dirty="0" smtClean="0">
+                <a:ln>
+                  <a:noFill/>
+                </a:ln>
+                <a:solidFill>
+                  <a:srgbClr val="000000"/>
+                </a:solidFill>
+                <a:effectLst/>
+                <a:latin typeface="Source Code Pro" pitchFamily="49" charset="0"/>
+                <a:ea typeface="굴림" pitchFamily="50" charset="-127"/>
+                <a:cs typeface="굴림" pitchFamily="50" charset="-127"/>
+              </a:rPr>
+              <a:t>printInfo()</a:t>
+            </a:r>
+            <a:endParaRPr kumimoji="1" lang="ko-KR" altLang="ko-KR" sz="1800" b="0" i="0" u="none" strike="noStrike" cap="none" normalizeH="0" baseline="0" dirty="0" smtClean="0">
+              <a:ln>
+                <a:noFill/>
+              </a:ln>
+              <a:solidFill>
+                <a:schemeClr val="tx1"/>
+              </a:solidFill>
+              <a:effectLst/>
+              <a:latin typeface="굴림" pitchFamily="50" charset="-127"/>
+              <a:ea typeface="굴림" pitchFamily="50" charset="-127"/>
+              <a:cs typeface="굴림" pitchFamily="50" charset="-127"/>
+            </a:endParaRPr>
+          </a:p>
+        </p:txBody>
+      </p:sp>
+      <p:sp>
+        <p:nvSpPr>
+          <p:cNvPr id="35" name="Rectangle 2"/>
+          <p:cNvSpPr>
+            <a:spLocks noChangeArrowheads="1"/>
+          </p:cNvSpPr>
+          <p:nvPr/>
+        </p:nvSpPr>
+        <p:spPr bwMode="auto">
+          <a:xfrm>
+            <a:off x="3944962" y="4836247"/>
+            <a:ext cx="2915816" cy="646331"/>
+          </a:xfrm>
+          <a:prstGeom prst="rect">
+            <a:avLst/>
+          </a:prstGeom>
+          <a:ln w="3175">
+            <a:headEnd/>
+            <a:tailEnd/>
+          </a:ln>
+        </p:spPr>
+        <p:style>
+          <a:lnRef idx="2">
+            <a:schemeClr val="dk1"/>
+          </a:lnRef>
+          <a:fillRef idx="1">
+            <a:schemeClr val="lt1"/>
+          </a:fillRef>
+          <a:effectRef idx="0">
+            <a:schemeClr val="dk1"/>
+          </a:effectRef>
+          <a:fontRef idx="minor">
+            <a:schemeClr val="dk1"/>
+          </a:fontRef>
+        </p:style>
+        <p:txBody>
+          <a:bodyPr vert="horz" wrap="square" lIns="91440" tIns="45720" rIns="91440" bIns="45720" numCol="1" anchor="ctr" anchorCtr="0" compatLnSpc="1">
+            <a:prstTxWarp prst="textNoShape">
+              <a:avLst/>
+            </a:prstTxWarp>
+            <a:spAutoFit/>
+          </a:bodyPr>
+          <a:lstStyle/>
+          <a:p>
+            <a:pPr marL="0" marR="0" lvl="0" indent="0" algn="l" defTabSz="914400" rtl="0" eaLnBrk="1" fontAlgn="base" latinLnBrk="1" hangingPunct="1">
+              <a:lnSpc>
+                <a:spcPct val="100000"/>
+              </a:lnSpc>
+              <a:spcBef>
+                <a:spcPct val="0"/>
+              </a:spcBef>
+              <a:spcAft>
+                <a:spcPct val="0"/>
+              </a:spcAft>
+              <a:buClrTx/>
+              <a:buSzTx/>
+              <a:buFontTx/>
+              <a:buNone/>
+              <a:tabLst/>
+            </a:pPr>
+            <a:r>
+              <a:rPr kumimoji="1" lang="en-US" altLang="ko-KR" sz="1800" b="0" i="0" u="none" strike="noStrike" cap="none" normalizeH="0" baseline="0" dirty="0" smtClean="0">
+                <a:ln>
+                  <a:noFill/>
+                </a:ln>
+                <a:solidFill>
+                  <a:schemeClr val="tx1"/>
+                </a:solidFill>
+                <a:effectLst/>
+                <a:latin typeface="굴림" pitchFamily="50" charset="-127"/>
+                <a:ea typeface="굴림" pitchFamily="50" charset="-127"/>
+                <a:cs typeface="굴림" pitchFamily="50" charset="-127"/>
+              </a:rPr>
+              <a:t>bark()</a:t>
+            </a:r>
+          </a:p>
+          <a:p>
+            <a:pPr marL="0" marR="0" lvl="0" indent="0" algn="l" defTabSz="914400" rtl="0" eaLnBrk="1" fontAlgn="base" latinLnBrk="1" hangingPunct="1">
+              <a:lnSpc>
+                <a:spcPct val="100000"/>
+              </a:lnSpc>
+              <a:spcBef>
+                <a:spcPct val="0"/>
+              </a:spcBef>
+              <a:spcAft>
+                <a:spcPct val="0"/>
+              </a:spcAft>
+              <a:buClrTx/>
+              <a:buSzTx/>
+              <a:buFontTx/>
+              <a:buNone/>
+              <a:tabLst/>
+            </a:pPr>
+            <a:r>
+              <a:rPr kumimoji="1" lang="en-US" altLang="ko-KR" dirty="0" smtClean="0">
+                <a:solidFill>
+                  <a:schemeClr val="tx1"/>
+                </a:solidFill>
+                <a:latin typeface="굴림" pitchFamily="50" charset="-127"/>
+                <a:ea typeface="굴림" pitchFamily="50" charset="-127"/>
+                <a:cs typeface="굴림" pitchFamily="50" charset="-127"/>
+              </a:rPr>
+              <a:t>eat()</a:t>
+            </a:r>
+            <a:endParaRPr kumimoji="1" lang="en-US" altLang="ko-KR" sz="1800" b="0" i="0" u="none" strike="noStrike" cap="none" normalizeH="0" baseline="0" dirty="0" smtClean="0">
+              <a:ln>
+                <a:noFill/>
+              </a:ln>
+              <a:solidFill>
+                <a:schemeClr val="tx1"/>
+              </a:solidFill>
+              <a:effectLst/>
+              <a:latin typeface="굴림" pitchFamily="50" charset="-127"/>
+              <a:ea typeface="굴림" pitchFamily="50" charset="-127"/>
+              <a:cs typeface="굴림" pitchFamily="50" charset="-127"/>
+            </a:endParaRPr>
+          </a:p>
+        </p:txBody>
+      </p:sp>
+      <p:sp>
+        <p:nvSpPr>
+          <p:cNvPr id="41" name="직사각형 40"/>
+          <p:cNvSpPr/>
+          <p:nvPr/>
+        </p:nvSpPr>
+        <p:spPr>
+          <a:xfrm>
+            <a:off x="38658" y="214290"/>
+            <a:ext cx="3906304" cy="6429396"/>
+          </a:xfrm>
+          <a:prstGeom prst="rect">
+            <a:avLst/>
+          </a:prstGeom>
+          <a:noFill/>
+        </p:spPr>
+        <p:style>
+          <a:lnRef idx="2">
+            <a:schemeClr val="dk1"/>
+          </a:lnRef>
+          <a:fillRef idx="1">
+            <a:schemeClr val="lt1"/>
+          </a:fillRef>
+          <a:effectRef idx="0">
+            <a:schemeClr val="dk1"/>
+          </a:effectRef>
+          <a:fontRef idx="minor">
+            <a:schemeClr val="dk1"/>
+          </a:fontRef>
+        </p:style>
+        <p:txBody>
+          <a:bodyPr rtlCol="0" anchor="ctr"/>
+          <a:lstStyle/>
+          <a:p>
+            <a:pPr algn="ctr"/>
+            <a:endParaRPr lang="ko-KR" altLang="en-US"/>
+          </a:p>
+        </p:txBody>
+      </p:sp>
       <p:cxnSp>
         <p:nvCxnSpPr>
-          <p:cNvPr id="116" name="직선 화살표 연결선 115"/>
+          <p:cNvPr id="43" name="직선 연결선 42"/>
+          <p:cNvCxnSpPr/>
+          <p:nvPr/>
+        </p:nvCxnSpPr>
+        <p:spPr>
+          <a:xfrm>
+            <a:off x="90160" y="1038168"/>
+            <a:ext cx="3854802" cy="1588"/>
+          </a:xfrm>
+          <a:prstGeom prst="line">
+            <a:avLst/>
+          </a:prstGeom>
+        </p:spPr>
+        <p:style>
+          <a:lnRef idx="1">
+            <a:schemeClr val="accent1"/>
+          </a:lnRef>
+          <a:fillRef idx="0">
+            <a:schemeClr val="accent1"/>
+          </a:fillRef>
+          <a:effectRef idx="0">
+            <a:schemeClr val="accent1"/>
+          </a:effectRef>
+          <a:fontRef idx="minor">
+            <a:schemeClr val="tx1"/>
+          </a:fontRef>
+        </p:style>
+      </p:cxnSp>
+      <p:cxnSp>
+        <p:nvCxnSpPr>
+          <p:cNvPr id="45" name="직선 연결선 44"/>
+          <p:cNvCxnSpPr/>
+          <p:nvPr/>
+        </p:nvCxnSpPr>
+        <p:spPr>
+          <a:xfrm>
+            <a:off x="38658" y="4286256"/>
+            <a:ext cx="3906304" cy="1588"/>
+          </a:xfrm>
+          <a:prstGeom prst="line">
+            <a:avLst/>
+          </a:prstGeom>
+        </p:spPr>
+        <p:style>
+          <a:lnRef idx="1">
+            <a:schemeClr val="accent1"/>
+          </a:lnRef>
+          <a:fillRef idx="0">
+            <a:schemeClr val="accent1"/>
+          </a:fillRef>
+          <a:effectRef idx="0">
+            <a:schemeClr val="accent1"/>
+          </a:effectRef>
+          <a:fontRef idx="minor">
+            <a:schemeClr val="tx1"/>
+          </a:fontRef>
+        </p:style>
+      </p:cxnSp>
+      <p:sp>
+        <p:nvSpPr>
+          <p:cNvPr id="46" name="TextBox 45"/>
+          <p:cNvSpPr txBox="1"/>
+          <p:nvPr/>
+        </p:nvSpPr>
+        <p:spPr>
+          <a:xfrm>
+            <a:off x="151338" y="285728"/>
+            <a:ext cx="729687" cy="369332"/>
+          </a:xfrm>
+          <a:prstGeom prst="rect">
+            <a:avLst/>
+          </a:prstGeom>
+          <a:noFill/>
+        </p:spPr>
+        <p:txBody>
+          <a:bodyPr wrap="none" rtlCol="0">
+            <a:spAutoFit/>
+          </a:bodyPr>
+          <a:lstStyle/>
+          <a:p>
+            <a:r>
+              <a:rPr lang="en-US" altLang="ko-KR" dirty="0" smtClean="0"/>
+              <a:t>static</a:t>
+            </a:r>
+            <a:endParaRPr lang="ko-KR" altLang="en-US" dirty="0"/>
+          </a:p>
+        </p:txBody>
+      </p:sp>
+      <p:sp>
+        <p:nvSpPr>
+          <p:cNvPr id="47" name="TextBox 46"/>
+          <p:cNvSpPr txBox="1"/>
+          <p:nvPr/>
+        </p:nvSpPr>
+        <p:spPr>
+          <a:xfrm>
+            <a:off x="151338" y="1057847"/>
+            <a:ext cx="710451" cy="369332"/>
+          </a:xfrm>
+          <a:prstGeom prst="rect">
+            <a:avLst/>
+          </a:prstGeom>
+          <a:noFill/>
+        </p:spPr>
+        <p:txBody>
+          <a:bodyPr wrap="none" rtlCol="0">
+            <a:spAutoFit/>
+          </a:bodyPr>
+          <a:lstStyle/>
+          <a:p>
+            <a:r>
+              <a:rPr lang="en-US" altLang="ko-KR" dirty="0" smtClean="0"/>
+              <a:t>stack</a:t>
+            </a:r>
+            <a:endParaRPr lang="ko-KR" altLang="en-US" dirty="0"/>
+          </a:p>
+        </p:txBody>
+      </p:sp>
+      <p:sp>
+        <p:nvSpPr>
+          <p:cNvPr id="48" name="TextBox 47"/>
+          <p:cNvSpPr txBox="1"/>
+          <p:nvPr/>
+        </p:nvSpPr>
+        <p:spPr>
+          <a:xfrm>
+            <a:off x="151338" y="4357694"/>
+            <a:ext cx="699230" cy="369332"/>
+          </a:xfrm>
+          <a:prstGeom prst="rect">
+            <a:avLst/>
+          </a:prstGeom>
+          <a:noFill/>
+        </p:spPr>
+        <p:txBody>
+          <a:bodyPr wrap="none" rtlCol="0">
+            <a:spAutoFit/>
+          </a:bodyPr>
+          <a:lstStyle/>
+          <a:p>
+            <a:r>
+              <a:rPr lang="en-US" altLang="ko-KR" dirty="0" smtClean="0"/>
+              <a:t>heap</a:t>
+            </a:r>
+            <a:endParaRPr lang="ko-KR" altLang="en-US" dirty="0"/>
+          </a:p>
+        </p:txBody>
+      </p:sp>
+      <p:sp>
+        <p:nvSpPr>
+          <p:cNvPr id="54" name="직사각형 53"/>
+          <p:cNvSpPr/>
+          <p:nvPr/>
+        </p:nvSpPr>
+        <p:spPr>
+          <a:xfrm>
+            <a:off x="234176" y="4797152"/>
+            <a:ext cx="1366929" cy="1368152"/>
+          </a:xfrm>
+          <a:prstGeom prst="rect">
+            <a:avLst/>
+          </a:prstGeom>
+        </p:spPr>
+        <p:style>
+          <a:lnRef idx="2">
+            <a:schemeClr val="accent6">
+              <a:shade val="50000"/>
+            </a:schemeClr>
+          </a:lnRef>
+          <a:fillRef idx="1">
+            <a:schemeClr val="accent6"/>
+          </a:fillRef>
+          <a:effectRef idx="0">
+            <a:schemeClr val="accent6"/>
+          </a:effectRef>
+          <a:fontRef idx="minor">
+            <a:schemeClr val="lt1"/>
+          </a:fontRef>
+        </p:style>
+        <p:txBody>
+          <a:bodyPr rtlCol="0" anchor="ctr"/>
+          <a:lstStyle/>
+          <a:p>
+            <a:pPr algn="ctr"/>
+            <a:r>
+              <a:rPr lang="en-US" altLang="ko-KR" dirty="0" smtClean="0"/>
+              <a:t>new Cat</a:t>
+            </a:r>
+          </a:p>
+          <a:p>
+            <a:pPr algn="ctr"/>
+            <a:r>
+              <a:rPr lang="en-US" altLang="ko-KR" dirty="0" smtClean="0"/>
+              <a:t>bark()</a:t>
+            </a:r>
+          </a:p>
+          <a:p>
+            <a:pPr algn="ctr"/>
+            <a:r>
+              <a:rPr lang="en-US" altLang="ko-KR" dirty="0" smtClean="0"/>
+              <a:t>eat()</a:t>
+            </a:r>
+          </a:p>
+          <a:p>
+            <a:pPr algn="ctr"/>
+            <a:r>
+              <a:rPr lang="en-US" altLang="ko-KR" dirty="0"/>
+              <a:t>+</a:t>
+            </a:r>
+          </a:p>
+          <a:p>
+            <a:pPr algn="ctr"/>
+            <a:r>
+              <a:rPr lang="en-US" altLang="ko-KR" dirty="0" smtClean="0"/>
+              <a:t>Animal</a:t>
+            </a:r>
+          </a:p>
+        </p:txBody>
+      </p:sp>
+      <p:cxnSp>
+        <p:nvCxnSpPr>
+          <p:cNvPr id="56" name="직선 화살표 연결선 55"/>
           <p:cNvCxnSpPr>
-            <a:stCxn id="8" idx="0"/>
-            <a:endCxn id="111" idx="4"/>
+            <a:stCxn id="25" idx="2"/>
+            <a:endCxn id="54" idx="0"/>
           </p:cNvCxnSpPr>
           <p:nvPr/>
         </p:nvCxnSpPr>
         <p:spPr>
-          <a:xfrm flipV="1">
-            <a:off x="1673678" y="2210404"/>
-            <a:ext cx="828092" cy="2184797"/>
+          <a:xfrm>
+            <a:off x="913341" y="1937581"/>
+            <a:ext cx="4300" cy="2859571"/>
           </a:xfrm>
           <a:prstGeom prst="straightConnector1">
             <a:avLst/>
@@ -3881,19 +5096,139 @@
           </a:fontRef>
         </p:style>
       </p:cxnSp>
+      <p:sp>
+        <p:nvSpPr>
+          <p:cNvPr id="57" name="직사각형 56"/>
+          <p:cNvSpPr/>
+          <p:nvPr/>
+        </p:nvSpPr>
+        <p:spPr>
+          <a:xfrm>
+            <a:off x="1962979" y="4797152"/>
+            <a:ext cx="1366929" cy="1368152"/>
+          </a:xfrm>
+          <a:prstGeom prst="rect">
+            <a:avLst/>
+          </a:prstGeom>
+        </p:spPr>
+        <p:style>
+          <a:lnRef idx="2">
+            <a:schemeClr val="accent6">
+              <a:shade val="50000"/>
+            </a:schemeClr>
+          </a:lnRef>
+          <a:fillRef idx="1">
+            <a:schemeClr val="accent6"/>
+          </a:fillRef>
+          <a:effectRef idx="0">
+            <a:schemeClr val="accent6"/>
+          </a:effectRef>
+          <a:fontRef idx="minor">
+            <a:schemeClr val="lt1"/>
+          </a:fontRef>
+        </p:style>
+        <p:txBody>
+          <a:bodyPr rtlCol="0" anchor="ctr"/>
+          <a:lstStyle/>
+          <a:p>
+            <a:pPr algn="ctr"/>
+            <a:r>
+              <a:rPr lang="en-US" altLang="ko-KR" dirty="0" smtClean="0"/>
+              <a:t>new Dog</a:t>
+            </a:r>
+          </a:p>
+          <a:p>
+            <a:pPr algn="ctr"/>
+            <a:r>
+              <a:rPr lang="en-US" altLang="ko-KR" dirty="0"/>
+              <a:t>bark()</a:t>
+            </a:r>
+          </a:p>
+          <a:p>
+            <a:pPr algn="ctr"/>
+            <a:r>
+              <a:rPr lang="en-US" altLang="ko-KR" dirty="0"/>
+              <a:t>eat</a:t>
+            </a:r>
+            <a:r>
+              <a:rPr lang="en-US" altLang="ko-KR" dirty="0" smtClean="0"/>
+              <a:t>()</a:t>
+            </a:r>
+            <a:endParaRPr lang="en-US" altLang="ko-KR" dirty="0"/>
+          </a:p>
+          <a:p>
+            <a:pPr algn="ctr"/>
+            <a:r>
+              <a:rPr lang="en-US" altLang="ko-KR" dirty="0" smtClean="0"/>
+              <a:t>+</a:t>
+            </a:r>
+          </a:p>
+          <a:p>
+            <a:pPr algn="ctr"/>
+            <a:r>
+              <a:rPr lang="en-US" altLang="ko-KR" dirty="0" smtClean="0"/>
+              <a:t>Animal</a:t>
+            </a:r>
+            <a:endParaRPr lang="en-US" altLang="ko-KR" dirty="0"/>
+          </a:p>
+        </p:txBody>
+      </p:sp>
+      <p:sp>
+        <p:nvSpPr>
+          <p:cNvPr id="25" name="직사각형 24"/>
+          <p:cNvSpPr/>
+          <p:nvPr/>
+        </p:nvSpPr>
+        <p:spPr>
+          <a:xfrm>
+            <a:off x="302978" y="1567961"/>
+            <a:ext cx="1220725" cy="369620"/>
+          </a:xfrm>
+          <a:prstGeom prst="rect">
+            <a:avLst/>
+          </a:prstGeom>
+        </p:spPr>
+        <p:style>
+          <a:lnRef idx="2">
+            <a:schemeClr val="accent6">
+              <a:shade val="50000"/>
+            </a:schemeClr>
+          </a:lnRef>
+          <a:fillRef idx="1">
+            <a:schemeClr val="accent6"/>
+          </a:fillRef>
+          <a:effectRef idx="0">
+            <a:schemeClr val="accent6"/>
+          </a:effectRef>
+          <a:fontRef idx="minor">
+            <a:schemeClr val="lt1"/>
+          </a:fontRef>
+        </p:style>
+        <p:txBody>
+          <a:bodyPr rtlCol="0" anchor="ctr"/>
+          <a:lstStyle/>
+          <a:p>
+            <a:pPr algn="ctr"/>
+            <a:r>
+              <a:rPr lang="en-US" altLang="ko-KR" dirty="0" smtClean="0"/>
+              <a:t>cat</a:t>
+            </a:r>
+            <a:endParaRPr lang="ko-KR" altLang="en-US" dirty="0"/>
+          </a:p>
+        </p:txBody>
+      </p:sp>
       <p:cxnSp>
         <p:nvCxnSpPr>
-          <p:cNvPr id="119" name="직선 화살표 연결선 118"/>
+          <p:cNvPr id="71" name="직선 화살표 연결선 70"/>
           <p:cNvCxnSpPr>
-            <a:stCxn id="9" idx="0"/>
-            <a:endCxn id="111" idx="4"/>
+            <a:endCxn id="54" idx="0"/>
           </p:cNvCxnSpPr>
           <p:nvPr/>
         </p:nvCxnSpPr>
         <p:spPr>
-          <a:xfrm flipH="1" flipV="1">
-            <a:off x="2501770" y="2210404"/>
-            <a:ext cx="234746" cy="2184797"/>
+          <a:xfrm flipH="1">
+            <a:off x="917641" y="3075542"/>
+            <a:ext cx="2412267" cy="1721610"/>
           </a:xfrm>
           <a:prstGeom prst="straightConnector1">
             <a:avLst/>
@@ -3918,10 +5253,300 @@
           </a:fontRef>
         </p:style>
       </p:cxnSp>
+      <p:sp>
+        <p:nvSpPr>
+          <p:cNvPr id="78" name="직사각형 77"/>
+          <p:cNvSpPr/>
+          <p:nvPr/>
+        </p:nvSpPr>
+        <p:spPr>
+          <a:xfrm>
+            <a:off x="302978" y="1937580"/>
+            <a:ext cx="1220725" cy="846411"/>
+          </a:xfrm>
+          <a:prstGeom prst="rect">
+            <a:avLst/>
+          </a:prstGeom>
+        </p:spPr>
+        <p:style>
+          <a:lnRef idx="2">
+            <a:schemeClr val="accent6">
+              <a:shade val="50000"/>
+            </a:schemeClr>
+          </a:lnRef>
+          <a:fillRef idx="1">
+            <a:schemeClr val="accent6"/>
+          </a:fillRef>
+          <a:effectRef idx="0">
+            <a:schemeClr val="accent6"/>
+          </a:effectRef>
+          <a:fontRef idx="minor">
+            <a:schemeClr val="lt1"/>
+          </a:fontRef>
+        </p:style>
+        <p:txBody>
+          <a:bodyPr rtlCol="0" anchor="ctr"/>
+          <a:lstStyle/>
+          <a:p>
+            <a:pPr algn="ctr"/>
+            <a:r>
+              <a:rPr lang="en-US" altLang="ko-KR" dirty="0" smtClean="0"/>
+              <a:t>name</a:t>
+            </a:r>
+          </a:p>
+          <a:p>
+            <a:pPr algn="ctr"/>
+            <a:r>
+              <a:rPr lang="en-US" altLang="ko-KR" dirty="0" smtClean="0"/>
+              <a:t>age</a:t>
+            </a:r>
+          </a:p>
+          <a:p>
+            <a:pPr algn="ctr"/>
+            <a:r>
+              <a:rPr lang="en-US" altLang="ko-KR" dirty="0" smtClean="0"/>
+              <a:t>weight</a:t>
+            </a:r>
+            <a:endParaRPr lang="ko-KR" altLang="en-US" dirty="0"/>
+          </a:p>
+        </p:txBody>
+      </p:sp>
+      <p:sp>
+        <p:nvSpPr>
+          <p:cNvPr id="79" name="직사각형 78"/>
+          <p:cNvSpPr/>
+          <p:nvPr/>
+        </p:nvSpPr>
+        <p:spPr>
+          <a:xfrm>
+            <a:off x="302978" y="2783991"/>
+            <a:ext cx="1220725" cy="1293081"/>
+          </a:xfrm>
+          <a:prstGeom prst="rect">
+            <a:avLst/>
+          </a:prstGeom>
+        </p:spPr>
+        <p:style>
+          <a:lnRef idx="2">
+            <a:schemeClr val="accent6">
+              <a:shade val="50000"/>
+            </a:schemeClr>
+          </a:lnRef>
+          <a:fillRef idx="1">
+            <a:schemeClr val="accent6"/>
+          </a:fillRef>
+          <a:effectRef idx="0">
+            <a:schemeClr val="accent6"/>
+          </a:effectRef>
+          <a:fontRef idx="minor">
+            <a:schemeClr val="lt1"/>
+          </a:fontRef>
+        </p:style>
+        <p:txBody>
+          <a:bodyPr rtlCol="0" anchor="ctr"/>
+          <a:lstStyle/>
+          <a:p>
+            <a:pPr algn="ctr"/>
+            <a:r>
+              <a:rPr lang="en-US" altLang="ko-KR" dirty="0" err="1" smtClean="0"/>
+              <a:t>shakeTail</a:t>
+            </a:r>
+            <a:r>
+              <a:rPr lang="en-US" altLang="ko-KR" dirty="0" smtClean="0"/>
+              <a:t>()</a:t>
+            </a:r>
+          </a:p>
+          <a:p>
+            <a:pPr algn="ctr"/>
+            <a:r>
+              <a:rPr lang="en-US" altLang="ko-KR" dirty="0" err="1" smtClean="0"/>
+              <a:t>printInfo</a:t>
+            </a:r>
+            <a:r>
+              <a:rPr lang="en-US" altLang="ko-KR" dirty="0" smtClean="0"/>
+              <a:t>()</a:t>
+            </a:r>
+          </a:p>
+          <a:p>
+            <a:pPr algn="ctr"/>
+            <a:r>
+              <a:rPr lang="en-US" altLang="ko-KR" dirty="0" smtClean="0"/>
+              <a:t>bark()</a:t>
+            </a:r>
+          </a:p>
+          <a:p>
+            <a:pPr algn="ctr"/>
+            <a:r>
+              <a:rPr lang="en-US" altLang="ko-KR" dirty="0" smtClean="0"/>
+              <a:t>eat()</a:t>
+            </a:r>
+          </a:p>
+        </p:txBody>
+      </p:sp>
+      <p:sp>
+        <p:nvSpPr>
+          <p:cNvPr id="82" name="직사각형 81"/>
+          <p:cNvSpPr/>
+          <p:nvPr/>
+        </p:nvSpPr>
+        <p:spPr>
+          <a:xfrm>
+            <a:off x="2137854" y="1567961"/>
+            <a:ext cx="1220725" cy="369620"/>
+          </a:xfrm>
+          <a:prstGeom prst="rect">
+            <a:avLst/>
+          </a:prstGeom>
+        </p:spPr>
+        <p:style>
+          <a:lnRef idx="2">
+            <a:schemeClr val="accent6">
+              <a:shade val="50000"/>
+            </a:schemeClr>
+          </a:lnRef>
+          <a:fillRef idx="1">
+            <a:schemeClr val="accent6"/>
+          </a:fillRef>
+          <a:effectRef idx="0">
+            <a:schemeClr val="accent6"/>
+          </a:effectRef>
+          <a:fontRef idx="minor">
+            <a:schemeClr val="lt1"/>
+          </a:fontRef>
+        </p:style>
+        <p:txBody>
+          <a:bodyPr rtlCol="0" anchor="ctr"/>
+          <a:lstStyle/>
+          <a:p>
+            <a:pPr algn="ctr"/>
+            <a:r>
+              <a:rPr lang="en-US" altLang="ko-KR" dirty="0" smtClean="0"/>
+              <a:t>animal</a:t>
+            </a:r>
+            <a:endParaRPr lang="ko-KR" altLang="en-US" dirty="0"/>
+          </a:p>
+        </p:txBody>
+      </p:sp>
+      <p:sp>
+        <p:nvSpPr>
+          <p:cNvPr id="83" name="직사각형 82"/>
+          <p:cNvSpPr/>
+          <p:nvPr/>
+        </p:nvSpPr>
+        <p:spPr>
+          <a:xfrm>
+            <a:off x="2137854" y="1937580"/>
+            <a:ext cx="1220725" cy="846411"/>
+          </a:xfrm>
+          <a:prstGeom prst="rect">
+            <a:avLst/>
+          </a:prstGeom>
+        </p:spPr>
+        <p:style>
+          <a:lnRef idx="2">
+            <a:schemeClr val="accent6">
+              <a:shade val="50000"/>
+            </a:schemeClr>
+          </a:lnRef>
+          <a:fillRef idx="1">
+            <a:schemeClr val="accent6"/>
+          </a:fillRef>
+          <a:effectRef idx="0">
+            <a:schemeClr val="accent6"/>
+          </a:effectRef>
+          <a:fontRef idx="minor">
+            <a:schemeClr val="lt1"/>
+          </a:fontRef>
+        </p:style>
+        <p:txBody>
+          <a:bodyPr rtlCol="0" anchor="ctr"/>
+          <a:lstStyle/>
+          <a:p>
+            <a:pPr algn="ctr"/>
+            <a:r>
+              <a:rPr lang="en-US" altLang="ko-KR" dirty="0" smtClean="0"/>
+              <a:t>name</a:t>
+            </a:r>
+          </a:p>
+          <a:p>
+            <a:pPr algn="ctr"/>
+            <a:r>
+              <a:rPr lang="en-US" altLang="ko-KR" dirty="0" smtClean="0"/>
+              <a:t>age</a:t>
+            </a:r>
+          </a:p>
+          <a:p>
+            <a:pPr algn="ctr"/>
+            <a:r>
+              <a:rPr lang="en-US" altLang="ko-KR" dirty="0" smtClean="0"/>
+              <a:t>weight</a:t>
+            </a:r>
+            <a:endParaRPr lang="ko-KR" altLang="en-US" dirty="0"/>
+          </a:p>
+        </p:txBody>
+      </p:sp>
+      <p:sp>
+        <p:nvSpPr>
+          <p:cNvPr id="84" name="직사각형 83"/>
+          <p:cNvSpPr/>
+          <p:nvPr/>
+        </p:nvSpPr>
+        <p:spPr>
+          <a:xfrm>
+            <a:off x="2137854" y="2783992"/>
+            <a:ext cx="1220725" cy="770932"/>
+          </a:xfrm>
+          <a:prstGeom prst="rect">
+            <a:avLst/>
+          </a:prstGeom>
+        </p:spPr>
+        <p:style>
+          <a:lnRef idx="2">
+            <a:schemeClr val="accent6">
+              <a:shade val="50000"/>
+            </a:schemeClr>
+          </a:lnRef>
+          <a:fillRef idx="1">
+            <a:schemeClr val="accent6"/>
+          </a:fillRef>
+          <a:effectRef idx="0">
+            <a:schemeClr val="accent6"/>
+          </a:effectRef>
+          <a:fontRef idx="minor">
+            <a:schemeClr val="lt1"/>
+          </a:fontRef>
+        </p:style>
+        <p:txBody>
+          <a:bodyPr rtlCol="0" anchor="ctr"/>
+          <a:lstStyle/>
+          <a:p>
+            <a:pPr algn="ctr"/>
+            <a:r>
+              <a:rPr lang="en-US" altLang="ko-KR" dirty="0" err="1" smtClean="0"/>
+              <a:t>shakeTail</a:t>
+            </a:r>
+            <a:r>
+              <a:rPr lang="en-US" altLang="ko-KR" dirty="0" smtClean="0"/>
+              <a:t>()</a:t>
+            </a:r>
+          </a:p>
+          <a:p>
+            <a:pPr algn="ctr"/>
+            <a:r>
+              <a:rPr lang="en-US" altLang="ko-KR" dirty="0" err="1" smtClean="0"/>
+              <a:t>printInfo</a:t>
+            </a:r>
+            <a:r>
+              <a:rPr lang="en-US" altLang="ko-KR" dirty="0" smtClean="0"/>
+              <a:t>()</a:t>
+            </a:r>
+          </a:p>
+        </p:txBody>
+      </p:sp>
     </p:spTree>
     <p:extLst>
       <p:ext uri="{BB962C8B-B14F-4D97-AF65-F5344CB8AC3E}">
-        <p14:creationId xmlns:p14="http://schemas.microsoft.com/office/powerpoint/2010/main" val="3662329444"/>
+        <p14:creationId xmlns:p14="http://schemas.microsoft.com/office/powerpoint/2010/main" val="3842747974"/>
       </p:ext>
     </p:extLst>
   </p:cSld>
@@ -3931,7 +5556,7 @@
 </p:sld>
 </file>
 
-<file path=ppt/slides/slide2.xml><?xml version="1.0" encoding="utf-8"?>
+<file path=ppt/slides/slide3.xml><?xml version="1.0" encoding="utf-8"?>
 <p:sld xmlns:a="http://schemas.openxmlformats.org/drawingml/2006/main" xmlns:r="http://schemas.openxmlformats.org/officeDocument/2006/relationships" xmlns:p="http://schemas.openxmlformats.org/presentationml/2006/main">
   <p:cSld>
     <p:spTree>
@@ -5016,11 +6641,7 @@
             <a:pPr algn="ctr"/>
             <a:r>
               <a:rPr lang="en-US" altLang="ko-KR" dirty="0" smtClean="0"/>
-              <a:t>new </a:t>
-            </a:r>
-            <a:r>
-              <a:rPr lang="en-US" altLang="ko-KR" dirty="0" smtClean="0"/>
-              <a:t>Cat</a:t>
+              <a:t>new Cat</a:t>
             </a:r>
           </a:p>
           <a:p>
@@ -5050,7 +6671,6 @@
               <a:rPr lang="en-US" altLang="ko-KR" dirty="0" smtClean="0"/>
               <a:t>Animal</a:t>
             </a:r>
-            <a:endParaRPr lang="en-US" altLang="ko-KR" dirty="0" smtClean="0"/>
           </a:p>
         </p:txBody>
       </p:sp>
@@ -5093,14 +6713,14 @@
       </p:cxnSp>
       <p:sp>
         <p:nvSpPr>
-          <p:cNvPr id="57" name="직사각형 56"/>
+          <p:cNvPr id="25" name="직사각형 24"/>
           <p:cNvSpPr/>
           <p:nvPr/>
         </p:nvSpPr>
         <p:spPr>
           <a:xfrm>
-            <a:off x="1962979" y="4797152"/>
-            <a:ext cx="1366929" cy="1368152"/>
+            <a:off x="302978" y="1567961"/>
+            <a:ext cx="1220725" cy="369620"/>
           </a:xfrm>
           <a:prstGeom prst="rect">
             <a:avLst/>
@@ -5129,59 +6749,58 @@
             <a:pPr algn="ctr"/>
             <a:r>
               <a:rPr lang="en-US" altLang="ko-KR" dirty="0" smtClean="0"/>
-              <a:t>new </a:t>
-            </a:r>
-            <a:r>
-              <a:rPr lang="en-US" altLang="ko-KR" dirty="0" smtClean="0"/>
-              <a:t>Dog</a:t>
-            </a:r>
-          </a:p>
-          <a:p>
-            <a:pPr algn="ctr"/>
-            <a:r>
-              <a:rPr lang="en-US" altLang="ko-KR" dirty="0"/>
-              <a:t>bark()</a:t>
-            </a:r>
-          </a:p>
-          <a:p>
-            <a:pPr algn="ctr"/>
-            <a:r>
-              <a:rPr lang="en-US" altLang="ko-KR" dirty="0"/>
-              <a:t>eat</a:t>
-            </a:r>
-            <a:r>
-              <a:rPr lang="en-US" altLang="ko-KR" dirty="0" smtClean="0"/>
-              <a:t>()</a:t>
-            </a:r>
-            <a:endParaRPr lang="en-US" altLang="ko-KR" dirty="0"/>
-          </a:p>
-          <a:p>
-            <a:pPr algn="ctr"/>
-            <a:r>
-              <a:rPr lang="en-US" altLang="ko-KR" dirty="0" smtClean="0"/>
-              <a:t>+</a:t>
-            </a:r>
-          </a:p>
-          <a:p>
-            <a:pPr algn="ctr"/>
-            <a:r>
-              <a:rPr lang="en-US" altLang="ko-KR" dirty="0" smtClean="0"/>
-              <a:t>Animal</a:t>
-            </a:r>
-            <a:endParaRPr lang="en-US" altLang="ko-KR" dirty="0"/>
-          </a:p>
-        </p:txBody>
-      </p:sp>
-      <p:sp>
-        <p:nvSpPr>
-          <p:cNvPr id="25" name="직사각형 24"/>
+              <a:t>cat</a:t>
+            </a:r>
+            <a:endParaRPr lang="ko-KR" altLang="en-US" dirty="0"/>
+          </a:p>
+        </p:txBody>
+      </p:sp>
+      <p:cxnSp>
+        <p:nvCxnSpPr>
+          <p:cNvPr id="71" name="직선 화살표 연결선 70"/>
+          <p:cNvCxnSpPr>
+            <a:endCxn id="54" idx="0"/>
+          </p:cNvCxnSpPr>
+          <p:nvPr/>
+        </p:nvCxnSpPr>
+        <p:spPr>
+          <a:xfrm flipH="1">
+            <a:off x="917641" y="3075542"/>
+            <a:ext cx="2412267" cy="1721610"/>
+          </a:xfrm>
+          <a:prstGeom prst="straightConnector1">
+            <a:avLst/>
+          </a:prstGeom>
+          <a:ln>
+            <a:headEnd type="none" w="med" len="med"/>
+            <a:tailEnd type="triangle" w="med" len="med"/>
+          </a:ln>
+        </p:spPr>
+        <p:style>
+          <a:lnRef idx="1">
+            <a:schemeClr val="accent2"/>
+          </a:lnRef>
+          <a:fillRef idx="0">
+            <a:schemeClr val="accent2"/>
+          </a:fillRef>
+          <a:effectRef idx="0">
+            <a:schemeClr val="accent2"/>
+          </a:effectRef>
+          <a:fontRef idx="minor">
+            <a:schemeClr val="tx1"/>
+          </a:fontRef>
+        </p:style>
+      </p:cxnSp>
+      <p:sp>
+        <p:nvSpPr>
+          <p:cNvPr id="78" name="직사각형 77"/>
           <p:cNvSpPr/>
           <p:nvPr/>
         </p:nvSpPr>
         <p:spPr>
           <a:xfrm>
-            <a:off x="302978" y="1567961"/>
-            <a:ext cx="1220725" cy="369620"/>
+            <a:off x="302978" y="1937580"/>
+            <a:ext cx="1220725" cy="846411"/>
           </a:xfrm>
           <a:prstGeom prst="rect">
             <a:avLst/>
@@ -5210,58 +6829,36 @@
             <a:pPr algn="ctr"/>
             <a:r>
               <a:rPr lang="en-US" altLang="ko-KR" dirty="0" smtClean="0"/>
-              <a:t>cat</a:t>
+              <a:t>name</a:t>
+            </a:r>
+          </a:p>
+          <a:p>
+            <a:pPr algn="ctr"/>
+            <a:r>
+              <a:rPr lang="en-US" altLang="ko-KR" dirty="0" smtClean="0"/>
+              <a:t>age</a:t>
+            </a:r>
+          </a:p>
+          <a:p>
+            <a:pPr algn="ctr"/>
+            <a:r>
+              <a:rPr lang="en-US" altLang="ko-KR" dirty="0" smtClean="0"/>
+              <a:t>weight</a:t>
             </a:r>
             <a:endParaRPr lang="ko-KR" altLang="en-US" dirty="0"/>
           </a:p>
         </p:txBody>
       </p:sp>
-      <p:cxnSp>
-        <p:nvCxnSpPr>
-          <p:cNvPr id="71" name="직선 화살표 연결선 70"/>
-          <p:cNvCxnSpPr>
-            <a:endCxn id="54" idx="0"/>
-          </p:cNvCxnSpPr>
-          <p:nvPr/>
-        </p:nvCxnSpPr>
-        <p:spPr>
-          <a:xfrm flipH="1">
-            <a:off x="917641" y="3075542"/>
-            <a:ext cx="2412267" cy="1721610"/>
-          </a:xfrm>
-          <a:prstGeom prst="straightConnector1">
-            <a:avLst/>
-          </a:prstGeom>
-          <a:ln>
-            <a:headEnd type="none" w="med" len="med"/>
-            <a:tailEnd type="triangle" w="med" len="med"/>
-          </a:ln>
-        </p:spPr>
-        <p:style>
-          <a:lnRef idx="1">
-            <a:schemeClr val="accent2"/>
-          </a:lnRef>
-          <a:fillRef idx="0">
-            <a:schemeClr val="accent2"/>
-          </a:fillRef>
-          <a:effectRef idx="0">
-            <a:schemeClr val="accent2"/>
-          </a:effectRef>
-          <a:fontRef idx="minor">
-            <a:schemeClr val="tx1"/>
-          </a:fontRef>
-        </p:style>
-      </p:cxnSp>
-      <p:sp>
-        <p:nvSpPr>
-          <p:cNvPr id="78" name="직사각형 77"/>
+      <p:sp>
+        <p:nvSpPr>
+          <p:cNvPr id="79" name="직사각형 78"/>
           <p:cNvSpPr/>
           <p:nvPr/>
         </p:nvSpPr>
         <p:spPr>
           <a:xfrm>
-            <a:off x="302978" y="1937580"/>
-            <a:ext cx="1220725" cy="846411"/>
+            <a:off x="302978" y="2783991"/>
+            <a:ext cx="1220725" cy="1293081"/>
           </a:xfrm>
           <a:prstGeom prst="rect">
             <a:avLst/>
@@ -5289,37 +6886,51 @@
           <a:p>
             <a:pPr algn="ctr"/>
             <a:r>
+              <a:rPr lang="en-US" altLang="ko-KR" dirty="0" err="1" smtClean="0"/>
+              <a:t>shakeTail</a:t>
+            </a:r>
+            <a:r>
               <a:rPr lang="en-US" altLang="ko-KR" dirty="0" smtClean="0"/>
-              <a:t>name</a:t>
+              <a:t>()</a:t>
             </a:r>
           </a:p>
           <a:p>
             <a:pPr algn="ctr"/>
             <a:r>
+              <a:rPr lang="en-US" altLang="ko-KR" dirty="0" err="1" smtClean="0"/>
+              <a:t>printInfo</a:t>
+            </a:r>
+            <a:r>
               <a:rPr lang="en-US" altLang="ko-KR" dirty="0" smtClean="0"/>
-              <a:t>age</a:t>
+              <a:t>()</a:t>
             </a:r>
           </a:p>
           <a:p>
             <a:pPr algn="ctr"/>
             <a:r>
               <a:rPr lang="en-US" altLang="ko-KR" dirty="0" smtClean="0"/>
-              <a:t>weight</a:t>
-            </a:r>
-            <a:endParaRPr lang="ko-KR" altLang="en-US" dirty="0"/>
-          </a:p>
-        </p:txBody>
-      </p:sp>
-      <p:sp>
-        <p:nvSpPr>
-          <p:cNvPr id="79" name="직사각형 78"/>
+              <a:t>bark()</a:t>
+            </a:r>
+          </a:p>
+          <a:p>
+            <a:pPr algn="ctr"/>
+            <a:r>
+              <a:rPr lang="en-US" altLang="ko-KR" dirty="0" smtClean="0"/>
+              <a:t>eat()</a:t>
+            </a:r>
+          </a:p>
+        </p:txBody>
+      </p:sp>
+      <p:sp>
+        <p:nvSpPr>
+          <p:cNvPr id="82" name="직사각형 81"/>
           <p:cNvSpPr/>
           <p:nvPr/>
         </p:nvSpPr>
         <p:spPr>
           <a:xfrm>
-            <a:off x="302978" y="2783991"/>
-            <a:ext cx="1220725" cy="1293081"/>
+            <a:off x="2137854" y="1567961"/>
+            <a:ext cx="1220725" cy="369620"/>
           </a:xfrm>
           <a:prstGeom prst="rect">
             <a:avLst/>
@@ -5347,51 +6958,23 @@
           <a:p>
             <a:pPr algn="ctr"/>
             <a:r>
-              <a:rPr lang="en-US" altLang="ko-KR" dirty="0" err="1" smtClean="0"/>
-              <a:t>shakeTail</a:t>
-            </a:r>
-            <a:r>
               <a:rPr lang="en-US" altLang="ko-KR" dirty="0" smtClean="0"/>
-              <a:t>()</a:t>
-            </a:r>
-          </a:p>
-          <a:p>
-            <a:pPr algn="ctr"/>
-            <a:r>
-              <a:rPr lang="en-US" altLang="ko-KR" dirty="0" err="1" smtClean="0"/>
-              <a:t>printInfo</a:t>
-            </a:r>
-            <a:r>
-              <a:rPr lang="en-US" altLang="ko-KR" dirty="0" smtClean="0"/>
-              <a:t>()</a:t>
-            </a:r>
-          </a:p>
-          <a:p>
-            <a:pPr algn="ctr"/>
-            <a:r>
-              <a:rPr lang="en-US" altLang="ko-KR" dirty="0" smtClean="0"/>
-              <a:t>bark()</a:t>
-            </a:r>
-          </a:p>
-          <a:p>
-            <a:pPr algn="ctr"/>
-            <a:r>
-              <a:rPr lang="en-US" altLang="ko-KR" dirty="0" smtClean="0"/>
-              <a:t>eat()</a:t>
-            </a:r>
-          </a:p>
-        </p:txBody>
-      </p:sp>
-      <p:sp>
-        <p:nvSpPr>
-          <p:cNvPr id="82" name="직사각형 81"/>
+              <a:t>animal</a:t>
+            </a:r>
+            <a:endParaRPr lang="ko-KR" altLang="en-US" dirty="0"/>
+          </a:p>
+        </p:txBody>
+      </p:sp>
+      <p:sp>
+        <p:nvSpPr>
+          <p:cNvPr id="83" name="직사각형 82"/>
           <p:cNvSpPr/>
           <p:nvPr/>
         </p:nvSpPr>
         <p:spPr>
           <a:xfrm>
-            <a:off x="2137854" y="1567961"/>
-            <a:ext cx="1220725" cy="369620"/>
+            <a:off x="2137854" y="1937580"/>
+            <a:ext cx="1220725" cy="846411"/>
           </a:xfrm>
           <a:prstGeom prst="rect">
             <a:avLst/>
@@ -5420,7 +7003,21 @@
             <a:pPr algn="ctr"/>
             <a:r>
               <a:rPr lang="en-US" altLang="ko-KR" dirty="0" smtClean="0"/>
-              <a:t>animal</a:t>
+              <a:t>name</a:t>
+            </a:r>
+          </a:p>
+          <a:p>
+            <a:pPr algn="ctr"/>
+            <a:r>
+              <a:rPr lang="en-US" altLang="ko-KR" dirty="0" smtClean="0"/>
+              <a:t>age</a:t>
+            </a:r>
+          </a:p>
+          <a:p>
+            <a:pPr algn="ctr"/>
+            <a:r>
+              <a:rPr lang="en-US" altLang="ko-KR" dirty="0" smtClean="0"/>
+              <a:t>weight</a:t>
             </a:r>
             <a:endParaRPr lang="ko-KR" altLang="en-US" dirty="0"/>
           </a:p>
@@ -5428,14 +7025,14 @@
       </p:sp>
       <p:sp>
         <p:nvSpPr>
-          <p:cNvPr id="83" name="직사각형 82"/>
+          <p:cNvPr id="84" name="직사각형 83"/>
           <p:cNvSpPr/>
           <p:nvPr/>
         </p:nvSpPr>
         <p:spPr>
           <a:xfrm>
-            <a:off x="2137854" y="1937580"/>
-            <a:ext cx="1220725" cy="846411"/>
+            <a:off x="2137854" y="2783992"/>
+            <a:ext cx="1220725" cy="770932"/>
           </a:xfrm>
           <a:prstGeom prst="rect">
             <a:avLst/>
@@ -5463,64 +7060,6 @@
           <a:p>
             <a:pPr algn="ctr"/>
             <a:r>
-              <a:rPr lang="en-US" altLang="ko-KR" dirty="0" smtClean="0"/>
-              <a:t>name</a:t>
-            </a:r>
-          </a:p>
-          <a:p>
-            <a:pPr algn="ctr"/>
-            <a:r>
-              <a:rPr lang="en-US" altLang="ko-KR" dirty="0" smtClean="0"/>
-              <a:t>age</a:t>
-            </a:r>
-          </a:p>
-          <a:p>
-            <a:pPr algn="ctr"/>
-            <a:r>
-              <a:rPr lang="en-US" altLang="ko-KR" dirty="0" smtClean="0"/>
-              <a:t>weight</a:t>
-            </a:r>
-            <a:endParaRPr lang="ko-KR" altLang="en-US" dirty="0"/>
-          </a:p>
-        </p:txBody>
-      </p:sp>
-      <p:sp>
-        <p:nvSpPr>
-          <p:cNvPr id="84" name="직사각형 83"/>
-          <p:cNvSpPr/>
-          <p:nvPr/>
-        </p:nvSpPr>
-        <p:spPr>
-          <a:xfrm>
-            <a:off x="2137854" y="2783992"/>
-            <a:ext cx="1220725" cy="770932"/>
-          </a:xfrm>
-          <a:prstGeom prst="rect">
-            <a:avLst/>
-          </a:prstGeom>
-        </p:spPr>
-        <p:style>
-          <a:lnRef idx="2">
-            <a:schemeClr val="accent6">
-              <a:shade val="50000"/>
-            </a:schemeClr>
-          </a:lnRef>
-          <a:fillRef idx="1">
-            <a:schemeClr val="accent6"/>
-          </a:fillRef>
-          <a:effectRef idx="0">
-            <a:schemeClr val="accent6"/>
-          </a:effectRef>
-          <a:fontRef idx="minor">
-            <a:schemeClr val="lt1"/>
-          </a:fontRef>
-        </p:style>
-        <p:txBody>
-          <a:bodyPr rtlCol="0" anchor="ctr"/>
-          <a:lstStyle/>
-          <a:p>
-            <a:pPr algn="ctr"/>
-            <a:r>
               <a:rPr lang="en-US" altLang="ko-KR" dirty="0" err="1" smtClean="0"/>
               <a:t>shakeTail</a:t>
             </a:r>
@@ -5545,7 +7084,7 @@
     </p:spTree>
     <p:extLst>
       <p:ext uri="{BB962C8B-B14F-4D97-AF65-F5344CB8AC3E}">
-        <p14:creationId xmlns:p14="http://schemas.microsoft.com/office/powerpoint/2010/main" val="3842747974"/>
+        <p14:creationId xmlns:p14="http://schemas.microsoft.com/office/powerpoint/2010/main" val="1538389046"/>
       </p:ext>
     </p:extLst>
   </p:cSld>
@@ -5555,7 +7094,7 @@
 </p:sld>
 </file>
 
-<file path=ppt/slides/slide3.xml><?xml version="1.0" encoding="utf-8"?>
+<file path=ppt/slides/slide4.xml><?xml version="1.0" encoding="utf-8"?>
 <p:sld xmlns:a="http://schemas.openxmlformats.org/drawingml/2006/main" xmlns:r="http://schemas.openxmlformats.org/officeDocument/2006/relationships" xmlns:p="http://schemas.openxmlformats.org/presentationml/2006/main">
   <p:cSld>
     <p:spTree>
@@ -6640,11 +8179,7 @@
             <a:pPr algn="ctr"/>
             <a:r>
               <a:rPr lang="en-US" altLang="ko-KR" dirty="0" smtClean="0"/>
-              <a:t>new </a:t>
-            </a:r>
-            <a:r>
-              <a:rPr lang="en-US" altLang="ko-KR" dirty="0" smtClean="0"/>
-              <a:t>Cat</a:t>
+              <a:t>new Cat</a:t>
             </a:r>
           </a:p>
           <a:p>
@@ -6674,7 +8209,6 @@
               <a:rPr lang="en-US" altLang="ko-KR" dirty="0" smtClean="0"/>
               <a:t>Animal</a:t>
             </a:r>
-            <a:endParaRPr lang="en-US" altLang="ko-KR" dirty="0" smtClean="0"/>
           </a:p>
         </p:txBody>
       </p:sp>
@@ -6688,9 +8222,9 @@
           <p:nvPr/>
         </p:nvCxnSpPr>
         <p:spPr>
-          <a:xfrm>
-            <a:off x="913341" y="1937581"/>
-            <a:ext cx="4300" cy="2859571"/>
+          <a:xfrm flipH="1">
+            <a:off x="917641" y="3284984"/>
+            <a:ext cx="36551" cy="1512168"/>
           </a:xfrm>
           <a:prstGeom prst="straightConnector1">
             <a:avLst/>
@@ -6723,7 +8257,7 @@
         </p:nvSpPr>
         <p:spPr>
           <a:xfrm>
-            <a:off x="302978" y="1567961"/>
+            <a:off x="343829" y="2915364"/>
             <a:ext cx="1220725" cy="369620"/>
           </a:xfrm>
           <a:prstGeom prst="rect">
@@ -6759,336 +8293,10 @@
           </a:p>
         </p:txBody>
       </p:sp>
-      <p:cxnSp>
-        <p:nvCxnSpPr>
-          <p:cNvPr id="71" name="직선 화살표 연결선 70"/>
-          <p:cNvCxnSpPr>
-            <a:endCxn id="54" idx="0"/>
-          </p:cNvCxnSpPr>
-          <p:nvPr/>
-        </p:nvCxnSpPr>
-        <p:spPr>
-          <a:xfrm flipH="1">
-            <a:off x="917641" y="3075542"/>
-            <a:ext cx="2412267" cy="1721610"/>
-          </a:xfrm>
-          <a:prstGeom prst="straightConnector1">
-            <a:avLst/>
-          </a:prstGeom>
-          <a:ln>
-            <a:headEnd type="none" w="med" len="med"/>
-            <a:tailEnd type="triangle" w="med" len="med"/>
-          </a:ln>
-        </p:spPr>
-        <p:style>
-          <a:lnRef idx="1">
-            <a:schemeClr val="accent2"/>
-          </a:lnRef>
-          <a:fillRef idx="0">
-            <a:schemeClr val="accent2"/>
-          </a:fillRef>
-          <a:effectRef idx="0">
-            <a:schemeClr val="accent2"/>
-          </a:effectRef>
-          <a:fontRef idx="minor">
-            <a:schemeClr val="tx1"/>
-          </a:fontRef>
-        </p:style>
-      </p:cxnSp>
-      <p:sp>
-        <p:nvSpPr>
-          <p:cNvPr id="78" name="직사각형 77"/>
-          <p:cNvSpPr/>
-          <p:nvPr/>
-        </p:nvSpPr>
-        <p:spPr>
-          <a:xfrm>
-            <a:off x="302978" y="1937580"/>
-            <a:ext cx="1220725" cy="846411"/>
-          </a:xfrm>
-          <a:prstGeom prst="rect">
-            <a:avLst/>
-          </a:prstGeom>
-        </p:spPr>
-        <p:style>
-          <a:lnRef idx="2">
-            <a:schemeClr val="accent6">
-              <a:shade val="50000"/>
-            </a:schemeClr>
-          </a:lnRef>
-          <a:fillRef idx="1">
-            <a:schemeClr val="accent6"/>
-          </a:fillRef>
-          <a:effectRef idx="0">
-            <a:schemeClr val="accent6"/>
-          </a:effectRef>
-          <a:fontRef idx="minor">
-            <a:schemeClr val="lt1"/>
-          </a:fontRef>
-        </p:style>
-        <p:txBody>
-          <a:bodyPr rtlCol="0" anchor="ctr"/>
-          <a:lstStyle/>
-          <a:p>
-            <a:pPr algn="ctr"/>
-            <a:r>
-              <a:rPr lang="en-US" altLang="ko-KR" dirty="0" smtClean="0"/>
-              <a:t>name</a:t>
-            </a:r>
-          </a:p>
-          <a:p>
-            <a:pPr algn="ctr"/>
-            <a:r>
-              <a:rPr lang="en-US" altLang="ko-KR" dirty="0" smtClean="0"/>
-              <a:t>age</a:t>
-            </a:r>
-          </a:p>
-          <a:p>
-            <a:pPr algn="ctr"/>
-            <a:r>
-              <a:rPr lang="en-US" altLang="ko-KR" dirty="0" smtClean="0"/>
-              <a:t>weight</a:t>
-            </a:r>
-            <a:endParaRPr lang="ko-KR" altLang="en-US" dirty="0"/>
-          </a:p>
-        </p:txBody>
-      </p:sp>
-      <p:sp>
-        <p:nvSpPr>
-          <p:cNvPr id="79" name="직사각형 78"/>
-          <p:cNvSpPr/>
-          <p:nvPr/>
-        </p:nvSpPr>
-        <p:spPr>
-          <a:xfrm>
-            <a:off x="302978" y="2783991"/>
-            <a:ext cx="1220725" cy="1293081"/>
-          </a:xfrm>
-          <a:prstGeom prst="rect">
-            <a:avLst/>
-          </a:prstGeom>
-        </p:spPr>
-        <p:style>
-          <a:lnRef idx="2">
-            <a:schemeClr val="accent6">
-              <a:shade val="50000"/>
-            </a:schemeClr>
-          </a:lnRef>
-          <a:fillRef idx="1">
-            <a:schemeClr val="accent6"/>
-          </a:fillRef>
-          <a:effectRef idx="0">
-            <a:schemeClr val="accent6"/>
-          </a:effectRef>
-          <a:fontRef idx="minor">
-            <a:schemeClr val="lt1"/>
-          </a:fontRef>
-        </p:style>
-        <p:txBody>
-          <a:bodyPr rtlCol="0" anchor="ctr"/>
-          <a:lstStyle/>
-          <a:p>
-            <a:pPr algn="ctr"/>
-            <a:r>
-              <a:rPr lang="en-US" altLang="ko-KR" dirty="0" err="1" smtClean="0"/>
-              <a:t>shakeTail</a:t>
-            </a:r>
-            <a:r>
-              <a:rPr lang="en-US" altLang="ko-KR" dirty="0" smtClean="0"/>
-              <a:t>()</a:t>
-            </a:r>
-          </a:p>
-          <a:p>
-            <a:pPr algn="ctr"/>
-            <a:r>
-              <a:rPr lang="en-US" altLang="ko-KR" dirty="0" err="1" smtClean="0"/>
-              <a:t>printInfo</a:t>
-            </a:r>
-            <a:r>
-              <a:rPr lang="en-US" altLang="ko-KR" dirty="0" smtClean="0"/>
-              <a:t>()</a:t>
-            </a:r>
-          </a:p>
-          <a:p>
-            <a:pPr algn="ctr"/>
-            <a:r>
-              <a:rPr lang="en-US" altLang="ko-KR" dirty="0" smtClean="0"/>
-              <a:t>bark()</a:t>
-            </a:r>
-          </a:p>
-          <a:p>
-            <a:pPr algn="ctr"/>
-            <a:r>
-              <a:rPr lang="en-US" altLang="ko-KR" dirty="0" smtClean="0"/>
-              <a:t>eat()</a:t>
-            </a:r>
-          </a:p>
-        </p:txBody>
-      </p:sp>
-      <p:sp>
-        <p:nvSpPr>
-          <p:cNvPr id="82" name="직사각형 81"/>
-          <p:cNvSpPr/>
-          <p:nvPr/>
-        </p:nvSpPr>
-        <p:spPr>
-          <a:xfrm>
-            <a:off x="2137854" y="1567961"/>
-            <a:ext cx="1220725" cy="369620"/>
-          </a:xfrm>
-          <a:prstGeom prst="rect">
-            <a:avLst/>
-          </a:prstGeom>
-        </p:spPr>
-        <p:style>
-          <a:lnRef idx="2">
-            <a:schemeClr val="accent6">
-              <a:shade val="50000"/>
-            </a:schemeClr>
-          </a:lnRef>
-          <a:fillRef idx="1">
-            <a:schemeClr val="accent6"/>
-          </a:fillRef>
-          <a:effectRef idx="0">
-            <a:schemeClr val="accent6"/>
-          </a:effectRef>
-          <a:fontRef idx="minor">
-            <a:schemeClr val="lt1"/>
-          </a:fontRef>
-        </p:style>
-        <p:txBody>
-          <a:bodyPr rtlCol="0" anchor="ctr"/>
-          <a:lstStyle/>
-          <a:p>
-            <a:pPr algn="ctr"/>
-            <a:r>
-              <a:rPr lang="en-US" altLang="ko-KR" dirty="0" smtClean="0"/>
-              <a:t>animal</a:t>
-            </a:r>
-            <a:endParaRPr lang="ko-KR" altLang="en-US" dirty="0"/>
-          </a:p>
-        </p:txBody>
-      </p:sp>
-      <p:sp>
-        <p:nvSpPr>
-          <p:cNvPr id="83" name="직사각형 82"/>
-          <p:cNvSpPr/>
-          <p:nvPr/>
-        </p:nvSpPr>
-        <p:spPr>
-          <a:xfrm>
-            <a:off x="2137854" y="1937580"/>
-            <a:ext cx="1220725" cy="846411"/>
-          </a:xfrm>
-          <a:prstGeom prst="rect">
-            <a:avLst/>
-          </a:prstGeom>
-        </p:spPr>
-        <p:style>
-          <a:lnRef idx="2">
-            <a:schemeClr val="accent6">
-              <a:shade val="50000"/>
-            </a:schemeClr>
-          </a:lnRef>
-          <a:fillRef idx="1">
-            <a:schemeClr val="accent6"/>
-          </a:fillRef>
-          <a:effectRef idx="0">
-            <a:schemeClr val="accent6"/>
-          </a:effectRef>
-          <a:fontRef idx="minor">
-            <a:schemeClr val="lt1"/>
-          </a:fontRef>
-        </p:style>
-        <p:txBody>
-          <a:bodyPr rtlCol="0" anchor="ctr"/>
-          <a:lstStyle/>
-          <a:p>
-            <a:pPr algn="ctr"/>
-            <a:r>
-              <a:rPr lang="en-US" altLang="ko-KR" dirty="0" smtClean="0"/>
-              <a:t>name</a:t>
-            </a:r>
-          </a:p>
-          <a:p>
-            <a:pPr algn="ctr"/>
-            <a:r>
-              <a:rPr lang="en-US" altLang="ko-KR" dirty="0" smtClean="0"/>
-              <a:t>age</a:t>
-            </a:r>
-          </a:p>
-          <a:p>
-            <a:pPr algn="ctr"/>
-            <a:r>
-              <a:rPr lang="en-US" altLang="ko-KR" dirty="0" smtClean="0"/>
-              <a:t>weight</a:t>
-            </a:r>
-            <a:endParaRPr lang="ko-KR" altLang="en-US" dirty="0"/>
-          </a:p>
-        </p:txBody>
-      </p:sp>
-      <p:sp>
-        <p:nvSpPr>
-          <p:cNvPr id="84" name="직사각형 83"/>
-          <p:cNvSpPr/>
-          <p:nvPr/>
-        </p:nvSpPr>
-        <p:spPr>
-          <a:xfrm>
-            <a:off x="2137854" y="2783992"/>
-            <a:ext cx="1220725" cy="770932"/>
-          </a:xfrm>
-          <a:prstGeom prst="rect">
-            <a:avLst/>
-          </a:prstGeom>
-        </p:spPr>
-        <p:style>
-          <a:lnRef idx="2">
-            <a:schemeClr val="accent6">
-              <a:shade val="50000"/>
-            </a:schemeClr>
-          </a:lnRef>
-          <a:fillRef idx="1">
-            <a:schemeClr val="accent6"/>
-          </a:fillRef>
-          <a:effectRef idx="0">
-            <a:schemeClr val="accent6"/>
-          </a:effectRef>
-          <a:fontRef idx="minor">
-            <a:schemeClr val="lt1"/>
-          </a:fontRef>
-        </p:style>
-        <p:txBody>
-          <a:bodyPr rtlCol="0" anchor="ctr"/>
-          <a:lstStyle/>
-          <a:p>
-            <a:pPr algn="ctr"/>
-            <a:r>
-              <a:rPr lang="en-US" altLang="ko-KR" dirty="0" err="1" smtClean="0"/>
-              <a:t>shakeTail</a:t>
-            </a:r>
-            <a:r>
-              <a:rPr lang="en-US" altLang="ko-KR" dirty="0" smtClean="0"/>
-              <a:t>()</a:t>
-            </a:r>
-          </a:p>
-          <a:p>
-            <a:pPr algn="ctr"/>
-            <a:r>
-              <a:rPr lang="en-US" altLang="ko-KR" dirty="0" err="1" smtClean="0"/>
-              <a:t>printInfo</a:t>
-            </a:r>
-            <a:r>
-              <a:rPr lang="en-US" altLang="ko-KR" dirty="0" smtClean="0"/>
-              <a:t>()</a:t>
-            </a:r>
-          </a:p>
-        </p:txBody>
-      </p:sp>
     </p:spTree>
     <p:extLst>
       <p:ext uri="{BB962C8B-B14F-4D97-AF65-F5344CB8AC3E}">
-        <p14:creationId xmlns:p14="http://schemas.microsoft.com/office/powerpoint/2010/main" val="1538389046"/>
+        <p14:creationId xmlns:p14="http://schemas.microsoft.com/office/powerpoint/2010/main" val="4188273147"/>
       </p:ext>
     </p:extLst>
   </p:cSld>
@@ -7098,7 +8306,7 @@
 </p:sld>
 </file>
 
-<file path=ppt/slides/slide4.xml><?xml version="1.0" encoding="utf-8"?>
+<file path=ppt/slides/slide5.xml><?xml version="1.0" encoding="utf-8"?>
 <p:sld xmlns:a="http://schemas.openxmlformats.org/drawingml/2006/main" xmlns:r="http://schemas.openxmlformats.org/officeDocument/2006/relationships" xmlns:p="http://schemas.openxmlformats.org/presentationml/2006/main">
   <p:cSld>
     <p:spTree>
@@ -8183,11 +9391,7 @@
             <a:pPr algn="ctr"/>
             <a:r>
               <a:rPr lang="en-US" altLang="ko-KR" dirty="0" smtClean="0"/>
-              <a:t>new </a:t>
-            </a:r>
-            <a:r>
-              <a:rPr lang="en-US" altLang="ko-KR" dirty="0" smtClean="0"/>
-              <a:t>Cat</a:t>
+              <a:t>new Cat</a:t>
             </a:r>
           </a:p>
           <a:p>
@@ -8217,7 +9421,6 @@
               <a:rPr lang="en-US" altLang="ko-KR" dirty="0" smtClean="0"/>
               <a:t>Animal</a:t>
             </a:r>
-            <a:endParaRPr lang="en-US" altLang="ko-KR" dirty="0" smtClean="0"/>
           </a:p>
         </p:txBody>
       </p:sp>
@@ -8302,10 +9505,121 @@
           </a:p>
         </p:txBody>
       </p:sp>
+      <p:sp>
+        <p:nvSpPr>
+          <p:cNvPr id="82" name="직사각형 81"/>
+          <p:cNvSpPr/>
+          <p:nvPr/>
+        </p:nvSpPr>
+        <p:spPr>
+          <a:xfrm>
+            <a:off x="2017561" y="2894749"/>
+            <a:ext cx="1220725" cy="369620"/>
+          </a:xfrm>
+          <a:prstGeom prst="rect">
+            <a:avLst/>
+          </a:prstGeom>
+        </p:spPr>
+        <p:style>
+          <a:lnRef idx="2">
+            <a:schemeClr val="accent6">
+              <a:shade val="50000"/>
+            </a:schemeClr>
+          </a:lnRef>
+          <a:fillRef idx="1">
+            <a:schemeClr val="accent6"/>
+          </a:fillRef>
+          <a:effectRef idx="0">
+            <a:schemeClr val="accent6"/>
+          </a:effectRef>
+          <a:fontRef idx="minor">
+            <a:schemeClr val="lt1"/>
+          </a:fontRef>
+        </p:style>
+        <p:txBody>
+          <a:bodyPr rtlCol="0" anchor="ctr"/>
+          <a:lstStyle/>
+          <a:p>
+            <a:pPr algn="ctr"/>
+            <a:r>
+              <a:rPr lang="en-US" altLang="ko-KR" dirty="0" smtClean="0"/>
+              <a:t>animal</a:t>
+            </a:r>
+            <a:endParaRPr lang="ko-KR" altLang="en-US" dirty="0"/>
+          </a:p>
+        </p:txBody>
+      </p:sp>
+      <p:cxnSp>
+        <p:nvCxnSpPr>
+          <p:cNvPr id="26" name="직선 화살표 연결선 25"/>
+          <p:cNvCxnSpPr>
+            <a:stCxn id="82" idx="2"/>
+            <a:endCxn id="54" idx="0"/>
+          </p:cNvCxnSpPr>
+          <p:nvPr/>
+        </p:nvCxnSpPr>
+        <p:spPr>
+          <a:xfrm flipH="1">
+            <a:off x="917641" y="3264369"/>
+            <a:ext cx="1710283" cy="1532783"/>
+          </a:xfrm>
+          <a:prstGeom prst="straightConnector1">
+            <a:avLst/>
+          </a:prstGeom>
+          <a:ln>
+            <a:headEnd type="none" w="med" len="med"/>
+            <a:tailEnd type="triangle" w="med" len="med"/>
+          </a:ln>
+        </p:spPr>
+        <p:style>
+          <a:lnRef idx="1">
+            <a:schemeClr val="accent2"/>
+          </a:lnRef>
+          <a:fillRef idx="0">
+            <a:schemeClr val="accent2"/>
+          </a:fillRef>
+          <a:effectRef idx="0">
+            <a:schemeClr val="accent2"/>
+          </a:effectRef>
+          <a:fontRef idx="minor">
+            <a:schemeClr val="tx1"/>
+          </a:fontRef>
+        </p:style>
+      </p:cxnSp>
+      <p:sp>
+        <p:nvSpPr>
+          <p:cNvPr id="3" name="TextBox 2"/>
+          <p:cNvSpPr txBox="1"/>
+          <p:nvPr/>
+        </p:nvSpPr>
+        <p:spPr>
+          <a:xfrm>
+            <a:off x="4788024" y="5877272"/>
+            <a:ext cx="2444900" cy="369332"/>
+          </a:xfrm>
+          <a:prstGeom prst="rect">
+            <a:avLst/>
+          </a:prstGeom>
+          <a:noFill/>
+        </p:spPr>
+        <p:txBody>
+          <a:bodyPr wrap="none" rtlCol="0">
+            <a:spAutoFit/>
+          </a:bodyPr>
+          <a:lstStyle/>
+          <a:p>
+            <a:r>
+              <a:rPr lang="en-US" altLang="ko-KR" dirty="0" smtClean="0"/>
+              <a:t>Animal animal = cat; </a:t>
+            </a:r>
+            <a:endParaRPr lang="ko-KR" altLang="en-US" dirty="0"/>
+          </a:p>
+        </p:txBody>
+      </p:sp>
     </p:spTree>
     <p:extLst>
       <p:ext uri="{BB962C8B-B14F-4D97-AF65-F5344CB8AC3E}">
-        <p14:creationId xmlns:p14="http://schemas.microsoft.com/office/powerpoint/2010/main" val="4188273147"/>
+        <p14:creationId xmlns:p14="http://schemas.microsoft.com/office/powerpoint/2010/main" val="198619363"/>
       </p:ext>
     </p:extLst>
   </p:cSld>
@@ -8315,7 +9629,785 @@
 </p:sld>
 </file>
 
-<file path=ppt/slides/slide5.xml><?xml version="1.0" encoding="utf-8"?>
+<file path=ppt/slides/slide6.xml><?xml version="1.0" encoding="utf-8"?>
+<p:sld xmlns:a="http://schemas.openxmlformats.org/drawingml/2006/main" xmlns:r="http://schemas.openxmlformats.org/officeDocument/2006/relationships" xmlns:p="http://schemas.openxmlformats.org/presentationml/2006/main">
+  <p:cSld>
+    <p:spTree>
+      <p:nvGrpSpPr>
+        <p:cNvPr id="1" name=""/>
+        <p:cNvGrpSpPr/>
+        <p:nvPr/>
+      </p:nvGrpSpPr>
+      <p:grpSpPr>
+        <a:xfrm>
+          <a:off x="0" y="0"/>
+          <a:ext cx="0" cy="0"/>
+          <a:chOff x="0" y="0"/>
+          <a:chExt cx="0" cy="0"/>
+        </a:xfrm>
+      </p:grpSpPr>
+      <p:sp>
+        <p:nvSpPr>
+          <p:cNvPr id="4" name="직사각형 3"/>
+          <p:cNvSpPr/>
+          <p:nvPr/>
+        </p:nvSpPr>
+        <p:spPr>
+          <a:xfrm>
+            <a:off x="1043608" y="1371982"/>
+            <a:ext cx="3312368" cy="4176464"/>
+          </a:xfrm>
+          <a:prstGeom prst="rect">
+            <a:avLst/>
+          </a:prstGeom>
+        </p:spPr>
+        <p:style>
+          <a:lnRef idx="2">
+            <a:schemeClr val="accent1">
+              <a:shade val="50000"/>
+            </a:schemeClr>
+          </a:lnRef>
+          <a:fillRef idx="1">
+            <a:schemeClr val="accent1"/>
+          </a:fillRef>
+          <a:effectRef idx="0">
+            <a:schemeClr val="accent1"/>
+          </a:effectRef>
+          <a:fontRef idx="minor">
+            <a:schemeClr val="lt1"/>
+          </a:fontRef>
+        </p:style>
+        <p:txBody>
+          <a:bodyPr rtlCol="0" anchor="ctr"/>
+          <a:lstStyle/>
+          <a:p>
+            <a:pPr algn="ctr"/>
+            <a:endParaRPr lang="ko-KR" altLang="en-US"/>
+          </a:p>
+        </p:txBody>
+      </p:sp>
+      <p:sp>
+        <p:nvSpPr>
+          <p:cNvPr id="5" name="직사각형 4"/>
+          <p:cNvSpPr/>
+          <p:nvPr/>
+        </p:nvSpPr>
+        <p:spPr>
+          <a:xfrm>
+            <a:off x="1259632" y="1588006"/>
+            <a:ext cx="2880320" cy="2520280"/>
+          </a:xfrm>
+          <a:prstGeom prst="rect">
+            <a:avLst/>
+          </a:prstGeom>
+          <a:scene3d>
+            <a:camera prst="orthographicFront"/>
+            <a:lightRig rig="threePt" dir="t"/>
+          </a:scene3d>
+          <a:sp3d>
+            <a:bevelT prst="angle"/>
+          </a:sp3d>
+        </p:spPr>
+        <p:style>
+          <a:lnRef idx="2">
+            <a:schemeClr val="accent2">
+              <a:shade val="50000"/>
+            </a:schemeClr>
+          </a:lnRef>
+          <a:fillRef idx="1">
+            <a:schemeClr val="accent2"/>
+          </a:fillRef>
+          <a:effectRef idx="0">
+            <a:schemeClr val="accent2"/>
+          </a:effectRef>
+          <a:fontRef idx="minor">
+            <a:schemeClr val="lt1"/>
+          </a:fontRef>
+        </p:style>
+        <p:txBody>
+          <a:bodyPr rtlCol="0" anchor="ctr"/>
+          <a:lstStyle/>
+          <a:p>
+            <a:pPr algn="ctr"/>
+            <a:endParaRPr lang="ko-KR" altLang="en-US"/>
+          </a:p>
+        </p:txBody>
+      </p:sp>
+      <p:sp>
+        <p:nvSpPr>
+          <p:cNvPr id="6" name="직사각형 5"/>
+          <p:cNvSpPr/>
+          <p:nvPr/>
+        </p:nvSpPr>
+        <p:spPr>
+          <a:xfrm>
+            <a:off x="2086155" y="2186545"/>
+            <a:ext cx="1220725" cy="846411"/>
+          </a:xfrm>
+          <a:prstGeom prst="rect">
+            <a:avLst/>
+          </a:prstGeom>
+          <a:scene3d>
+            <a:camera prst="orthographicFront"/>
+            <a:lightRig rig="threePt" dir="t"/>
+          </a:scene3d>
+          <a:sp3d>
+            <a:bevelT/>
+          </a:sp3d>
+        </p:spPr>
+        <p:style>
+          <a:lnRef idx="2">
+            <a:schemeClr val="accent6">
+              <a:shade val="50000"/>
+            </a:schemeClr>
+          </a:lnRef>
+          <a:fillRef idx="1">
+            <a:schemeClr val="accent6"/>
+          </a:fillRef>
+          <a:effectRef idx="0">
+            <a:schemeClr val="accent6"/>
+          </a:effectRef>
+          <a:fontRef idx="minor">
+            <a:schemeClr val="lt1"/>
+          </a:fontRef>
+        </p:style>
+        <p:txBody>
+          <a:bodyPr rtlCol="0" anchor="ctr"/>
+          <a:lstStyle/>
+          <a:p>
+            <a:pPr algn="ctr"/>
+            <a:r>
+              <a:rPr lang="en-US" altLang="ko-KR" dirty="0" smtClean="0"/>
+              <a:t>name</a:t>
+            </a:r>
+          </a:p>
+          <a:p>
+            <a:pPr algn="ctr"/>
+            <a:r>
+              <a:rPr lang="en-US" altLang="ko-KR" dirty="0" smtClean="0"/>
+              <a:t>age</a:t>
+            </a:r>
+          </a:p>
+          <a:p>
+            <a:pPr algn="ctr"/>
+            <a:r>
+              <a:rPr lang="en-US" altLang="ko-KR" dirty="0" smtClean="0"/>
+              <a:t>weight</a:t>
+            </a:r>
+            <a:endParaRPr lang="ko-KR" altLang="en-US" dirty="0"/>
+          </a:p>
+        </p:txBody>
+      </p:sp>
+      <p:sp>
+        <p:nvSpPr>
+          <p:cNvPr id="7" name="직사각형 6"/>
+          <p:cNvSpPr/>
+          <p:nvPr/>
+        </p:nvSpPr>
+        <p:spPr>
+          <a:xfrm>
+            <a:off x="2077252" y="4684350"/>
+            <a:ext cx="1220725" cy="720080"/>
+          </a:xfrm>
+          <a:prstGeom prst="rect">
+            <a:avLst/>
+          </a:prstGeom>
+          <a:scene3d>
+            <a:camera prst="orthographicFront"/>
+            <a:lightRig rig="threePt" dir="t"/>
+          </a:scene3d>
+          <a:sp3d>
+            <a:bevelT/>
+          </a:sp3d>
+        </p:spPr>
+        <p:style>
+          <a:lnRef idx="2">
+            <a:schemeClr val="accent6">
+              <a:shade val="50000"/>
+            </a:schemeClr>
+          </a:lnRef>
+          <a:fillRef idx="1">
+            <a:schemeClr val="accent6"/>
+          </a:fillRef>
+          <a:effectRef idx="0">
+            <a:schemeClr val="accent6"/>
+          </a:effectRef>
+          <a:fontRef idx="minor">
+            <a:schemeClr val="lt1"/>
+          </a:fontRef>
+        </p:style>
+        <p:txBody>
+          <a:bodyPr rtlCol="0" anchor="ctr"/>
+          <a:lstStyle/>
+          <a:p>
+            <a:pPr algn="ctr"/>
+            <a:r>
+              <a:rPr lang="en-US" altLang="ko-KR" dirty="0" smtClean="0"/>
+              <a:t>bark()</a:t>
+            </a:r>
+          </a:p>
+          <a:p>
+            <a:pPr algn="ctr"/>
+            <a:r>
+              <a:rPr lang="en-US" altLang="ko-KR" dirty="0" smtClean="0"/>
+              <a:t>eat()</a:t>
+            </a:r>
+          </a:p>
+        </p:txBody>
+      </p:sp>
+      <p:sp>
+        <p:nvSpPr>
+          <p:cNvPr id="8" name="직사각형 7"/>
+          <p:cNvSpPr/>
+          <p:nvPr/>
+        </p:nvSpPr>
+        <p:spPr>
+          <a:xfrm>
+            <a:off x="1541112" y="4211508"/>
+            <a:ext cx="2310810" cy="369620"/>
+          </a:xfrm>
+          <a:prstGeom prst="rect">
+            <a:avLst/>
+          </a:prstGeom>
+          <a:scene3d>
+            <a:camera prst="orthographicFront"/>
+            <a:lightRig rig="threePt" dir="t"/>
+          </a:scene3d>
+          <a:sp3d>
+            <a:bevelT w="152400" h="50800" prst="softRound"/>
+          </a:sp3d>
+        </p:spPr>
+        <p:style>
+          <a:lnRef idx="1">
+            <a:schemeClr val="accent3"/>
+          </a:lnRef>
+          <a:fillRef idx="2">
+            <a:schemeClr val="accent3"/>
+          </a:fillRef>
+          <a:effectRef idx="1">
+            <a:schemeClr val="accent3"/>
+          </a:effectRef>
+          <a:fontRef idx="minor">
+            <a:schemeClr val="dk1"/>
+          </a:fontRef>
+        </p:style>
+        <p:txBody>
+          <a:bodyPr rtlCol="0" anchor="ctr"/>
+          <a:lstStyle/>
+          <a:p>
+            <a:pPr algn="ctr"/>
+            <a:r>
+              <a:rPr lang="en-US" altLang="ko-KR" dirty="0" smtClean="0"/>
+              <a:t>Cat</a:t>
+            </a:r>
+            <a:endParaRPr lang="ko-KR" altLang="en-US" dirty="0"/>
+          </a:p>
+        </p:txBody>
+      </p:sp>
+      <p:sp>
+        <p:nvSpPr>
+          <p:cNvPr id="9" name="직사각형 8"/>
+          <p:cNvSpPr/>
+          <p:nvPr/>
+        </p:nvSpPr>
+        <p:spPr>
+          <a:xfrm>
+            <a:off x="1547663" y="1692111"/>
+            <a:ext cx="2304258" cy="369620"/>
+          </a:xfrm>
+          <a:prstGeom prst="rect">
+            <a:avLst/>
+          </a:prstGeom>
+          <a:scene3d>
+            <a:camera prst="orthographicFront"/>
+            <a:lightRig rig="threePt" dir="t"/>
+          </a:scene3d>
+          <a:sp3d>
+            <a:bevelT w="152400" h="50800" prst="softRound"/>
+          </a:sp3d>
+        </p:spPr>
+        <p:style>
+          <a:lnRef idx="1">
+            <a:schemeClr val="accent3"/>
+          </a:lnRef>
+          <a:fillRef idx="2">
+            <a:schemeClr val="accent3"/>
+          </a:fillRef>
+          <a:effectRef idx="1">
+            <a:schemeClr val="accent3"/>
+          </a:effectRef>
+          <a:fontRef idx="minor">
+            <a:schemeClr val="dk1"/>
+          </a:fontRef>
+        </p:style>
+        <p:txBody>
+          <a:bodyPr rtlCol="0" anchor="ctr"/>
+          <a:lstStyle/>
+          <a:p>
+            <a:pPr algn="ctr"/>
+            <a:r>
+              <a:rPr lang="en-US" altLang="ko-KR" dirty="0" smtClean="0"/>
+              <a:t>Animal</a:t>
+            </a:r>
+            <a:endParaRPr lang="ko-KR" altLang="en-US" dirty="0"/>
+          </a:p>
+        </p:txBody>
+      </p:sp>
+      <p:sp>
+        <p:nvSpPr>
+          <p:cNvPr id="10" name="직사각형 9"/>
+          <p:cNvSpPr/>
+          <p:nvPr/>
+        </p:nvSpPr>
+        <p:spPr>
+          <a:xfrm>
+            <a:off x="2089429" y="3024555"/>
+            <a:ext cx="1220725" cy="764485"/>
+          </a:xfrm>
+          <a:prstGeom prst="rect">
+            <a:avLst/>
+          </a:prstGeom>
+          <a:scene3d>
+            <a:camera prst="orthographicFront"/>
+            <a:lightRig rig="threePt" dir="t"/>
+          </a:scene3d>
+          <a:sp3d>
+            <a:bevelT/>
+          </a:sp3d>
+        </p:spPr>
+        <p:style>
+          <a:lnRef idx="2">
+            <a:schemeClr val="accent6">
+              <a:shade val="50000"/>
+            </a:schemeClr>
+          </a:lnRef>
+          <a:fillRef idx="1">
+            <a:schemeClr val="accent6"/>
+          </a:fillRef>
+          <a:effectRef idx="0">
+            <a:schemeClr val="accent6"/>
+          </a:effectRef>
+          <a:fontRef idx="minor">
+            <a:schemeClr val="lt1"/>
+          </a:fontRef>
+        </p:style>
+        <p:txBody>
+          <a:bodyPr rtlCol="0" anchor="ctr"/>
+          <a:lstStyle/>
+          <a:p>
+            <a:pPr algn="ctr"/>
+            <a:r>
+              <a:rPr lang="en-US" altLang="ko-KR" dirty="0" err="1" smtClean="0"/>
+              <a:t>shakeTail</a:t>
+            </a:r>
+            <a:r>
+              <a:rPr lang="en-US" altLang="ko-KR" dirty="0" smtClean="0"/>
+              <a:t>()</a:t>
+            </a:r>
+          </a:p>
+          <a:p>
+            <a:pPr algn="ctr"/>
+            <a:r>
+              <a:rPr lang="en-US" altLang="ko-KR" dirty="0" err="1" smtClean="0"/>
+              <a:t>printInfo</a:t>
+            </a:r>
+            <a:r>
+              <a:rPr lang="en-US" altLang="ko-KR" dirty="0" smtClean="0"/>
+              <a:t>()</a:t>
+            </a:r>
+          </a:p>
+        </p:txBody>
+      </p:sp>
+      <p:sp>
+        <p:nvSpPr>
+          <p:cNvPr id="11" name="직사각형 10"/>
+          <p:cNvSpPr/>
+          <p:nvPr/>
+        </p:nvSpPr>
+        <p:spPr>
+          <a:xfrm>
+            <a:off x="5292079" y="1661877"/>
+            <a:ext cx="2880320" cy="2520280"/>
+          </a:xfrm>
+          <a:prstGeom prst="rect">
+            <a:avLst/>
+          </a:prstGeom>
+        </p:spPr>
+        <p:style>
+          <a:lnRef idx="2">
+            <a:schemeClr val="accent2">
+              <a:shade val="50000"/>
+            </a:schemeClr>
+          </a:lnRef>
+          <a:fillRef idx="1">
+            <a:schemeClr val="accent2"/>
+          </a:fillRef>
+          <a:effectRef idx="0">
+            <a:schemeClr val="accent2"/>
+          </a:effectRef>
+          <a:fontRef idx="minor">
+            <a:schemeClr val="lt1"/>
+          </a:fontRef>
+        </p:style>
+        <p:txBody>
+          <a:bodyPr rtlCol="0" anchor="ctr"/>
+          <a:lstStyle/>
+          <a:p>
+            <a:pPr algn="ctr"/>
+            <a:endParaRPr lang="ko-KR" altLang="en-US"/>
+          </a:p>
+        </p:txBody>
+      </p:sp>
+      <p:sp>
+        <p:nvSpPr>
+          <p:cNvPr id="12" name="직사각형 11"/>
+          <p:cNvSpPr/>
+          <p:nvPr/>
+        </p:nvSpPr>
+        <p:spPr>
+          <a:xfrm>
+            <a:off x="6118602" y="2260416"/>
+            <a:ext cx="1220725" cy="846411"/>
+          </a:xfrm>
+          <a:prstGeom prst="rect">
+            <a:avLst/>
+          </a:prstGeom>
+          <a:scene3d>
+            <a:camera prst="orthographicFront"/>
+            <a:lightRig rig="threePt" dir="t"/>
+          </a:scene3d>
+          <a:sp3d>
+            <a:bevelT/>
+          </a:sp3d>
+        </p:spPr>
+        <p:style>
+          <a:lnRef idx="2">
+            <a:schemeClr val="accent6">
+              <a:shade val="50000"/>
+            </a:schemeClr>
+          </a:lnRef>
+          <a:fillRef idx="1">
+            <a:schemeClr val="accent6"/>
+          </a:fillRef>
+          <a:effectRef idx="0">
+            <a:schemeClr val="accent6"/>
+          </a:effectRef>
+          <a:fontRef idx="minor">
+            <a:schemeClr val="lt1"/>
+          </a:fontRef>
+        </p:style>
+        <p:txBody>
+          <a:bodyPr rtlCol="0" anchor="ctr"/>
+          <a:lstStyle/>
+          <a:p>
+            <a:pPr algn="ctr"/>
+            <a:r>
+              <a:rPr lang="en-US" altLang="ko-KR" dirty="0" smtClean="0"/>
+              <a:t>name</a:t>
+            </a:r>
+          </a:p>
+          <a:p>
+            <a:pPr algn="ctr"/>
+            <a:r>
+              <a:rPr lang="en-US" altLang="ko-KR" dirty="0" smtClean="0"/>
+              <a:t>age</a:t>
+            </a:r>
+          </a:p>
+          <a:p>
+            <a:pPr algn="ctr"/>
+            <a:r>
+              <a:rPr lang="en-US" altLang="ko-KR" dirty="0" smtClean="0"/>
+              <a:t>weight</a:t>
+            </a:r>
+            <a:endParaRPr lang="ko-KR" altLang="en-US" dirty="0"/>
+          </a:p>
+        </p:txBody>
+      </p:sp>
+      <p:sp>
+        <p:nvSpPr>
+          <p:cNvPr id="13" name="직사각형 12"/>
+          <p:cNvSpPr/>
+          <p:nvPr/>
+        </p:nvSpPr>
+        <p:spPr>
+          <a:xfrm>
+            <a:off x="5580110" y="1765982"/>
+            <a:ext cx="2304258" cy="369620"/>
+          </a:xfrm>
+          <a:prstGeom prst="rect">
+            <a:avLst/>
+          </a:prstGeom>
+          <a:scene3d>
+            <a:camera prst="orthographicFront"/>
+            <a:lightRig rig="threePt" dir="t"/>
+          </a:scene3d>
+          <a:sp3d>
+            <a:bevelT w="152400" h="50800" prst="softRound"/>
+          </a:sp3d>
+        </p:spPr>
+        <p:style>
+          <a:lnRef idx="1">
+            <a:schemeClr val="accent3"/>
+          </a:lnRef>
+          <a:fillRef idx="2">
+            <a:schemeClr val="accent3"/>
+          </a:fillRef>
+          <a:effectRef idx="1">
+            <a:schemeClr val="accent3"/>
+          </a:effectRef>
+          <a:fontRef idx="minor">
+            <a:schemeClr val="dk1"/>
+          </a:fontRef>
+        </p:style>
+        <p:txBody>
+          <a:bodyPr rtlCol="0" anchor="ctr"/>
+          <a:lstStyle/>
+          <a:p>
+            <a:pPr algn="ctr"/>
+            <a:r>
+              <a:rPr lang="en-US" altLang="ko-KR" dirty="0" smtClean="0"/>
+              <a:t>Animal</a:t>
+            </a:r>
+            <a:endParaRPr lang="ko-KR" altLang="en-US" dirty="0"/>
+          </a:p>
+        </p:txBody>
+      </p:sp>
+      <p:sp>
+        <p:nvSpPr>
+          <p:cNvPr id="14" name="직사각형 13"/>
+          <p:cNvSpPr/>
+          <p:nvPr/>
+        </p:nvSpPr>
+        <p:spPr>
+          <a:xfrm>
+            <a:off x="6121876" y="3098426"/>
+            <a:ext cx="1220725" cy="764485"/>
+          </a:xfrm>
+          <a:prstGeom prst="rect">
+            <a:avLst/>
+          </a:prstGeom>
+          <a:scene3d>
+            <a:camera prst="orthographicFront"/>
+            <a:lightRig rig="threePt" dir="t"/>
+          </a:scene3d>
+          <a:sp3d>
+            <a:bevelT/>
+          </a:sp3d>
+        </p:spPr>
+        <p:style>
+          <a:lnRef idx="2">
+            <a:schemeClr val="accent6">
+              <a:shade val="50000"/>
+            </a:schemeClr>
+          </a:lnRef>
+          <a:fillRef idx="1">
+            <a:schemeClr val="accent6"/>
+          </a:fillRef>
+          <a:effectRef idx="0">
+            <a:schemeClr val="accent6"/>
+          </a:effectRef>
+          <a:fontRef idx="minor">
+            <a:schemeClr val="lt1"/>
+          </a:fontRef>
+        </p:style>
+        <p:txBody>
+          <a:bodyPr rtlCol="0" anchor="ctr"/>
+          <a:lstStyle/>
+          <a:p>
+            <a:pPr algn="ctr"/>
+            <a:r>
+              <a:rPr lang="en-US" altLang="ko-KR" dirty="0" err="1" smtClean="0"/>
+              <a:t>shakeTail</a:t>
+            </a:r>
+            <a:r>
+              <a:rPr lang="en-US" altLang="ko-KR" dirty="0" smtClean="0"/>
+              <a:t>()</a:t>
+            </a:r>
+          </a:p>
+          <a:p>
+            <a:pPr algn="ctr"/>
+            <a:r>
+              <a:rPr lang="en-US" altLang="ko-KR" dirty="0" err="1" smtClean="0"/>
+              <a:t>printInfo</a:t>
+            </a:r>
+            <a:r>
+              <a:rPr lang="en-US" altLang="ko-KR" dirty="0" smtClean="0"/>
+              <a:t>()</a:t>
+            </a:r>
+          </a:p>
+        </p:txBody>
+      </p:sp>
+      <p:sp>
+        <p:nvSpPr>
+          <p:cNvPr id="15" name="TextBox 14"/>
+          <p:cNvSpPr txBox="1"/>
+          <p:nvPr/>
+        </p:nvSpPr>
+        <p:spPr>
+          <a:xfrm>
+            <a:off x="1547663" y="939934"/>
+            <a:ext cx="2294218" cy="369332"/>
+          </a:xfrm>
+          <a:prstGeom prst="rect">
+            <a:avLst/>
+          </a:prstGeom>
+          <a:noFill/>
+        </p:spPr>
+        <p:txBody>
+          <a:bodyPr wrap="none" rtlCol="0">
+            <a:spAutoFit/>
+          </a:bodyPr>
+          <a:lstStyle/>
+          <a:p>
+            <a:r>
+              <a:rPr lang="en-US" altLang="ko-KR" dirty="0" smtClean="0"/>
+              <a:t>Cat </a:t>
+            </a:r>
+            <a:r>
+              <a:rPr lang="en-US" altLang="ko-KR" dirty="0" err="1" smtClean="0"/>
+              <a:t>cat</a:t>
+            </a:r>
+            <a:r>
+              <a:rPr lang="en-US" altLang="ko-KR" dirty="0" smtClean="0"/>
+              <a:t> = new Cat();</a:t>
+            </a:r>
+            <a:endParaRPr lang="ko-KR" altLang="en-US" dirty="0"/>
+          </a:p>
+        </p:txBody>
+      </p:sp>
+      <p:sp>
+        <p:nvSpPr>
+          <p:cNvPr id="16" name="TextBox 15"/>
+          <p:cNvSpPr txBox="1"/>
+          <p:nvPr/>
+        </p:nvSpPr>
+        <p:spPr>
+          <a:xfrm>
+            <a:off x="5302119" y="1148197"/>
+            <a:ext cx="2363147" cy="369332"/>
+          </a:xfrm>
+          <a:prstGeom prst="rect">
+            <a:avLst/>
+          </a:prstGeom>
+          <a:noFill/>
+        </p:spPr>
+        <p:txBody>
+          <a:bodyPr wrap="none" rtlCol="0">
+            <a:spAutoFit/>
+          </a:bodyPr>
+          <a:lstStyle/>
+          <a:p>
+            <a:r>
+              <a:rPr lang="en-US" altLang="ko-KR" dirty="0" smtClean="0"/>
+              <a:t>Animal </a:t>
+            </a:r>
+            <a:r>
+              <a:rPr lang="en-US" altLang="ko-KR" dirty="0" err="1" smtClean="0"/>
+              <a:t>animal</a:t>
+            </a:r>
+            <a:r>
+              <a:rPr lang="en-US" altLang="ko-KR" dirty="0" smtClean="0"/>
+              <a:t> = cat;</a:t>
+            </a:r>
+            <a:endParaRPr lang="ko-KR" altLang="en-US" dirty="0"/>
+          </a:p>
+        </p:txBody>
+      </p:sp>
+      <p:sp>
+        <p:nvSpPr>
+          <p:cNvPr id="17" name="TextBox 16"/>
+          <p:cNvSpPr txBox="1"/>
+          <p:nvPr/>
+        </p:nvSpPr>
+        <p:spPr>
+          <a:xfrm>
+            <a:off x="5292079" y="762753"/>
+            <a:ext cx="3424335" cy="369332"/>
+          </a:xfrm>
+          <a:prstGeom prst="rect">
+            <a:avLst/>
+          </a:prstGeom>
+          <a:noFill/>
+        </p:spPr>
+        <p:txBody>
+          <a:bodyPr wrap="none" rtlCol="0">
+            <a:spAutoFit/>
+          </a:bodyPr>
+          <a:lstStyle/>
+          <a:p>
+            <a:r>
+              <a:rPr lang="en-US" altLang="ko-KR" dirty="0" smtClean="0"/>
+              <a:t>Animal </a:t>
+            </a:r>
+            <a:r>
+              <a:rPr lang="en-US" altLang="ko-KR" dirty="0" err="1" smtClean="0"/>
+              <a:t>animal</a:t>
+            </a:r>
+            <a:r>
+              <a:rPr lang="en-US" altLang="ko-KR" dirty="0" smtClean="0"/>
+              <a:t> = new Animal();</a:t>
+            </a:r>
+            <a:endParaRPr lang="ko-KR" altLang="en-US" dirty="0"/>
+          </a:p>
+        </p:txBody>
+      </p:sp>
+      <p:sp>
+        <p:nvSpPr>
+          <p:cNvPr id="18" name="TextBox 17"/>
+          <p:cNvSpPr txBox="1"/>
+          <p:nvPr/>
+        </p:nvSpPr>
+        <p:spPr>
+          <a:xfrm>
+            <a:off x="2267744" y="260648"/>
+            <a:ext cx="4631396" cy="369332"/>
+          </a:xfrm>
+          <a:prstGeom prst="rect">
+            <a:avLst/>
+          </a:prstGeom>
+          <a:noFill/>
+        </p:spPr>
+        <p:txBody>
+          <a:bodyPr wrap="none" rtlCol="0">
+            <a:spAutoFit/>
+          </a:bodyPr>
+          <a:lstStyle/>
+          <a:p>
+            <a:pPr algn="ctr"/>
+            <a:r>
+              <a:rPr lang="en-US" altLang="ko-KR" dirty="0" smtClean="0"/>
+              <a:t>Animal Class</a:t>
+            </a:r>
+            <a:r>
+              <a:rPr lang="ko-KR" altLang="en-US" dirty="0" smtClean="0"/>
+              <a:t>를 상속 받은 </a:t>
+            </a:r>
+            <a:r>
+              <a:rPr lang="en-US" altLang="ko-KR" dirty="0" smtClean="0"/>
+              <a:t>Cat Class</a:t>
+            </a:r>
+            <a:r>
+              <a:rPr lang="ko-KR" altLang="en-US" dirty="0" smtClean="0"/>
+              <a:t>의 구조</a:t>
+            </a:r>
+            <a:endParaRPr lang="ko-KR" altLang="en-US" dirty="0"/>
+          </a:p>
+        </p:txBody>
+      </p:sp>
+    </p:spTree>
+    <p:extLst>
+      <p:ext uri="{BB962C8B-B14F-4D97-AF65-F5344CB8AC3E}">
+        <p14:creationId xmlns:p14="http://schemas.microsoft.com/office/powerpoint/2010/main" val="1129684192"/>
+      </p:ext>
+    </p:extLst>
+  </p:cSld>
+  <p:clrMapOvr>
+    <a:masterClrMapping/>
+  </p:clrMapOvr>
+</p:sld>
+</file>
+
+<file path=ppt/slides/slide7.xml><?xml version="1.0" encoding="utf-8"?>
 <p:sld xmlns:a="http://schemas.openxmlformats.org/drawingml/2006/main" xmlns:r="http://schemas.openxmlformats.org/officeDocument/2006/relationships" xmlns:p="http://schemas.openxmlformats.org/presentationml/2006/main">
   <p:cSld>
     <p:spTree>
@@ -9400,11 +11492,7 @@
             <a:pPr algn="ctr"/>
             <a:r>
               <a:rPr lang="en-US" altLang="ko-KR" dirty="0" smtClean="0"/>
-              <a:t>new </a:t>
-            </a:r>
-            <a:r>
-              <a:rPr lang="en-US" altLang="ko-KR" dirty="0" smtClean="0"/>
-              <a:t>Cat</a:t>
+              <a:t>new Cat</a:t>
             </a:r>
           </a:p>
           <a:p>
@@ -9434,7 +11522,6 @@
               <a:rPr lang="en-US" altLang="ko-KR" dirty="0" smtClean="0"/>
               <a:t>Animal</a:t>
             </a:r>
-            <a:endParaRPr lang="en-US" altLang="ko-KR" dirty="0" smtClean="0"/>
           </a:p>
         </p:txBody>
       </p:sp>
@@ -9448,9 +11535,9 @@
           <p:nvPr/>
         </p:nvCxnSpPr>
         <p:spPr>
-          <a:xfrm flipH="1">
-            <a:off x="917641" y="3284984"/>
-            <a:ext cx="36551" cy="1512168"/>
+          <a:xfrm>
+            <a:off x="639123" y="3284984"/>
+            <a:ext cx="278518" cy="1512168"/>
           </a:xfrm>
           <a:prstGeom prst="straightConnector1">
             <a:avLst/>
@@ -9483,8 +11570,8 @@
         </p:nvSpPr>
         <p:spPr>
           <a:xfrm>
-            <a:off x="343829" y="2915364"/>
-            <a:ext cx="1220725" cy="369620"/>
+            <a:off x="234176" y="2915364"/>
+            <a:ext cx="809893" cy="369620"/>
           </a:xfrm>
           <a:prstGeom prst="rect">
             <a:avLst/>
@@ -9527,8 +11614,8 @@
         </p:nvSpPr>
         <p:spPr>
           <a:xfrm>
-            <a:off x="2017561" y="2894749"/>
-            <a:ext cx="1220725" cy="369620"/>
+            <a:off x="1331640" y="2894749"/>
+            <a:ext cx="955142" cy="369620"/>
           </a:xfrm>
           <a:prstGeom prst="rect">
             <a:avLst/>
@@ -9568,14 +11655,14 @@
           <p:cNvPr id="26" name="직선 화살표 연결선 25"/>
           <p:cNvCxnSpPr>
             <a:stCxn id="82" idx="2"/>
-            <a:endCxn id="54" idx="0"/>
+            <a:endCxn id="28" idx="0"/>
           </p:cNvCxnSpPr>
           <p:nvPr/>
         </p:nvCxnSpPr>
         <p:spPr>
-          <a:xfrm flipH="1">
-            <a:off x="917641" y="3264369"/>
-            <a:ext cx="1710283" cy="1532783"/>
+          <a:xfrm>
+            <a:off x="1809211" y="3264369"/>
+            <a:ext cx="891815" cy="1532783"/>
           </a:xfrm>
           <a:prstGeom prst="straightConnector1">
             <a:avLst/>
@@ -9600,144 +11687,20 @@
           </a:fontRef>
         </p:style>
       </p:cxnSp>
-    </p:spTree>
-    <p:extLst>
-      <p:ext uri="{BB962C8B-B14F-4D97-AF65-F5344CB8AC3E}">
-        <p14:creationId xmlns:p14="http://schemas.microsoft.com/office/powerpoint/2010/main" val="198619363"/>
-      </p:ext>
-    </p:extLst>
-  </p:cSld>
-  <p:clrMapOvr>
-    <a:masterClrMapping/>
-  </p:clrMapOvr>
-</p:sld>
-</file>
-
-<file path=ppt/slides/slide6.xml><?xml version="1.0" encoding="utf-8"?>
-<p:sld xmlns:a="http://schemas.openxmlformats.org/drawingml/2006/main" xmlns:r="http://schemas.openxmlformats.org/officeDocument/2006/relationships" xmlns:p="http://schemas.openxmlformats.org/presentationml/2006/main">
-  <p:cSld>
-    <p:spTree>
-      <p:nvGrpSpPr>
-        <p:cNvPr id="1" name=""/>
-        <p:cNvGrpSpPr/>
-        <p:nvPr/>
-      </p:nvGrpSpPr>
-      <p:grpSpPr>
-        <a:xfrm>
-          <a:off x="0" y="0"/>
-          <a:ext cx="0" cy="0"/>
-          <a:chOff x="0" y="0"/>
-          <a:chExt cx="0" cy="0"/>
-        </a:xfrm>
-      </p:grpSpPr>
-      <p:sp>
-        <p:nvSpPr>
-          <p:cNvPr id="4" name="직사각형 3"/>
+      <p:sp>
+        <p:nvSpPr>
+          <p:cNvPr id="28" name="직사각형 27"/>
           <p:cNvSpPr/>
           <p:nvPr/>
         </p:nvSpPr>
         <p:spPr>
           <a:xfrm>
-            <a:off x="1043608" y="1371982"/>
-            <a:ext cx="3312368" cy="4176464"/>
+            <a:off x="2017561" y="4797152"/>
+            <a:ext cx="1366929" cy="1368152"/>
           </a:xfrm>
           <a:prstGeom prst="rect">
             <a:avLst/>
           </a:prstGeom>
-        </p:spPr>
-        <p:style>
-          <a:lnRef idx="2">
-            <a:schemeClr val="accent1">
-              <a:shade val="50000"/>
-            </a:schemeClr>
-          </a:lnRef>
-          <a:fillRef idx="1">
-            <a:schemeClr val="accent1"/>
-          </a:fillRef>
-          <a:effectRef idx="0">
-            <a:schemeClr val="accent1"/>
-          </a:effectRef>
-          <a:fontRef idx="minor">
-            <a:schemeClr val="lt1"/>
-          </a:fontRef>
-        </p:style>
-        <p:txBody>
-          <a:bodyPr rtlCol="0" anchor="ctr"/>
-          <a:lstStyle/>
-          <a:p>
-            <a:pPr algn="ctr"/>
-            <a:endParaRPr lang="ko-KR" altLang="en-US"/>
-          </a:p>
-        </p:txBody>
-      </p:sp>
-      <p:sp>
-        <p:nvSpPr>
-          <p:cNvPr id="5" name="직사각형 4"/>
-          <p:cNvSpPr/>
-          <p:nvPr/>
-        </p:nvSpPr>
-        <p:spPr>
-          <a:xfrm>
-            <a:off x="1259632" y="1588006"/>
-            <a:ext cx="2880320" cy="2520280"/>
-          </a:xfrm>
-          <a:prstGeom prst="rect">
-            <a:avLst/>
-          </a:prstGeom>
-          <a:scene3d>
-            <a:camera prst="orthographicFront"/>
-            <a:lightRig rig="threePt" dir="t"/>
-          </a:scene3d>
-          <a:sp3d>
-            <a:bevelT prst="angle"/>
-          </a:sp3d>
-        </p:spPr>
-        <p:style>
-          <a:lnRef idx="2">
-            <a:schemeClr val="accent2">
-              <a:shade val="50000"/>
-            </a:schemeClr>
-          </a:lnRef>
-          <a:fillRef idx="1">
-            <a:schemeClr val="accent2"/>
-          </a:fillRef>
-          <a:effectRef idx="0">
-            <a:schemeClr val="accent2"/>
-          </a:effectRef>
-          <a:fontRef idx="minor">
-            <a:schemeClr val="lt1"/>
-          </a:fontRef>
-        </p:style>
-        <p:txBody>
-          <a:bodyPr rtlCol="0" anchor="ctr"/>
-          <a:lstStyle/>
-          <a:p>
-            <a:pPr algn="ctr"/>
-            <a:endParaRPr lang="ko-KR" altLang="en-US"/>
-          </a:p>
-        </p:txBody>
-      </p:sp>
-      <p:sp>
-        <p:nvSpPr>
-          <p:cNvPr id="6" name="직사각형 5"/>
-          <p:cNvSpPr/>
-          <p:nvPr/>
-        </p:nvSpPr>
-        <p:spPr>
-          <a:xfrm>
-            <a:off x="2086155" y="2186545"/>
-            <a:ext cx="1220725" cy="846411"/>
-          </a:xfrm>
-          <a:prstGeom prst="rect">
-            <a:avLst/>
-          </a:prstGeom>
-          <a:scene3d>
-            <a:camera prst="orthographicFront"/>
-            <a:lightRig rig="threePt" dir="t"/>
-          </a:scene3d>
-          <a:sp3d>
-            <a:bevelT/>
-          </a:sp3d>
         </p:spPr>
         <p:style>
           <a:lnRef idx="2">
@@ -9762,67 +11725,9 @@
             <a:pPr algn="ctr"/>
             <a:r>
               <a:rPr lang="en-US" altLang="ko-KR" dirty="0" smtClean="0"/>
-              <a:t>name</a:t>
-            </a:r>
-          </a:p>
-          <a:p>
-            <a:pPr algn="ctr"/>
-            <a:r>
-              <a:rPr lang="en-US" altLang="ko-KR" dirty="0" smtClean="0"/>
-              <a:t>age</a:t>
-            </a:r>
-          </a:p>
-          <a:p>
-            <a:pPr algn="ctr"/>
-            <a:r>
-              <a:rPr lang="en-US" altLang="ko-KR" dirty="0" smtClean="0"/>
-              <a:t>weight</a:t>
-            </a:r>
-            <a:endParaRPr lang="ko-KR" altLang="en-US" dirty="0"/>
-          </a:p>
-        </p:txBody>
-      </p:sp>
-      <p:sp>
-        <p:nvSpPr>
-          <p:cNvPr id="7" name="직사각형 6"/>
-          <p:cNvSpPr/>
-          <p:nvPr/>
-        </p:nvSpPr>
-        <p:spPr>
-          <a:xfrm>
-            <a:off x="2077252" y="4684350"/>
-            <a:ext cx="1220725" cy="720080"/>
-          </a:xfrm>
-          <a:prstGeom prst="rect">
-            <a:avLst/>
-          </a:prstGeom>
-          <a:scene3d>
-            <a:camera prst="orthographicFront"/>
-            <a:lightRig rig="threePt" dir="t"/>
-          </a:scene3d>
-          <a:sp3d>
-            <a:bevelT/>
-          </a:sp3d>
-        </p:spPr>
-        <p:style>
-          <a:lnRef idx="2">
-            <a:schemeClr val="accent6">
-              <a:shade val="50000"/>
-            </a:schemeClr>
-          </a:lnRef>
-          <a:fillRef idx="1">
-            <a:schemeClr val="accent6"/>
-          </a:fillRef>
-          <a:effectRef idx="0">
-            <a:schemeClr val="accent6"/>
-          </a:effectRef>
-          <a:fontRef idx="minor">
-            <a:schemeClr val="lt1"/>
-          </a:fontRef>
-        </p:style>
-        <p:txBody>
-          <a:bodyPr rtlCol="0" anchor="ctr"/>
-          <a:lstStyle/>
+              <a:t>new Dog</a:t>
+            </a:r>
+          </a:p>
           <a:p>
             <a:pPr algn="ctr"/>
             <a:r>
@@ -9837,1918 +11742,19 @@
               <a:t>eat()</a:t>
             </a:r>
           </a:p>
-        </p:txBody>
-      </p:sp>
-      <p:sp>
-        <p:nvSpPr>
-          <p:cNvPr id="8" name="직사각형 7"/>
-          <p:cNvSpPr/>
-          <p:nvPr/>
-        </p:nvSpPr>
-        <p:spPr>
-          <a:xfrm>
-            <a:off x="1541112" y="4211508"/>
-            <a:ext cx="2310810" cy="369620"/>
-          </a:xfrm>
-          <a:prstGeom prst="rect">
-            <a:avLst/>
-          </a:prstGeom>
-          <a:scene3d>
-            <a:camera prst="orthographicFront"/>
-            <a:lightRig rig="threePt" dir="t"/>
-          </a:scene3d>
-          <a:sp3d>
-            <a:bevelT w="152400" h="50800" prst="softRound"/>
-          </a:sp3d>
-        </p:spPr>
-        <p:style>
-          <a:lnRef idx="1">
-            <a:schemeClr val="accent3"/>
-          </a:lnRef>
-          <a:fillRef idx="2">
-            <a:schemeClr val="accent3"/>
-          </a:fillRef>
-          <a:effectRef idx="1">
-            <a:schemeClr val="accent3"/>
-          </a:effectRef>
-          <a:fontRef idx="minor">
-            <a:schemeClr val="dk1"/>
-          </a:fontRef>
-        </p:style>
-        <p:txBody>
-          <a:bodyPr rtlCol="0" anchor="ctr"/>
-          <a:lstStyle/>
           <a:p>
             <a:pPr algn="ctr"/>
             <a:r>
-              <a:rPr lang="en-US" altLang="ko-KR" dirty="0" smtClean="0"/>
-              <a:t>Cat</a:t>
-            </a:r>
-            <a:endParaRPr lang="ko-KR" altLang="en-US" dirty="0"/>
-          </a:p>
-        </p:txBody>
-      </p:sp>
-      <p:sp>
-        <p:nvSpPr>
-          <p:cNvPr id="9" name="직사각형 8"/>
-          <p:cNvSpPr/>
-          <p:nvPr/>
-        </p:nvSpPr>
-        <p:spPr>
-          <a:xfrm>
-            <a:off x="1547663" y="1692111"/>
-            <a:ext cx="2304258" cy="369620"/>
-          </a:xfrm>
-          <a:prstGeom prst="rect">
-            <a:avLst/>
-          </a:prstGeom>
-          <a:scene3d>
-            <a:camera prst="orthographicFront"/>
-            <a:lightRig rig="threePt" dir="t"/>
-          </a:scene3d>
-          <a:sp3d>
-            <a:bevelT w="152400" h="50800" prst="softRound"/>
-          </a:sp3d>
-        </p:spPr>
-        <p:style>
-          <a:lnRef idx="1">
-            <a:schemeClr val="accent3"/>
-          </a:lnRef>
-          <a:fillRef idx="2">
-            <a:schemeClr val="accent3"/>
-          </a:fillRef>
-          <a:effectRef idx="1">
-            <a:schemeClr val="accent3"/>
-          </a:effectRef>
-          <a:fontRef idx="minor">
-            <a:schemeClr val="dk1"/>
-          </a:fontRef>
-        </p:style>
-        <p:txBody>
-          <a:bodyPr rtlCol="0" anchor="ctr"/>
-          <a:lstStyle/>
+              <a:rPr lang="en-US" altLang="ko-KR" dirty="0"/>
+              <a:t>+</a:t>
+            </a:r>
+          </a:p>
           <a:p>
             <a:pPr algn="ctr"/>
             <a:r>
               <a:rPr lang="en-US" altLang="ko-KR" dirty="0" smtClean="0"/>
               <a:t>Animal</a:t>
             </a:r>
-            <a:endParaRPr lang="ko-KR" altLang="en-US" dirty="0"/>
-          </a:p>
-        </p:txBody>
-      </p:sp>
-      <p:sp>
-        <p:nvSpPr>
-          <p:cNvPr id="10" name="직사각형 9"/>
-          <p:cNvSpPr/>
-          <p:nvPr/>
-        </p:nvSpPr>
-        <p:spPr>
-          <a:xfrm>
-            <a:off x="2089429" y="3024555"/>
-            <a:ext cx="1220725" cy="764485"/>
-          </a:xfrm>
-          <a:prstGeom prst="rect">
-            <a:avLst/>
-          </a:prstGeom>
-          <a:scene3d>
-            <a:camera prst="orthographicFront"/>
-            <a:lightRig rig="threePt" dir="t"/>
-          </a:scene3d>
-          <a:sp3d>
-            <a:bevelT/>
-          </a:sp3d>
-        </p:spPr>
-        <p:style>
-          <a:lnRef idx="2">
-            <a:schemeClr val="accent6">
-              <a:shade val="50000"/>
-            </a:schemeClr>
-          </a:lnRef>
-          <a:fillRef idx="1">
-            <a:schemeClr val="accent6"/>
-          </a:fillRef>
-          <a:effectRef idx="0">
-            <a:schemeClr val="accent6"/>
-          </a:effectRef>
-          <a:fontRef idx="minor">
-            <a:schemeClr val="lt1"/>
-          </a:fontRef>
-        </p:style>
-        <p:txBody>
-          <a:bodyPr rtlCol="0" anchor="ctr"/>
-          <a:lstStyle/>
-          <a:p>
-            <a:pPr algn="ctr"/>
-            <a:r>
-              <a:rPr lang="en-US" altLang="ko-KR" dirty="0" err="1" smtClean="0"/>
-              <a:t>shakeTail</a:t>
-            </a:r>
-            <a:r>
-              <a:rPr lang="en-US" altLang="ko-KR" dirty="0" smtClean="0"/>
-              <a:t>()</a:t>
-            </a:r>
-          </a:p>
-          <a:p>
-            <a:pPr algn="ctr"/>
-            <a:r>
-              <a:rPr lang="en-US" altLang="ko-KR" dirty="0" err="1" smtClean="0"/>
-              <a:t>printInfo</a:t>
-            </a:r>
-            <a:r>
-              <a:rPr lang="en-US" altLang="ko-KR" dirty="0" smtClean="0"/>
-              <a:t>()</a:t>
-            </a:r>
-          </a:p>
-        </p:txBody>
-      </p:sp>
-      <p:sp>
-        <p:nvSpPr>
-          <p:cNvPr id="11" name="직사각형 10"/>
-          <p:cNvSpPr/>
-          <p:nvPr/>
-        </p:nvSpPr>
-        <p:spPr>
-          <a:xfrm>
-            <a:off x="5004048" y="1588006"/>
-            <a:ext cx="2880320" cy="2520280"/>
-          </a:xfrm>
-          <a:prstGeom prst="rect">
-            <a:avLst/>
-          </a:prstGeom>
-        </p:spPr>
-        <p:style>
-          <a:lnRef idx="2">
-            <a:schemeClr val="accent2">
-              <a:shade val="50000"/>
-            </a:schemeClr>
-          </a:lnRef>
-          <a:fillRef idx="1">
-            <a:schemeClr val="accent2"/>
-          </a:fillRef>
-          <a:effectRef idx="0">
-            <a:schemeClr val="accent2"/>
-          </a:effectRef>
-          <a:fontRef idx="minor">
-            <a:schemeClr val="lt1"/>
-          </a:fontRef>
-        </p:style>
-        <p:txBody>
-          <a:bodyPr rtlCol="0" anchor="ctr"/>
-          <a:lstStyle/>
-          <a:p>
-            <a:pPr algn="ctr"/>
-            <a:endParaRPr lang="ko-KR" altLang="en-US"/>
-          </a:p>
-        </p:txBody>
-      </p:sp>
-      <p:sp>
-        <p:nvSpPr>
-          <p:cNvPr id="12" name="직사각형 11"/>
-          <p:cNvSpPr/>
-          <p:nvPr/>
-        </p:nvSpPr>
-        <p:spPr>
-          <a:xfrm>
-            <a:off x="5830571" y="2186545"/>
-            <a:ext cx="1220725" cy="846411"/>
-          </a:xfrm>
-          <a:prstGeom prst="rect">
-            <a:avLst/>
-          </a:prstGeom>
-          <a:scene3d>
-            <a:camera prst="orthographicFront"/>
-            <a:lightRig rig="threePt" dir="t"/>
-          </a:scene3d>
-          <a:sp3d>
-            <a:bevelT/>
-          </a:sp3d>
-        </p:spPr>
-        <p:style>
-          <a:lnRef idx="2">
-            <a:schemeClr val="accent6">
-              <a:shade val="50000"/>
-            </a:schemeClr>
-          </a:lnRef>
-          <a:fillRef idx="1">
-            <a:schemeClr val="accent6"/>
-          </a:fillRef>
-          <a:effectRef idx="0">
-            <a:schemeClr val="accent6"/>
-          </a:effectRef>
-          <a:fontRef idx="minor">
-            <a:schemeClr val="lt1"/>
-          </a:fontRef>
-        </p:style>
-        <p:txBody>
-          <a:bodyPr rtlCol="0" anchor="ctr"/>
-          <a:lstStyle/>
-          <a:p>
-            <a:pPr algn="ctr"/>
-            <a:r>
-              <a:rPr lang="en-US" altLang="ko-KR" dirty="0" smtClean="0"/>
-              <a:t>name</a:t>
-            </a:r>
-          </a:p>
-          <a:p>
-            <a:pPr algn="ctr"/>
-            <a:r>
-              <a:rPr lang="en-US" altLang="ko-KR" dirty="0" smtClean="0"/>
-              <a:t>age</a:t>
-            </a:r>
-          </a:p>
-          <a:p>
-            <a:pPr algn="ctr"/>
-            <a:r>
-              <a:rPr lang="en-US" altLang="ko-KR" dirty="0" smtClean="0"/>
-              <a:t>weight</a:t>
-            </a:r>
-            <a:endParaRPr lang="ko-KR" altLang="en-US" dirty="0"/>
-          </a:p>
-        </p:txBody>
-      </p:sp>
-      <p:sp>
-        <p:nvSpPr>
-          <p:cNvPr id="13" name="직사각형 12"/>
-          <p:cNvSpPr/>
-          <p:nvPr/>
-        </p:nvSpPr>
-        <p:spPr>
-          <a:xfrm>
-            <a:off x="5292079" y="1692111"/>
-            <a:ext cx="2304258" cy="369620"/>
-          </a:xfrm>
-          <a:prstGeom prst="rect">
-            <a:avLst/>
-          </a:prstGeom>
-          <a:scene3d>
-            <a:camera prst="orthographicFront"/>
-            <a:lightRig rig="threePt" dir="t"/>
-          </a:scene3d>
-          <a:sp3d>
-            <a:bevelT w="152400" h="50800" prst="softRound"/>
-          </a:sp3d>
-        </p:spPr>
-        <p:style>
-          <a:lnRef idx="1">
-            <a:schemeClr val="accent3"/>
-          </a:lnRef>
-          <a:fillRef idx="2">
-            <a:schemeClr val="accent3"/>
-          </a:fillRef>
-          <a:effectRef idx="1">
-            <a:schemeClr val="accent3"/>
-          </a:effectRef>
-          <a:fontRef idx="minor">
-            <a:schemeClr val="dk1"/>
-          </a:fontRef>
-        </p:style>
-        <p:txBody>
-          <a:bodyPr rtlCol="0" anchor="ctr"/>
-          <a:lstStyle/>
-          <a:p>
-            <a:pPr algn="ctr"/>
-            <a:r>
-              <a:rPr lang="en-US" altLang="ko-KR" dirty="0" smtClean="0"/>
-              <a:t>Animal</a:t>
-            </a:r>
-            <a:endParaRPr lang="ko-KR" altLang="en-US" dirty="0"/>
-          </a:p>
-        </p:txBody>
-      </p:sp>
-      <p:sp>
-        <p:nvSpPr>
-          <p:cNvPr id="14" name="직사각형 13"/>
-          <p:cNvSpPr/>
-          <p:nvPr/>
-        </p:nvSpPr>
-        <p:spPr>
-          <a:xfrm>
-            <a:off x="5833845" y="3024555"/>
-            <a:ext cx="1220725" cy="764485"/>
-          </a:xfrm>
-          <a:prstGeom prst="rect">
-            <a:avLst/>
-          </a:prstGeom>
-          <a:scene3d>
-            <a:camera prst="orthographicFront"/>
-            <a:lightRig rig="threePt" dir="t"/>
-          </a:scene3d>
-          <a:sp3d>
-            <a:bevelT/>
-          </a:sp3d>
-        </p:spPr>
-        <p:style>
-          <a:lnRef idx="2">
-            <a:schemeClr val="accent6">
-              <a:shade val="50000"/>
-            </a:schemeClr>
-          </a:lnRef>
-          <a:fillRef idx="1">
-            <a:schemeClr val="accent6"/>
-          </a:fillRef>
-          <a:effectRef idx="0">
-            <a:schemeClr val="accent6"/>
-          </a:effectRef>
-          <a:fontRef idx="minor">
-            <a:schemeClr val="lt1"/>
-          </a:fontRef>
-        </p:style>
-        <p:txBody>
-          <a:bodyPr rtlCol="0" anchor="ctr"/>
-          <a:lstStyle/>
-          <a:p>
-            <a:pPr algn="ctr"/>
-            <a:r>
-              <a:rPr lang="en-US" altLang="ko-KR" dirty="0" err="1" smtClean="0"/>
-              <a:t>shakeTail</a:t>
-            </a:r>
-            <a:r>
-              <a:rPr lang="en-US" altLang="ko-KR" dirty="0" smtClean="0"/>
-              <a:t>()</a:t>
-            </a:r>
-          </a:p>
-          <a:p>
-            <a:pPr algn="ctr"/>
-            <a:r>
-              <a:rPr lang="en-US" altLang="ko-KR" dirty="0" err="1" smtClean="0"/>
-              <a:t>printInfo</a:t>
-            </a:r>
-            <a:r>
-              <a:rPr lang="en-US" altLang="ko-KR" dirty="0" smtClean="0"/>
-              <a:t>()</a:t>
-            </a:r>
-          </a:p>
-        </p:txBody>
-      </p:sp>
-      <p:sp>
-        <p:nvSpPr>
-          <p:cNvPr id="15" name="TextBox 14"/>
-          <p:cNvSpPr txBox="1"/>
-          <p:nvPr/>
-        </p:nvSpPr>
-        <p:spPr>
-          <a:xfrm>
-            <a:off x="1547663" y="939934"/>
-            <a:ext cx="2294218" cy="369332"/>
-          </a:xfrm>
-          <a:prstGeom prst="rect">
-            <a:avLst/>
-          </a:prstGeom>
-          <a:noFill/>
-        </p:spPr>
-        <p:txBody>
-          <a:bodyPr wrap="none" rtlCol="0">
-            <a:spAutoFit/>
-          </a:bodyPr>
-          <a:lstStyle/>
-          <a:p>
-            <a:r>
-              <a:rPr lang="en-US" altLang="ko-KR" dirty="0" smtClean="0"/>
-              <a:t>Cat </a:t>
-            </a:r>
-            <a:r>
-              <a:rPr lang="en-US" altLang="ko-KR" dirty="0" err="1" smtClean="0"/>
-              <a:t>cat</a:t>
-            </a:r>
-            <a:r>
-              <a:rPr lang="en-US" altLang="ko-KR" dirty="0" smtClean="0"/>
-              <a:t> = new Cat();</a:t>
-            </a:r>
-            <a:endParaRPr lang="ko-KR" altLang="en-US" dirty="0"/>
-          </a:p>
-        </p:txBody>
-      </p:sp>
-      <p:sp>
-        <p:nvSpPr>
-          <p:cNvPr id="16" name="TextBox 15"/>
-          <p:cNvSpPr txBox="1"/>
-          <p:nvPr/>
-        </p:nvSpPr>
-        <p:spPr>
-          <a:xfrm>
-            <a:off x="5302119" y="1148197"/>
-            <a:ext cx="2363147" cy="369332"/>
-          </a:xfrm>
-          <a:prstGeom prst="rect">
-            <a:avLst/>
-          </a:prstGeom>
-          <a:noFill/>
-        </p:spPr>
-        <p:txBody>
-          <a:bodyPr wrap="none" rtlCol="0">
-            <a:spAutoFit/>
-          </a:bodyPr>
-          <a:lstStyle/>
-          <a:p>
-            <a:r>
-              <a:rPr lang="en-US" altLang="ko-KR" dirty="0" smtClean="0"/>
-              <a:t>Animal </a:t>
-            </a:r>
-            <a:r>
-              <a:rPr lang="en-US" altLang="ko-KR" dirty="0" err="1" smtClean="0"/>
-              <a:t>animal</a:t>
-            </a:r>
-            <a:r>
-              <a:rPr lang="en-US" altLang="ko-KR" dirty="0" smtClean="0"/>
-              <a:t> = cat;</a:t>
-            </a:r>
-            <a:endParaRPr lang="ko-KR" altLang="en-US" dirty="0"/>
-          </a:p>
-        </p:txBody>
-      </p:sp>
-      <p:sp>
-        <p:nvSpPr>
-          <p:cNvPr id="17" name="TextBox 16"/>
-          <p:cNvSpPr txBox="1"/>
-          <p:nvPr/>
-        </p:nvSpPr>
-        <p:spPr>
-          <a:xfrm>
-            <a:off x="5292079" y="762753"/>
-            <a:ext cx="3424335" cy="369332"/>
-          </a:xfrm>
-          <a:prstGeom prst="rect">
-            <a:avLst/>
-          </a:prstGeom>
-          <a:noFill/>
-        </p:spPr>
-        <p:txBody>
-          <a:bodyPr wrap="none" rtlCol="0">
-            <a:spAutoFit/>
-          </a:bodyPr>
-          <a:lstStyle/>
-          <a:p>
-            <a:r>
-              <a:rPr lang="en-US" altLang="ko-KR" dirty="0" smtClean="0"/>
-              <a:t>Animal </a:t>
-            </a:r>
-            <a:r>
-              <a:rPr lang="en-US" altLang="ko-KR" dirty="0" err="1" smtClean="0"/>
-              <a:t>animal</a:t>
-            </a:r>
-            <a:r>
-              <a:rPr lang="en-US" altLang="ko-KR" dirty="0" smtClean="0"/>
-              <a:t> = new Animal();</a:t>
-            </a:r>
-            <a:endParaRPr lang="ko-KR" altLang="en-US" dirty="0"/>
-          </a:p>
-        </p:txBody>
-      </p:sp>
-      <p:sp>
-        <p:nvSpPr>
-          <p:cNvPr id="18" name="TextBox 17"/>
-          <p:cNvSpPr txBox="1"/>
-          <p:nvPr/>
-        </p:nvSpPr>
-        <p:spPr>
-          <a:xfrm>
-            <a:off x="2267744" y="260648"/>
-            <a:ext cx="4631396" cy="369332"/>
-          </a:xfrm>
-          <a:prstGeom prst="rect">
-            <a:avLst/>
-          </a:prstGeom>
-          <a:noFill/>
-        </p:spPr>
-        <p:txBody>
-          <a:bodyPr wrap="none" rtlCol="0">
-            <a:spAutoFit/>
-          </a:bodyPr>
-          <a:lstStyle/>
-          <a:p>
-            <a:pPr algn="ctr"/>
-            <a:r>
-              <a:rPr lang="en-US" altLang="ko-KR" dirty="0" smtClean="0"/>
-              <a:t>Animal Class</a:t>
-            </a:r>
-            <a:r>
-              <a:rPr lang="ko-KR" altLang="en-US" dirty="0" smtClean="0"/>
-              <a:t>를 상속 받은 </a:t>
-            </a:r>
-            <a:r>
-              <a:rPr lang="en-US" altLang="ko-KR" dirty="0" smtClean="0"/>
-              <a:t>Cat Class</a:t>
-            </a:r>
-            <a:r>
-              <a:rPr lang="ko-KR" altLang="en-US" dirty="0" smtClean="0"/>
-              <a:t>의 구조</a:t>
-            </a:r>
-            <a:endParaRPr lang="ko-KR" altLang="en-US" dirty="0"/>
-          </a:p>
-        </p:txBody>
-      </p:sp>
-    </p:spTree>
-    <p:extLst>
-      <p:ext uri="{BB962C8B-B14F-4D97-AF65-F5344CB8AC3E}">
-        <p14:creationId xmlns:p14="http://schemas.microsoft.com/office/powerpoint/2010/main" val="1129684192"/>
-      </p:ext>
-    </p:extLst>
-  </p:cSld>
-  <p:clrMapOvr>
-    <a:masterClrMapping/>
-  </p:clrMapOvr>
-</p:sld>
-</file>
-
-<file path=ppt/slides/slide7.xml><?xml version="1.0" encoding="utf-8"?>
-<p:sld xmlns:a="http://schemas.openxmlformats.org/drawingml/2006/main" xmlns:r="http://schemas.openxmlformats.org/officeDocument/2006/relationships" xmlns:p="http://schemas.openxmlformats.org/presentationml/2006/main">
-  <p:cSld>
-    <p:spTree>
-      <p:nvGrpSpPr>
-        <p:cNvPr id="1" name=""/>
-        <p:cNvGrpSpPr/>
-        <p:nvPr/>
-      </p:nvGrpSpPr>
-      <p:grpSpPr>
-        <a:xfrm>
-          <a:off x="0" y="0"/>
-          <a:ext cx="0" cy="0"/>
-          <a:chOff x="0" y="0"/>
-          <a:chExt cx="0" cy="0"/>
-        </a:xfrm>
-      </p:grpSpPr>
-      <p:sp>
-        <p:nvSpPr>
-          <p:cNvPr id="5" name="제목 4"/>
-          <p:cNvSpPr>
-            <a:spLocks noGrp="1"/>
-          </p:cNvSpPr>
-          <p:nvPr>
-            <p:ph type="title"/>
-          </p:nvPr>
-        </p:nvSpPr>
-        <p:spPr>
-          <a:xfrm>
-            <a:off x="876097" y="274638"/>
-            <a:ext cx="8229600" cy="1143000"/>
-          </a:xfrm>
-        </p:spPr>
-        <p:txBody>
-          <a:bodyPr/>
-          <a:lstStyle/>
-          <a:p>
-            <a:r>
-              <a:rPr lang="ko-KR" altLang="en-US" dirty="0" err="1" smtClean="0"/>
-              <a:t>다형성</a:t>
-            </a:r>
-            <a:endParaRPr lang="ko-KR" altLang="en-US" dirty="0"/>
-          </a:p>
-        </p:txBody>
-      </p:sp>
-      <p:sp>
-        <p:nvSpPr>
-          <p:cNvPr id="7" name="타원 6"/>
-          <p:cNvSpPr/>
-          <p:nvPr/>
-        </p:nvSpPr>
-        <p:spPr>
-          <a:xfrm>
-            <a:off x="4826806" y="1412776"/>
-            <a:ext cx="1152128" cy="797628"/>
-          </a:xfrm>
-          <a:prstGeom prst="ellipse">
-            <a:avLst/>
-          </a:prstGeom>
-        </p:spPr>
-        <p:style>
-          <a:lnRef idx="2">
-            <a:schemeClr val="accent1">
-              <a:shade val="50000"/>
-            </a:schemeClr>
-          </a:lnRef>
-          <a:fillRef idx="1">
-            <a:schemeClr val="accent1"/>
-          </a:fillRef>
-          <a:effectRef idx="0">
-            <a:schemeClr val="accent1"/>
-          </a:effectRef>
-          <a:fontRef idx="minor">
-            <a:schemeClr val="lt1"/>
-          </a:fontRef>
-        </p:style>
-        <p:txBody>
-          <a:bodyPr rtlCol="0" anchor="ctr"/>
-          <a:lstStyle/>
-          <a:p>
-            <a:pPr algn="ctr"/>
-            <a:r>
-              <a:rPr lang="ko-KR" altLang="en-US" dirty="0" smtClean="0"/>
-              <a:t>동물</a:t>
-            </a:r>
-            <a:endParaRPr lang="ko-KR" altLang="en-US" dirty="0"/>
-          </a:p>
-        </p:txBody>
-      </p:sp>
-      <p:cxnSp>
-        <p:nvCxnSpPr>
-          <p:cNvPr id="11" name="직선 화살표 연결선 10"/>
-          <p:cNvCxnSpPr>
-            <a:stCxn id="8" idx="0"/>
-            <a:endCxn id="7" idx="4"/>
-          </p:cNvCxnSpPr>
-          <p:nvPr/>
-        </p:nvCxnSpPr>
-        <p:spPr>
-          <a:xfrm flipV="1">
-            <a:off x="4878754" y="2210404"/>
-            <a:ext cx="524116" cy="1074580"/>
-          </a:xfrm>
-          <a:prstGeom prst="straightConnector1">
-            <a:avLst/>
-          </a:prstGeom>
-          <a:ln>
-            <a:headEnd type="none" w="med" len="med"/>
-            <a:tailEnd type="triangle" w="med" len="med"/>
-          </a:ln>
-        </p:spPr>
-        <p:style>
-          <a:lnRef idx="1">
-            <a:schemeClr val="accent2"/>
-          </a:lnRef>
-          <a:fillRef idx="0">
-            <a:schemeClr val="accent2"/>
-          </a:fillRef>
-          <a:effectRef idx="0">
-            <a:schemeClr val="accent2"/>
-          </a:effectRef>
-          <a:fontRef idx="minor">
-            <a:schemeClr val="tx1"/>
-          </a:fontRef>
-        </p:style>
-      </p:cxnSp>
-      <p:cxnSp>
-        <p:nvCxnSpPr>
-          <p:cNvPr id="12" name="직선 화살표 연결선 11"/>
-          <p:cNvCxnSpPr>
-            <a:stCxn id="9" idx="0"/>
-            <a:endCxn id="7" idx="4"/>
-          </p:cNvCxnSpPr>
-          <p:nvPr/>
-        </p:nvCxnSpPr>
-        <p:spPr>
-          <a:xfrm flipH="1" flipV="1">
-            <a:off x="5402870" y="2210404"/>
-            <a:ext cx="538722" cy="1074580"/>
-          </a:xfrm>
-          <a:prstGeom prst="straightConnector1">
-            <a:avLst/>
-          </a:prstGeom>
-          <a:ln>
-            <a:headEnd type="none" w="med" len="med"/>
-            <a:tailEnd type="triangle" w="med" len="med"/>
-          </a:ln>
-        </p:spPr>
-        <p:style>
-          <a:lnRef idx="1">
-            <a:schemeClr val="accent2"/>
-          </a:lnRef>
-          <a:fillRef idx="0">
-            <a:schemeClr val="accent2"/>
-          </a:fillRef>
-          <a:effectRef idx="0">
-            <a:schemeClr val="accent2"/>
-          </a:effectRef>
-          <a:fontRef idx="minor">
-            <a:schemeClr val="tx1"/>
-          </a:fontRef>
-        </p:style>
-      </p:cxnSp>
-      <p:grpSp>
-        <p:nvGrpSpPr>
-          <p:cNvPr id="112" name="그룹 111"/>
-          <p:cNvGrpSpPr/>
-          <p:nvPr/>
-        </p:nvGrpSpPr>
-        <p:grpSpPr>
-          <a:xfrm>
-            <a:off x="4410702" y="3284984"/>
-            <a:ext cx="936104" cy="1422448"/>
-            <a:chOff x="2195736" y="2983423"/>
-            <a:chExt cx="936104" cy="1422448"/>
-          </a:xfrm>
-        </p:grpSpPr>
-        <p:sp>
-          <p:nvSpPr>
-            <p:cNvPr id="8" name="모서리가 둥근 직사각형 7"/>
-            <p:cNvSpPr/>
-            <p:nvPr/>
-          </p:nvSpPr>
-          <p:spPr>
-            <a:xfrm>
-              <a:off x="2195736" y="2983423"/>
-              <a:ext cx="936104" cy="539878"/>
-            </a:xfrm>
-            <a:prstGeom prst="roundRect">
-              <a:avLst/>
-            </a:prstGeom>
-          </p:spPr>
-          <p:style>
-            <a:lnRef idx="2">
-              <a:schemeClr val="accent1">
-                <a:shade val="50000"/>
-              </a:schemeClr>
-            </a:lnRef>
-            <a:fillRef idx="1">
-              <a:schemeClr val="accent1"/>
-            </a:fillRef>
-            <a:effectRef idx="0">
-              <a:schemeClr val="accent1"/>
-            </a:effectRef>
-            <a:fontRef idx="minor">
-              <a:schemeClr val="lt1"/>
-            </a:fontRef>
-          </p:style>
-          <p:txBody>
-            <a:bodyPr rtlCol="0" anchor="ctr"/>
-            <a:lstStyle/>
-            <a:p>
-              <a:pPr algn="ctr"/>
-              <a:r>
-                <a:rPr lang="ko-KR" altLang="en-US" smtClean="0"/>
-                <a:t>고양이</a:t>
-              </a:r>
-              <a:endParaRPr lang="ko-KR" altLang="en-US"/>
-            </a:p>
-          </p:txBody>
-        </p:sp>
-        <p:pic>
-          <p:nvPicPr>
-            <p:cNvPr id="1026" name="Picture 2" descr="C:\Users\Administrator\AppData\Local\Microsoft\Windows\Temporary Internet Files\Content.IE5\ZP9R3R42\Turkish_Van_Cat[1].jpg"/>
-            <p:cNvPicPr>
-              <a:picLocks noChangeAspect="1" noChangeArrowheads="1"/>
-            </p:cNvPicPr>
-            <p:nvPr/>
-          </p:nvPicPr>
-          <p:blipFill>
-            <a:blip r:embed="rId2" cstate="print">
-              <a:extLst>
-                <a:ext uri="{28A0092B-C50C-407E-A947-70E740481C1C}">
-                  <a14:useLocalDpi xmlns:a14="http://schemas.microsoft.com/office/drawing/2010/main" val="0"/>
-                </a:ext>
-              </a:extLst>
-            </a:blip>
-            <a:srcRect/>
-            <a:stretch>
-              <a:fillRect/>
-            </a:stretch>
-          </p:blipFill>
-          <p:spPr bwMode="auto">
-            <a:xfrm>
-              <a:off x="2207132" y="3429000"/>
-              <a:ext cx="890018" cy="976871"/>
-            </a:xfrm>
-            <a:prstGeom prst="rect">
-              <a:avLst/>
-            </a:prstGeom>
-            <a:noFill/>
-            <a:extLst>
-              <a:ext uri="{909E8E84-426E-40DD-AFC4-6F175D3DCCD1}">
-                <a14:hiddenFill xmlns:a14="http://schemas.microsoft.com/office/drawing/2010/main">
-                  <a:solidFill>
-                    <a:srgbClr val="FFFFFF"/>
-                  </a:solidFill>
-                </a14:hiddenFill>
-              </a:ext>
-            </a:extLst>
-          </p:spPr>
-        </p:pic>
-      </p:grpSp>
-      <p:grpSp>
-        <p:nvGrpSpPr>
-          <p:cNvPr id="113" name="그룹 112"/>
-          <p:cNvGrpSpPr/>
-          <p:nvPr/>
-        </p:nvGrpSpPr>
-        <p:grpSpPr>
-          <a:xfrm>
-            <a:off x="5473540" y="3284984"/>
-            <a:ext cx="936104" cy="1422448"/>
-            <a:chOff x="3258574" y="2983423"/>
-            <a:chExt cx="936104" cy="1422448"/>
-          </a:xfrm>
-        </p:grpSpPr>
-        <p:sp>
-          <p:nvSpPr>
-            <p:cNvPr id="9" name="모서리가 둥근 직사각형 8"/>
-            <p:cNvSpPr/>
-            <p:nvPr/>
-          </p:nvSpPr>
-          <p:spPr>
-            <a:xfrm>
-              <a:off x="3258574" y="2983423"/>
-              <a:ext cx="936104" cy="539878"/>
-            </a:xfrm>
-            <a:prstGeom prst="roundRect">
-              <a:avLst/>
-            </a:prstGeom>
-          </p:spPr>
-          <p:style>
-            <a:lnRef idx="2">
-              <a:schemeClr val="accent1">
-                <a:shade val="50000"/>
-              </a:schemeClr>
-            </a:lnRef>
-            <a:fillRef idx="1">
-              <a:schemeClr val="accent1"/>
-            </a:fillRef>
-            <a:effectRef idx="0">
-              <a:schemeClr val="accent1"/>
-            </a:effectRef>
-            <a:fontRef idx="minor">
-              <a:schemeClr val="lt1"/>
-            </a:fontRef>
-          </p:style>
-          <p:txBody>
-            <a:bodyPr rtlCol="0" anchor="ctr"/>
-            <a:lstStyle/>
-            <a:p>
-              <a:pPr algn="ctr"/>
-              <a:r>
-                <a:rPr lang="ko-KR" altLang="en-US" dirty="0" smtClean="0"/>
-                <a:t>강아지</a:t>
-              </a:r>
-              <a:endParaRPr lang="ko-KR" altLang="en-US" dirty="0"/>
-            </a:p>
-          </p:txBody>
-        </p:sp>
-        <p:pic>
-          <p:nvPicPr>
-            <p:cNvPr id="1027" name="Picture 3" descr="C:\Users\Administrator\AppData\Local\Microsoft\Windows\Temporary Internet Files\Content.IE5\1VC934YU\Goldendoodle_puppy_Marty[1].jpg"/>
-            <p:cNvPicPr>
-              <a:picLocks noChangeAspect="1" noChangeArrowheads="1"/>
-            </p:cNvPicPr>
-            <p:nvPr/>
-          </p:nvPicPr>
-          <p:blipFill>
-            <a:blip r:embed="rId3" cstate="print">
-              <a:extLst>
-                <a:ext uri="{28A0092B-C50C-407E-A947-70E740481C1C}">
-                  <a14:useLocalDpi xmlns:a14="http://schemas.microsoft.com/office/drawing/2010/main" val="0"/>
-                </a:ext>
-              </a:extLst>
-            </a:blip>
-            <a:srcRect/>
-            <a:stretch>
-              <a:fillRect/>
-            </a:stretch>
-          </p:blipFill>
-          <p:spPr bwMode="auto">
-            <a:xfrm>
-              <a:off x="3323570" y="3429000"/>
-              <a:ext cx="806112" cy="976871"/>
-            </a:xfrm>
-            <a:prstGeom prst="rect">
-              <a:avLst/>
-            </a:prstGeom>
-            <a:noFill/>
-            <a:extLst>
-              <a:ext uri="{909E8E84-426E-40DD-AFC4-6F175D3DCCD1}">
-                <a14:hiddenFill xmlns:a14="http://schemas.microsoft.com/office/drawing/2010/main">
-                  <a:solidFill>
-                    <a:srgbClr val="FFFFFF"/>
-                  </a:solidFill>
-                </a14:hiddenFill>
-              </a:ext>
-            </a:extLst>
-          </p:spPr>
-        </p:pic>
-      </p:grpSp>
-      <p:sp>
-        <p:nvSpPr>
-          <p:cNvPr id="2" name="Rectangle 1"/>
-          <p:cNvSpPr>
-            <a:spLocks noChangeArrowheads="1"/>
-          </p:cNvSpPr>
-          <p:nvPr/>
-        </p:nvSpPr>
-        <p:spPr bwMode="auto">
-          <a:xfrm>
-            <a:off x="5998013" y="1052736"/>
-            <a:ext cx="2915816" cy="969496"/>
-          </a:xfrm>
-          <a:prstGeom prst="rect">
-            <a:avLst/>
-          </a:prstGeom>
-          <a:ln w="3175">
-            <a:headEnd/>
-            <a:tailEnd/>
-          </a:ln>
-        </p:spPr>
-        <p:style>
-          <a:lnRef idx="2">
-            <a:schemeClr val="dk1"/>
-          </a:lnRef>
-          <a:fillRef idx="1">
-            <a:schemeClr val="lt1"/>
-          </a:fillRef>
-          <a:effectRef idx="0">
-            <a:schemeClr val="dk1"/>
-          </a:effectRef>
-          <a:fontRef idx="minor">
-            <a:schemeClr val="dk1"/>
-          </a:fontRef>
-        </p:style>
-        <p:txBody>
-          <a:bodyPr vert="horz" wrap="square" lIns="91440" tIns="45720" rIns="91440" bIns="45720" numCol="1" anchor="ctr" anchorCtr="0" compatLnSpc="1">
-            <a:prstTxWarp prst="textNoShape">
-              <a:avLst/>
-            </a:prstTxWarp>
-            <a:spAutoFit/>
-          </a:bodyPr>
-          <a:lstStyle/>
-          <a:p>
-            <a:pPr marL="0" marR="0" lvl="0" indent="0" algn="l" defTabSz="914400" rtl="0" eaLnBrk="1" fontAlgn="base" latinLnBrk="1" hangingPunct="1">
-              <a:lnSpc>
-                <a:spcPct val="100000"/>
-              </a:lnSpc>
-              <a:spcBef>
-                <a:spcPct val="0"/>
-              </a:spcBef>
-              <a:spcAft>
-                <a:spcPct val="0"/>
-              </a:spcAft>
-              <a:buClrTx/>
-              <a:buSzTx/>
-              <a:buFontTx/>
-              <a:buNone/>
-              <a:tabLst/>
-            </a:pPr>
-            <a:r>
-              <a:rPr kumimoji="1" lang="ko-KR" altLang="ko-KR" sz="1900" b="0" i="0" u="none" strike="noStrike" cap="none" normalizeH="0" baseline="0" dirty="0" smtClean="0">
-                <a:ln>
-                  <a:noFill/>
-                </a:ln>
-                <a:solidFill>
-                  <a:srgbClr val="000000"/>
-                </a:solidFill>
-                <a:effectLst/>
-                <a:latin typeface="Source Code Pro" pitchFamily="49" charset="0"/>
-                <a:ea typeface="굴림" pitchFamily="50" charset="-127"/>
-                <a:cs typeface="굴림" pitchFamily="50" charset="-127"/>
-              </a:rPr>
-              <a:t>String </a:t>
-            </a:r>
-            <a:r>
-              <a:rPr kumimoji="1" lang="ko-KR" altLang="ko-KR" sz="1900" b="1" i="0" u="none" strike="noStrike" cap="none" normalizeH="0" baseline="0" dirty="0" smtClean="0">
-                <a:ln>
-                  <a:noFill/>
-                </a:ln>
-                <a:solidFill>
-                  <a:srgbClr val="660E7A"/>
-                </a:solidFill>
-                <a:effectLst/>
-                <a:latin typeface="Source Code Pro" pitchFamily="49" charset="0"/>
-                <a:ea typeface="굴림" pitchFamily="50" charset="-127"/>
-                <a:cs typeface="굴림" pitchFamily="50" charset="-127"/>
-              </a:rPr>
-              <a:t>name</a:t>
-            </a:r>
-            <a:r>
-              <a:rPr kumimoji="1" lang="ko-KR" altLang="ko-KR" sz="1900" b="0" i="0" u="none" strike="noStrike" cap="none" normalizeH="0" baseline="0" dirty="0" smtClean="0">
-                <a:ln>
-                  <a:noFill/>
-                </a:ln>
-                <a:solidFill>
-                  <a:srgbClr val="000000"/>
-                </a:solidFill>
-                <a:effectLst/>
-                <a:latin typeface="Source Code Pro" pitchFamily="49" charset="0"/>
-                <a:ea typeface="굴림" pitchFamily="50" charset="-127"/>
-                <a:cs typeface="굴림" pitchFamily="50" charset="-127"/>
-              </a:rPr>
-              <a:t>;</a:t>
-            </a:r>
-            <a:br>
-              <a:rPr kumimoji="1" lang="ko-KR" altLang="ko-KR" sz="1900" b="0" i="0" u="none" strike="noStrike" cap="none" normalizeH="0" baseline="0" dirty="0" smtClean="0">
-                <a:ln>
-                  <a:noFill/>
-                </a:ln>
-                <a:solidFill>
-                  <a:srgbClr val="000000"/>
-                </a:solidFill>
-                <a:effectLst/>
-                <a:latin typeface="Source Code Pro" pitchFamily="49" charset="0"/>
-                <a:ea typeface="굴림" pitchFamily="50" charset="-127"/>
-                <a:cs typeface="굴림" pitchFamily="50" charset="-127"/>
-              </a:rPr>
-            </a:br>
-            <a:r>
-              <a:rPr kumimoji="1" lang="ko-KR" altLang="ko-KR" sz="1900" b="1" i="0" u="none" strike="noStrike" cap="none" normalizeH="0" baseline="0" dirty="0" smtClean="0">
-                <a:ln>
-                  <a:noFill/>
-                </a:ln>
-                <a:solidFill>
-                  <a:srgbClr val="000080"/>
-                </a:solidFill>
-                <a:effectLst/>
-                <a:latin typeface="Source Code Pro" pitchFamily="49" charset="0"/>
-                <a:ea typeface="굴림" pitchFamily="50" charset="-127"/>
-                <a:cs typeface="굴림" pitchFamily="50" charset="-127"/>
-              </a:rPr>
-              <a:t>int </a:t>
-            </a:r>
-            <a:r>
-              <a:rPr kumimoji="1" lang="ko-KR" altLang="ko-KR" sz="1900" b="1" i="0" u="none" strike="noStrike" cap="none" normalizeH="0" baseline="0" dirty="0" smtClean="0">
-                <a:ln>
-                  <a:noFill/>
-                </a:ln>
-                <a:solidFill>
-                  <a:srgbClr val="660E7A"/>
-                </a:solidFill>
-                <a:effectLst/>
-                <a:latin typeface="Source Code Pro" pitchFamily="49" charset="0"/>
-                <a:ea typeface="굴림" pitchFamily="50" charset="-127"/>
-                <a:cs typeface="굴림" pitchFamily="50" charset="-127"/>
-              </a:rPr>
-              <a:t>age</a:t>
-            </a:r>
-            <a:r>
-              <a:rPr kumimoji="1" lang="ko-KR" altLang="ko-KR" sz="1900" b="0" i="0" u="none" strike="noStrike" cap="none" normalizeH="0" baseline="0" dirty="0" smtClean="0">
-                <a:ln>
-                  <a:noFill/>
-                </a:ln>
-                <a:solidFill>
-                  <a:srgbClr val="000000"/>
-                </a:solidFill>
-                <a:effectLst/>
-                <a:latin typeface="Source Code Pro" pitchFamily="49" charset="0"/>
-                <a:ea typeface="굴림" pitchFamily="50" charset="-127"/>
-                <a:cs typeface="굴림" pitchFamily="50" charset="-127"/>
-              </a:rPr>
-              <a:t>;</a:t>
-            </a:r>
-            <a:br>
-              <a:rPr kumimoji="1" lang="ko-KR" altLang="ko-KR" sz="1900" b="0" i="0" u="none" strike="noStrike" cap="none" normalizeH="0" baseline="0" dirty="0" smtClean="0">
-                <a:ln>
-                  <a:noFill/>
-                </a:ln>
-                <a:solidFill>
-                  <a:srgbClr val="000000"/>
-                </a:solidFill>
-                <a:effectLst/>
-                <a:latin typeface="Source Code Pro" pitchFamily="49" charset="0"/>
-                <a:ea typeface="굴림" pitchFamily="50" charset="-127"/>
-                <a:cs typeface="굴림" pitchFamily="50" charset="-127"/>
-              </a:rPr>
-            </a:br>
-            <a:r>
-              <a:rPr kumimoji="1" lang="ko-KR" altLang="ko-KR" sz="1900" b="1" i="0" u="none" strike="noStrike" cap="none" normalizeH="0" baseline="0" dirty="0" smtClean="0">
-                <a:ln>
-                  <a:noFill/>
-                </a:ln>
-                <a:solidFill>
-                  <a:srgbClr val="000080"/>
-                </a:solidFill>
-                <a:effectLst/>
-                <a:latin typeface="Source Code Pro" pitchFamily="49" charset="0"/>
-                <a:ea typeface="굴림" pitchFamily="50" charset="-127"/>
-                <a:cs typeface="굴림" pitchFamily="50" charset="-127"/>
-              </a:rPr>
-              <a:t>int </a:t>
-            </a:r>
-            <a:r>
-              <a:rPr kumimoji="1" lang="ko-KR" altLang="ko-KR" sz="1900" b="1" i="0" u="none" strike="noStrike" cap="none" normalizeH="0" baseline="0" dirty="0" smtClean="0">
-                <a:ln>
-                  <a:noFill/>
-                </a:ln>
-                <a:solidFill>
-                  <a:srgbClr val="660E7A"/>
-                </a:solidFill>
-                <a:effectLst/>
-                <a:latin typeface="Source Code Pro" pitchFamily="49" charset="0"/>
-                <a:ea typeface="굴림" pitchFamily="50" charset="-127"/>
-                <a:cs typeface="굴림" pitchFamily="50" charset="-127"/>
-              </a:rPr>
-              <a:t>weight</a:t>
-            </a:r>
-            <a:r>
-              <a:rPr kumimoji="1" lang="ko-KR" altLang="ko-KR" sz="1900" b="0" i="0" u="none" strike="noStrike" cap="none" normalizeH="0" baseline="0" dirty="0" smtClean="0">
-                <a:ln>
-                  <a:noFill/>
-                </a:ln>
-                <a:solidFill>
-                  <a:srgbClr val="000000"/>
-                </a:solidFill>
-                <a:effectLst/>
-                <a:latin typeface="Source Code Pro" pitchFamily="49" charset="0"/>
-                <a:ea typeface="굴림" pitchFamily="50" charset="-127"/>
-                <a:cs typeface="굴림" pitchFamily="50" charset="-127"/>
-              </a:rPr>
-              <a:t>;</a:t>
-            </a:r>
-            <a:endParaRPr kumimoji="1" lang="ko-KR" altLang="ko-KR" sz="1800" b="0" i="0" u="none" strike="noStrike" cap="none" normalizeH="0" baseline="0" dirty="0" smtClean="0">
-              <a:ln>
-                <a:noFill/>
-              </a:ln>
-              <a:solidFill>
-                <a:schemeClr val="tx1"/>
-              </a:solidFill>
-              <a:effectLst/>
-              <a:latin typeface="굴림" pitchFamily="50" charset="-127"/>
-              <a:ea typeface="굴림" pitchFamily="50" charset="-127"/>
-              <a:cs typeface="굴림" pitchFamily="50" charset="-127"/>
-            </a:endParaRPr>
-          </a:p>
-        </p:txBody>
-      </p:sp>
-      <p:sp>
-        <p:nvSpPr>
-          <p:cNvPr id="16" name="Rectangle 2"/>
-          <p:cNvSpPr>
-            <a:spLocks noChangeArrowheads="1"/>
-          </p:cNvSpPr>
-          <p:nvPr/>
-        </p:nvSpPr>
-        <p:spPr bwMode="auto">
-          <a:xfrm>
-            <a:off x="5998013" y="2022232"/>
-            <a:ext cx="2915816" cy="677108"/>
-          </a:xfrm>
-          <a:prstGeom prst="rect">
-            <a:avLst/>
-          </a:prstGeom>
-          <a:ln w="3175">
-            <a:headEnd/>
-            <a:tailEnd/>
-          </a:ln>
-        </p:spPr>
-        <p:style>
-          <a:lnRef idx="2">
-            <a:schemeClr val="dk1"/>
-          </a:lnRef>
-          <a:fillRef idx="1">
-            <a:schemeClr val="lt1"/>
-          </a:fillRef>
-          <a:effectRef idx="0">
-            <a:schemeClr val="dk1"/>
-          </a:effectRef>
-          <a:fontRef idx="minor">
-            <a:schemeClr val="dk1"/>
-          </a:fontRef>
-        </p:style>
-        <p:txBody>
-          <a:bodyPr vert="horz" wrap="square" lIns="91440" tIns="45720" rIns="91440" bIns="45720" numCol="1" anchor="ctr" anchorCtr="0" compatLnSpc="1">
-            <a:prstTxWarp prst="textNoShape">
-              <a:avLst/>
-            </a:prstTxWarp>
-            <a:spAutoFit/>
-          </a:bodyPr>
-          <a:lstStyle/>
-          <a:p>
-            <a:pPr marL="0" marR="0" lvl="0" indent="0" algn="l" defTabSz="914400" rtl="0" eaLnBrk="1" fontAlgn="base" latinLnBrk="1" hangingPunct="1">
-              <a:lnSpc>
-                <a:spcPct val="100000"/>
-              </a:lnSpc>
-              <a:spcBef>
-                <a:spcPct val="0"/>
-              </a:spcBef>
-              <a:spcAft>
-                <a:spcPct val="0"/>
-              </a:spcAft>
-              <a:buClrTx/>
-              <a:buSzTx/>
-              <a:buFontTx/>
-              <a:buNone/>
-              <a:tabLst/>
-            </a:pPr>
-            <a:r>
-              <a:rPr kumimoji="1" lang="ko-KR" altLang="ko-KR" sz="1900" b="0" i="0" u="none" strike="noStrike" cap="none" normalizeH="0" baseline="0" dirty="0" smtClean="0">
-                <a:ln>
-                  <a:noFill/>
-                </a:ln>
-                <a:solidFill>
-                  <a:srgbClr val="000000"/>
-                </a:solidFill>
-                <a:effectLst/>
-                <a:latin typeface="Source Code Pro" pitchFamily="49" charset="0"/>
-                <a:ea typeface="굴림" pitchFamily="50" charset="-127"/>
-                <a:cs typeface="굴림" pitchFamily="50" charset="-127"/>
-              </a:rPr>
-              <a:t>shakeTail</a:t>
-            </a:r>
-            <a:r>
-              <a:rPr kumimoji="1" lang="en-US" altLang="ko-KR" sz="1900" b="0" i="0" u="none" strike="noStrike" cap="none" normalizeH="0" baseline="0" dirty="0" smtClean="0">
-                <a:ln>
-                  <a:noFill/>
-                </a:ln>
-                <a:solidFill>
-                  <a:srgbClr val="000000"/>
-                </a:solidFill>
-                <a:effectLst/>
-                <a:latin typeface="Source Code Pro" pitchFamily="49" charset="0"/>
-                <a:ea typeface="굴림" pitchFamily="50" charset="-127"/>
-                <a:cs typeface="굴림" pitchFamily="50" charset="-127"/>
-              </a:rPr>
-              <a:t>()</a:t>
-            </a:r>
-          </a:p>
-          <a:p>
-            <a:pPr marL="0" marR="0" lvl="0" indent="0" algn="l" defTabSz="914400" rtl="0" eaLnBrk="1" fontAlgn="base" latinLnBrk="1" hangingPunct="1">
-              <a:lnSpc>
-                <a:spcPct val="100000"/>
-              </a:lnSpc>
-              <a:spcBef>
-                <a:spcPct val="0"/>
-              </a:spcBef>
-              <a:spcAft>
-                <a:spcPct val="0"/>
-              </a:spcAft>
-              <a:buClrTx/>
-              <a:buSzTx/>
-              <a:buFontTx/>
-              <a:buNone/>
-              <a:tabLst/>
-            </a:pPr>
-            <a:r>
-              <a:rPr kumimoji="1" lang="ko-KR" altLang="ko-KR" sz="1900" b="0" i="0" u="none" strike="noStrike" cap="none" normalizeH="0" baseline="0" dirty="0" smtClean="0">
-                <a:ln>
-                  <a:noFill/>
-                </a:ln>
-                <a:solidFill>
-                  <a:srgbClr val="000000"/>
-                </a:solidFill>
-                <a:effectLst/>
-                <a:latin typeface="Source Code Pro" pitchFamily="49" charset="0"/>
-                <a:ea typeface="굴림" pitchFamily="50" charset="-127"/>
-                <a:cs typeface="굴림" pitchFamily="50" charset="-127"/>
-              </a:rPr>
-              <a:t>printInfo()</a:t>
-            </a:r>
-            <a:endParaRPr kumimoji="1" lang="ko-KR" altLang="ko-KR" sz="1800" b="0" i="0" u="none" strike="noStrike" cap="none" normalizeH="0" baseline="0" dirty="0" smtClean="0">
-              <a:ln>
-                <a:noFill/>
-              </a:ln>
-              <a:solidFill>
-                <a:schemeClr val="tx1"/>
-              </a:solidFill>
-              <a:effectLst/>
-              <a:latin typeface="굴림" pitchFamily="50" charset="-127"/>
-              <a:ea typeface="굴림" pitchFamily="50" charset="-127"/>
-              <a:cs typeface="굴림" pitchFamily="50" charset="-127"/>
-            </a:endParaRPr>
-          </a:p>
-        </p:txBody>
-      </p:sp>
-      <p:sp>
-        <p:nvSpPr>
-          <p:cNvPr id="35" name="Rectangle 2"/>
-          <p:cNvSpPr>
-            <a:spLocks noChangeArrowheads="1"/>
-          </p:cNvSpPr>
-          <p:nvPr/>
-        </p:nvSpPr>
-        <p:spPr bwMode="auto">
-          <a:xfrm>
-            <a:off x="3944962" y="4836247"/>
-            <a:ext cx="2915816" cy="646331"/>
-          </a:xfrm>
-          <a:prstGeom prst="rect">
-            <a:avLst/>
-          </a:prstGeom>
-          <a:ln w="3175">
-            <a:headEnd/>
-            <a:tailEnd/>
-          </a:ln>
-        </p:spPr>
-        <p:style>
-          <a:lnRef idx="2">
-            <a:schemeClr val="dk1"/>
-          </a:lnRef>
-          <a:fillRef idx="1">
-            <a:schemeClr val="lt1"/>
-          </a:fillRef>
-          <a:effectRef idx="0">
-            <a:schemeClr val="dk1"/>
-          </a:effectRef>
-          <a:fontRef idx="minor">
-            <a:schemeClr val="dk1"/>
-          </a:fontRef>
-        </p:style>
-        <p:txBody>
-          <a:bodyPr vert="horz" wrap="square" lIns="91440" tIns="45720" rIns="91440" bIns="45720" numCol="1" anchor="ctr" anchorCtr="0" compatLnSpc="1">
-            <a:prstTxWarp prst="textNoShape">
-              <a:avLst/>
-            </a:prstTxWarp>
-            <a:spAutoFit/>
-          </a:bodyPr>
-          <a:lstStyle/>
-          <a:p>
-            <a:pPr marL="0" marR="0" lvl="0" indent="0" algn="l" defTabSz="914400" rtl="0" eaLnBrk="1" fontAlgn="base" latinLnBrk="1" hangingPunct="1">
-              <a:lnSpc>
-                <a:spcPct val="100000"/>
-              </a:lnSpc>
-              <a:spcBef>
-                <a:spcPct val="0"/>
-              </a:spcBef>
-              <a:spcAft>
-                <a:spcPct val="0"/>
-              </a:spcAft>
-              <a:buClrTx/>
-              <a:buSzTx/>
-              <a:buFontTx/>
-              <a:buNone/>
-              <a:tabLst/>
-            </a:pPr>
-            <a:r>
-              <a:rPr kumimoji="1" lang="en-US" altLang="ko-KR" sz="1800" b="0" i="0" u="none" strike="noStrike" cap="none" normalizeH="0" baseline="0" dirty="0" smtClean="0">
-                <a:ln>
-                  <a:noFill/>
-                </a:ln>
-                <a:solidFill>
-                  <a:schemeClr val="tx1"/>
-                </a:solidFill>
-                <a:effectLst/>
-                <a:latin typeface="굴림" pitchFamily="50" charset="-127"/>
-                <a:ea typeface="굴림" pitchFamily="50" charset="-127"/>
-                <a:cs typeface="굴림" pitchFamily="50" charset="-127"/>
-              </a:rPr>
-              <a:t>bark()</a:t>
-            </a:r>
-          </a:p>
-          <a:p>
-            <a:pPr marL="0" marR="0" lvl="0" indent="0" algn="l" defTabSz="914400" rtl="0" eaLnBrk="1" fontAlgn="base" latinLnBrk="1" hangingPunct="1">
-              <a:lnSpc>
-                <a:spcPct val="100000"/>
-              </a:lnSpc>
-              <a:spcBef>
-                <a:spcPct val="0"/>
-              </a:spcBef>
-              <a:spcAft>
-                <a:spcPct val="0"/>
-              </a:spcAft>
-              <a:buClrTx/>
-              <a:buSzTx/>
-              <a:buFontTx/>
-              <a:buNone/>
-              <a:tabLst/>
-            </a:pPr>
-            <a:r>
-              <a:rPr kumimoji="1" lang="en-US" altLang="ko-KR" dirty="0" smtClean="0">
-                <a:solidFill>
-                  <a:schemeClr val="tx1"/>
-                </a:solidFill>
-                <a:latin typeface="굴림" pitchFamily="50" charset="-127"/>
-                <a:ea typeface="굴림" pitchFamily="50" charset="-127"/>
-                <a:cs typeface="굴림" pitchFamily="50" charset="-127"/>
-              </a:rPr>
-              <a:t>eat()</a:t>
-            </a:r>
-            <a:endParaRPr kumimoji="1" lang="en-US" altLang="ko-KR" sz="1800" b="0" i="0" u="none" strike="noStrike" cap="none" normalizeH="0" baseline="0" dirty="0" smtClean="0">
-              <a:ln>
-                <a:noFill/>
-              </a:ln>
-              <a:solidFill>
-                <a:schemeClr val="tx1"/>
-              </a:solidFill>
-              <a:effectLst/>
-              <a:latin typeface="굴림" pitchFamily="50" charset="-127"/>
-              <a:ea typeface="굴림" pitchFamily="50" charset="-127"/>
-              <a:cs typeface="굴림" pitchFamily="50" charset="-127"/>
-            </a:endParaRPr>
-          </a:p>
-        </p:txBody>
-      </p:sp>
-      <p:sp>
-        <p:nvSpPr>
-          <p:cNvPr id="41" name="직사각형 40"/>
-          <p:cNvSpPr/>
-          <p:nvPr/>
-        </p:nvSpPr>
-        <p:spPr>
-          <a:xfrm>
-            <a:off x="38658" y="214290"/>
-            <a:ext cx="3906304" cy="6429396"/>
-          </a:xfrm>
-          <a:prstGeom prst="rect">
-            <a:avLst/>
-          </a:prstGeom>
-          <a:noFill/>
-        </p:spPr>
-        <p:style>
-          <a:lnRef idx="2">
-            <a:schemeClr val="dk1"/>
-          </a:lnRef>
-          <a:fillRef idx="1">
-            <a:schemeClr val="lt1"/>
-          </a:fillRef>
-          <a:effectRef idx="0">
-            <a:schemeClr val="dk1"/>
-          </a:effectRef>
-          <a:fontRef idx="minor">
-            <a:schemeClr val="dk1"/>
-          </a:fontRef>
-        </p:style>
-        <p:txBody>
-          <a:bodyPr rtlCol="0" anchor="ctr"/>
-          <a:lstStyle/>
-          <a:p>
-            <a:pPr algn="ctr"/>
-            <a:endParaRPr lang="ko-KR" altLang="en-US"/>
-          </a:p>
-        </p:txBody>
-      </p:sp>
-      <p:cxnSp>
-        <p:nvCxnSpPr>
-          <p:cNvPr id="43" name="직선 연결선 42"/>
-          <p:cNvCxnSpPr/>
-          <p:nvPr/>
-        </p:nvCxnSpPr>
-        <p:spPr>
-          <a:xfrm>
-            <a:off x="90160" y="1038168"/>
-            <a:ext cx="3854802" cy="1588"/>
-          </a:xfrm>
-          <a:prstGeom prst="line">
-            <a:avLst/>
-          </a:prstGeom>
-        </p:spPr>
-        <p:style>
-          <a:lnRef idx="1">
-            <a:schemeClr val="accent1"/>
-          </a:lnRef>
-          <a:fillRef idx="0">
-            <a:schemeClr val="accent1"/>
-          </a:fillRef>
-          <a:effectRef idx="0">
-            <a:schemeClr val="accent1"/>
-          </a:effectRef>
-          <a:fontRef idx="minor">
-            <a:schemeClr val="tx1"/>
-          </a:fontRef>
-        </p:style>
-      </p:cxnSp>
-      <p:cxnSp>
-        <p:nvCxnSpPr>
-          <p:cNvPr id="45" name="직선 연결선 44"/>
-          <p:cNvCxnSpPr/>
-          <p:nvPr/>
-        </p:nvCxnSpPr>
-        <p:spPr>
-          <a:xfrm>
-            <a:off x="38658" y="4286256"/>
-            <a:ext cx="3906304" cy="1588"/>
-          </a:xfrm>
-          <a:prstGeom prst="line">
-            <a:avLst/>
-          </a:prstGeom>
-        </p:spPr>
-        <p:style>
-          <a:lnRef idx="1">
-            <a:schemeClr val="accent1"/>
-          </a:lnRef>
-          <a:fillRef idx="0">
-            <a:schemeClr val="accent1"/>
-          </a:fillRef>
-          <a:effectRef idx="0">
-            <a:schemeClr val="accent1"/>
-          </a:effectRef>
-          <a:fontRef idx="minor">
-            <a:schemeClr val="tx1"/>
-          </a:fontRef>
-        </p:style>
-      </p:cxnSp>
-      <p:sp>
-        <p:nvSpPr>
-          <p:cNvPr id="46" name="TextBox 45"/>
-          <p:cNvSpPr txBox="1"/>
-          <p:nvPr/>
-        </p:nvSpPr>
-        <p:spPr>
-          <a:xfrm>
-            <a:off x="151338" y="285728"/>
-            <a:ext cx="729687" cy="369332"/>
-          </a:xfrm>
-          <a:prstGeom prst="rect">
-            <a:avLst/>
-          </a:prstGeom>
-          <a:noFill/>
-        </p:spPr>
-        <p:txBody>
-          <a:bodyPr wrap="none" rtlCol="0">
-            <a:spAutoFit/>
-          </a:bodyPr>
-          <a:lstStyle/>
-          <a:p>
-            <a:r>
-              <a:rPr lang="en-US" altLang="ko-KR" dirty="0" smtClean="0"/>
-              <a:t>static</a:t>
-            </a:r>
-            <a:endParaRPr lang="ko-KR" altLang="en-US" dirty="0"/>
-          </a:p>
-        </p:txBody>
-      </p:sp>
-      <p:sp>
-        <p:nvSpPr>
-          <p:cNvPr id="47" name="TextBox 46"/>
-          <p:cNvSpPr txBox="1"/>
-          <p:nvPr/>
-        </p:nvSpPr>
-        <p:spPr>
-          <a:xfrm>
-            <a:off x="151338" y="1057847"/>
-            <a:ext cx="710451" cy="369332"/>
-          </a:xfrm>
-          <a:prstGeom prst="rect">
-            <a:avLst/>
-          </a:prstGeom>
-          <a:noFill/>
-        </p:spPr>
-        <p:txBody>
-          <a:bodyPr wrap="none" rtlCol="0">
-            <a:spAutoFit/>
-          </a:bodyPr>
-          <a:lstStyle/>
-          <a:p>
-            <a:r>
-              <a:rPr lang="en-US" altLang="ko-KR" dirty="0" smtClean="0"/>
-              <a:t>stack</a:t>
-            </a:r>
-            <a:endParaRPr lang="ko-KR" altLang="en-US" dirty="0"/>
-          </a:p>
-        </p:txBody>
-      </p:sp>
-      <p:sp>
-        <p:nvSpPr>
-          <p:cNvPr id="48" name="TextBox 47"/>
-          <p:cNvSpPr txBox="1"/>
-          <p:nvPr/>
-        </p:nvSpPr>
-        <p:spPr>
-          <a:xfrm>
-            <a:off x="151338" y="4357694"/>
-            <a:ext cx="699230" cy="369332"/>
-          </a:xfrm>
-          <a:prstGeom prst="rect">
-            <a:avLst/>
-          </a:prstGeom>
-          <a:noFill/>
-        </p:spPr>
-        <p:txBody>
-          <a:bodyPr wrap="none" rtlCol="0">
-            <a:spAutoFit/>
-          </a:bodyPr>
-          <a:lstStyle/>
-          <a:p>
-            <a:r>
-              <a:rPr lang="en-US" altLang="ko-KR" dirty="0" smtClean="0"/>
-              <a:t>heap</a:t>
-            </a:r>
-            <a:endParaRPr lang="ko-KR" altLang="en-US" dirty="0"/>
-          </a:p>
-        </p:txBody>
-      </p:sp>
-      <p:sp>
-        <p:nvSpPr>
-          <p:cNvPr id="54" name="직사각형 53"/>
-          <p:cNvSpPr/>
-          <p:nvPr/>
-        </p:nvSpPr>
-        <p:spPr>
-          <a:xfrm>
-            <a:off x="234176" y="4797152"/>
-            <a:ext cx="1366929" cy="1368152"/>
-          </a:xfrm>
-          <a:prstGeom prst="rect">
-            <a:avLst/>
-          </a:prstGeom>
-        </p:spPr>
-        <p:style>
-          <a:lnRef idx="2">
-            <a:schemeClr val="accent6">
-              <a:shade val="50000"/>
-            </a:schemeClr>
-          </a:lnRef>
-          <a:fillRef idx="1">
-            <a:schemeClr val="accent6"/>
-          </a:fillRef>
-          <a:effectRef idx="0">
-            <a:schemeClr val="accent6"/>
-          </a:effectRef>
-          <a:fontRef idx="minor">
-            <a:schemeClr val="lt1"/>
-          </a:fontRef>
-        </p:style>
-        <p:txBody>
-          <a:bodyPr rtlCol="0" anchor="ctr"/>
-          <a:lstStyle/>
-          <a:p>
-            <a:pPr algn="ctr"/>
-            <a:r>
-              <a:rPr lang="en-US" altLang="ko-KR" dirty="0" smtClean="0"/>
-              <a:t>new </a:t>
-            </a:r>
-            <a:r>
-              <a:rPr lang="en-US" altLang="ko-KR" dirty="0" smtClean="0"/>
-              <a:t>Cat</a:t>
-            </a:r>
-          </a:p>
-          <a:p>
-            <a:pPr algn="ctr"/>
-            <a:r>
-              <a:rPr lang="en-US" altLang="ko-KR" dirty="0" smtClean="0"/>
-              <a:t>bark()</a:t>
-            </a:r>
-          </a:p>
-          <a:p>
-            <a:pPr algn="ctr"/>
-            <a:r>
-              <a:rPr lang="en-US" altLang="ko-KR" dirty="0" smtClean="0"/>
-              <a:t>eat()</a:t>
-            </a:r>
-          </a:p>
-          <a:p>
-            <a:pPr algn="ctr"/>
-            <a:r>
-              <a:rPr lang="en-US" altLang="ko-KR" dirty="0"/>
-              <a:t>+</a:t>
-            </a:r>
-          </a:p>
-          <a:p>
-            <a:pPr algn="ctr"/>
-            <a:r>
-              <a:rPr lang="en-US" altLang="ko-KR" dirty="0" smtClean="0"/>
-              <a:t>Animal</a:t>
-            </a:r>
-            <a:endParaRPr lang="en-US" altLang="ko-KR" dirty="0" smtClean="0"/>
-          </a:p>
-        </p:txBody>
-      </p:sp>
-      <p:cxnSp>
-        <p:nvCxnSpPr>
-          <p:cNvPr id="56" name="직선 화살표 연결선 55"/>
-          <p:cNvCxnSpPr>
-            <a:stCxn id="25" idx="2"/>
-            <a:endCxn id="54" idx="0"/>
-          </p:cNvCxnSpPr>
-          <p:nvPr/>
-        </p:nvCxnSpPr>
-        <p:spPr>
-          <a:xfrm>
-            <a:off x="639123" y="3284984"/>
-            <a:ext cx="278518" cy="1512168"/>
-          </a:xfrm>
-          <a:prstGeom prst="straightConnector1">
-            <a:avLst/>
-          </a:prstGeom>
-          <a:ln>
-            <a:headEnd type="none" w="med" len="med"/>
-            <a:tailEnd type="triangle" w="med" len="med"/>
-          </a:ln>
-        </p:spPr>
-        <p:style>
-          <a:lnRef idx="1">
-            <a:schemeClr val="accent2"/>
-          </a:lnRef>
-          <a:fillRef idx="0">
-            <a:schemeClr val="accent2"/>
-          </a:fillRef>
-          <a:effectRef idx="0">
-            <a:schemeClr val="accent2"/>
-          </a:effectRef>
-          <a:fontRef idx="minor">
-            <a:schemeClr val="tx1"/>
-          </a:fontRef>
-        </p:style>
-      </p:cxnSp>
-      <p:sp>
-        <p:nvSpPr>
-          <p:cNvPr id="25" name="직사각형 24"/>
-          <p:cNvSpPr/>
-          <p:nvPr/>
-        </p:nvSpPr>
-        <p:spPr>
-          <a:xfrm>
-            <a:off x="234176" y="2915364"/>
-            <a:ext cx="809893" cy="369620"/>
-          </a:xfrm>
-          <a:prstGeom prst="rect">
-            <a:avLst/>
-          </a:prstGeom>
-        </p:spPr>
-        <p:style>
-          <a:lnRef idx="2">
-            <a:schemeClr val="accent6">
-              <a:shade val="50000"/>
-            </a:schemeClr>
-          </a:lnRef>
-          <a:fillRef idx="1">
-            <a:schemeClr val="accent6"/>
-          </a:fillRef>
-          <a:effectRef idx="0">
-            <a:schemeClr val="accent6"/>
-          </a:effectRef>
-          <a:fontRef idx="minor">
-            <a:schemeClr val="lt1"/>
-          </a:fontRef>
-        </p:style>
-        <p:txBody>
-          <a:bodyPr rtlCol="0" anchor="ctr"/>
-          <a:lstStyle/>
-          <a:p>
-            <a:pPr algn="ctr"/>
-            <a:r>
-              <a:rPr lang="en-US" altLang="ko-KR" dirty="0" smtClean="0"/>
-              <a:t>cat</a:t>
-            </a:r>
-            <a:endParaRPr lang="ko-KR" altLang="en-US" dirty="0"/>
-          </a:p>
-        </p:txBody>
-      </p:sp>
-      <p:sp>
-        <p:nvSpPr>
-          <p:cNvPr id="82" name="직사각형 81"/>
-          <p:cNvSpPr/>
-          <p:nvPr/>
-        </p:nvSpPr>
-        <p:spPr>
-          <a:xfrm>
-            <a:off x="1331640" y="2894749"/>
-            <a:ext cx="955142" cy="369620"/>
-          </a:xfrm>
-          <a:prstGeom prst="rect">
-            <a:avLst/>
-          </a:prstGeom>
-        </p:spPr>
-        <p:style>
-          <a:lnRef idx="2">
-            <a:schemeClr val="accent6">
-              <a:shade val="50000"/>
-            </a:schemeClr>
-          </a:lnRef>
-          <a:fillRef idx="1">
-            <a:schemeClr val="accent6"/>
-          </a:fillRef>
-          <a:effectRef idx="0">
-            <a:schemeClr val="accent6"/>
-          </a:effectRef>
-          <a:fontRef idx="minor">
-            <a:schemeClr val="lt1"/>
-          </a:fontRef>
-        </p:style>
-        <p:txBody>
-          <a:bodyPr rtlCol="0" anchor="ctr"/>
-          <a:lstStyle/>
-          <a:p>
-            <a:pPr algn="ctr"/>
-            <a:r>
-              <a:rPr lang="en-US" altLang="ko-KR" dirty="0" smtClean="0"/>
-              <a:t>animal</a:t>
-            </a:r>
-            <a:endParaRPr lang="ko-KR" altLang="en-US" dirty="0"/>
-          </a:p>
-        </p:txBody>
-      </p:sp>
-      <p:cxnSp>
-        <p:nvCxnSpPr>
-          <p:cNvPr id="26" name="직선 화살표 연결선 25"/>
-          <p:cNvCxnSpPr>
-            <a:stCxn id="82" idx="2"/>
-            <a:endCxn id="28" idx="0"/>
-          </p:cNvCxnSpPr>
-          <p:nvPr/>
-        </p:nvCxnSpPr>
-        <p:spPr>
-          <a:xfrm>
-            <a:off x="1809211" y="3264369"/>
-            <a:ext cx="891815" cy="1532783"/>
-          </a:xfrm>
-          <a:prstGeom prst="straightConnector1">
-            <a:avLst/>
-          </a:prstGeom>
-          <a:ln>
-            <a:headEnd type="none" w="med" len="med"/>
-            <a:tailEnd type="triangle" w="med" len="med"/>
-          </a:ln>
-        </p:spPr>
-        <p:style>
-          <a:lnRef idx="1">
-            <a:schemeClr val="accent2"/>
-          </a:lnRef>
-          <a:fillRef idx="0">
-            <a:schemeClr val="accent2"/>
-          </a:fillRef>
-          <a:effectRef idx="0">
-            <a:schemeClr val="accent2"/>
-          </a:effectRef>
-          <a:fontRef idx="minor">
-            <a:schemeClr val="tx1"/>
-          </a:fontRef>
-        </p:style>
-      </p:cxnSp>
-      <p:sp>
-        <p:nvSpPr>
-          <p:cNvPr id="28" name="직사각형 27"/>
-          <p:cNvSpPr/>
-          <p:nvPr/>
-        </p:nvSpPr>
-        <p:spPr>
-          <a:xfrm>
-            <a:off x="2017561" y="4797152"/>
-            <a:ext cx="1366929" cy="1368152"/>
-          </a:xfrm>
-          <a:prstGeom prst="rect">
-            <a:avLst/>
-          </a:prstGeom>
-        </p:spPr>
-        <p:style>
-          <a:lnRef idx="2">
-            <a:schemeClr val="accent6">
-              <a:shade val="50000"/>
-            </a:schemeClr>
-          </a:lnRef>
-          <a:fillRef idx="1">
-            <a:schemeClr val="accent6"/>
-          </a:fillRef>
-          <a:effectRef idx="0">
-            <a:schemeClr val="accent6"/>
-          </a:effectRef>
-          <a:fontRef idx="minor">
-            <a:schemeClr val="lt1"/>
-          </a:fontRef>
-        </p:style>
-        <p:txBody>
-          <a:bodyPr rtlCol="0" anchor="ctr"/>
-          <a:lstStyle/>
-          <a:p>
-            <a:pPr algn="ctr"/>
-            <a:r>
-              <a:rPr lang="en-US" altLang="ko-KR" dirty="0" smtClean="0"/>
-              <a:t>new </a:t>
-            </a:r>
-            <a:r>
-              <a:rPr lang="en-US" altLang="ko-KR" dirty="0" smtClean="0"/>
-              <a:t>Dog</a:t>
-            </a:r>
-          </a:p>
-          <a:p>
-            <a:pPr algn="ctr"/>
-            <a:r>
-              <a:rPr lang="en-US" altLang="ko-KR" dirty="0" smtClean="0"/>
-              <a:t>bark()</a:t>
-            </a:r>
-          </a:p>
-          <a:p>
-            <a:pPr algn="ctr"/>
-            <a:r>
-              <a:rPr lang="en-US" altLang="ko-KR" dirty="0" smtClean="0"/>
-              <a:t>eat()</a:t>
-            </a:r>
-          </a:p>
-          <a:p>
-            <a:pPr algn="ctr"/>
-            <a:r>
-              <a:rPr lang="en-US" altLang="ko-KR" dirty="0"/>
-              <a:t>+</a:t>
-            </a:r>
-          </a:p>
-          <a:p>
-            <a:pPr algn="ctr"/>
-            <a:r>
-              <a:rPr lang="en-US" altLang="ko-KR" dirty="0" smtClean="0"/>
-              <a:t>Animal</a:t>
-            </a:r>
-            <a:endParaRPr lang="en-US" altLang="ko-KR" dirty="0" smtClean="0"/>
           </a:p>
         </p:txBody>
       </p:sp>
@@ -12118,11 +12124,7 @@
             <a:pPr algn="ctr"/>
             <a:r>
               <a:rPr lang="en-US" altLang="ko-KR" dirty="0" smtClean="0"/>
-              <a:t>new </a:t>
-            </a:r>
-            <a:r>
-              <a:rPr lang="en-US" altLang="ko-KR" dirty="0" smtClean="0"/>
-              <a:t>Cat</a:t>
+              <a:t>new Cat</a:t>
             </a:r>
           </a:p>
           <a:p>
@@ -12152,7 +12154,6 @@
               <a:rPr lang="en-US" altLang="ko-KR" dirty="0" smtClean="0"/>
               <a:t>Animal</a:t>
             </a:r>
-            <a:endParaRPr lang="en-US" altLang="ko-KR" dirty="0" smtClean="0"/>
           </a:p>
         </p:txBody>
       </p:sp>
@@ -12194,11 +12195,7 @@
             <a:pPr algn="ctr"/>
             <a:r>
               <a:rPr lang="en-US" altLang="ko-KR" dirty="0" smtClean="0"/>
-              <a:t>new </a:t>
-            </a:r>
-            <a:r>
-              <a:rPr lang="en-US" altLang="ko-KR" dirty="0" smtClean="0"/>
-              <a:t>Dog</a:t>
+              <a:t>new Dog</a:t>
             </a:r>
           </a:p>
           <a:p>
@@ -12228,7 +12225,6 @@
               <a:rPr lang="en-US" altLang="ko-KR" dirty="0" smtClean="0"/>
               <a:t>Animal</a:t>
             </a:r>
-            <a:endParaRPr lang="en-US" altLang="ko-KR" dirty="0" smtClean="0"/>
           </a:p>
         </p:txBody>
       </p:sp>
@@ -12360,8 +12356,8 @@
         </p:nvSpPr>
         <p:spPr bwMode="auto">
           <a:xfrm>
-            <a:off x="4932040" y="1653480"/>
-            <a:ext cx="3248005" cy="969496"/>
+            <a:off x="4932040" y="1214899"/>
+            <a:ext cx="3248005" cy="1846659"/>
           </a:xfrm>
           <a:prstGeom prst="rect">
             <a:avLst/>
@@ -12463,7 +12459,119 @@
                 <a:ea typeface="굴림" pitchFamily="50" charset="-127"/>
                 <a:cs typeface="굴림" pitchFamily="50" charset="-127"/>
               </a:rPr>
-              <a:t>Cat();</a:t>
+              <a:t>Cat</a:t>
+            </a:r>
+            <a:r>
+              <a:rPr kumimoji="1" lang="ko-KR" altLang="ko-KR" sz="1900" b="0" i="0" u="none" strike="noStrike" cap="none" normalizeH="0" baseline="0" dirty="0" smtClean="0">
+                <a:ln>
+                  <a:noFill/>
+                </a:ln>
+                <a:solidFill>
+                  <a:srgbClr val="000000"/>
+                </a:solidFill>
+                <a:effectLst/>
+                <a:latin typeface="Source Code Pro" pitchFamily="49" charset="0"/>
+                <a:ea typeface="굴림" pitchFamily="50" charset="-127"/>
+                <a:cs typeface="굴림" pitchFamily="50" charset="-127"/>
+              </a:rPr>
+              <a:t>();</a:t>
+            </a:r>
+            <a:endParaRPr kumimoji="1" lang="en-US" altLang="ko-KR" sz="1900" b="0" i="0" u="none" strike="noStrike" cap="none" normalizeH="0" baseline="0" dirty="0" smtClean="0">
+              <a:ln>
+                <a:noFill/>
+              </a:ln>
+              <a:solidFill>
+                <a:srgbClr val="000000"/>
+              </a:solidFill>
+              <a:effectLst/>
+              <a:latin typeface="Source Code Pro" pitchFamily="49" charset="0"/>
+              <a:ea typeface="굴림" pitchFamily="50" charset="-127"/>
+              <a:cs typeface="굴림" pitchFamily="50" charset="-127"/>
+            </a:endParaRPr>
+          </a:p>
+          <a:p>
+            <a:pPr marL="0" marR="0" lvl="0" indent="0" algn="l" defTabSz="914400" rtl="0" eaLnBrk="1" fontAlgn="base" latinLnBrk="1" hangingPunct="1">
+              <a:lnSpc>
+                <a:spcPct val="100000"/>
+              </a:lnSpc>
+              <a:spcBef>
+                <a:spcPct val="0"/>
+              </a:spcBef>
+              <a:spcAft>
+                <a:spcPct val="0"/>
+              </a:spcAft>
+              <a:buClrTx/>
+              <a:buSzTx/>
+              <a:buFontTx/>
+              <a:buNone/>
+              <a:tabLst/>
+            </a:pPr>
+            <a:r>
+              <a:rPr kumimoji="1" lang="en-US" altLang="ko-KR" sz="1900" dirty="0" smtClean="0">
+                <a:solidFill>
+                  <a:srgbClr val="000000"/>
+                </a:solidFill>
+                <a:latin typeface="Source Code Pro" pitchFamily="49" charset="0"/>
+                <a:ea typeface="굴림" pitchFamily="50" charset="-127"/>
+                <a:cs typeface="굴림" pitchFamily="50" charset="-127"/>
+              </a:rPr>
+              <a:t>Dot dog = new Dog();</a:t>
+            </a:r>
+            <a:endParaRPr kumimoji="1" lang="en-US" altLang="ko-KR" sz="1900" b="0" i="0" u="none" strike="noStrike" cap="none" normalizeH="0" baseline="0" dirty="0" smtClean="0">
+              <a:ln>
+                <a:noFill/>
+              </a:ln>
+              <a:solidFill>
+                <a:srgbClr val="000000"/>
+              </a:solidFill>
+              <a:effectLst/>
+              <a:latin typeface="Source Code Pro" pitchFamily="49" charset="0"/>
+              <a:ea typeface="굴림" pitchFamily="50" charset="-127"/>
+              <a:cs typeface="굴림" pitchFamily="50" charset="-127"/>
+            </a:endParaRPr>
+          </a:p>
+          <a:p>
+            <a:pPr marL="0" marR="0" lvl="0" indent="0" algn="l" defTabSz="914400" rtl="0" eaLnBrk="1" fontAlgn="base" latinLnBrk="1" hangingPunct="1">
+              <a:lnSpc>
+                <a:spcPct val="100000"/>
+              </a:lnSpc>
+              <a:spcBef>
+                <a:spcPct val="0"/>
+              </a:spcBef>
+              <a:spcAft>
+                <a:spcPct val="0"/>
+              </a:spcAft>
+              <a:buClrTx/>
+              <a:buSzTx/>
+              <a:buFontTx/>
+              <a:buNone/>
+              <a:tabLst/>
+            </a:pPr>
+            <a:r>
+              <a:rPr kumimoji="1" lang="en-US" altLang="ko-KR" sz="1900" dirty="0" smtClean="0">
+                <a:solidFill>
+                  <a:srgbClr val="000000"/>
+                </a:solidFill>
+                <a:latin typeface="Source Code Pro" pitchFamily="49" charset="0"/>
+                <a:ea typeface="굴림" pitchFamily="50" charset="-127"/>
+                <a:cs typeface="굴림" pitchFamily="50" charset="-127"/>
+              </a:rPr>
+              <a:t>Animal animal = cat;</a:t>
+            </a:r>
+            <a:r>
+              <a:rPr kumimoji="1" lang="ko-KR" altLang="ko-KR" sz="1900" b="0" i="0" u="none" strike="noStrike" cap="none" normalizeH="0" baseline="0" dirty="0" smtClean="0">
+                <a:ln>
+                  <a:noFill/>
+                </a:ln>
+                <a:solidFill>
+                  <a:srgbClr val="000000"/>
+                </a:solidFill>
+                <a:effectLst/>
+                <a:latin typeface="Source Code Pro" pitchFamily="49" charset="0"/>
+                <a:ea typeface="굴림" pitchFamily="50" charset="-127"/>
+                <a:cs typeface="굴림" pitchFamily="50" charset="-127"/>
+              </a:rPr>
+              <a:t/>
             </a:r>
             <a:br>
               <a:rPr kumimoji="1" lang="ko-KR" altLang="ko-KR" sz="1900" b="0" i="0" u="none" strike="noStrike" cap="none" normalizeH="0" baseline="0" dirty="0" smtClean="0">
@@ -12480,7 +12588,7 @@
               </a:rPr>
             </a:br>
             <a:r>
-              <a:rPr kumimoji="1" lang="ko-KR" altLang="ko-KR" sz="1900" b="0" i="1" u="none" strike="noStrike" cap="none" normalizeH="0" baseline="0" dirty="0" smtClean="0">
+              <a:rPr kumimoji="1" lang="ko-KR" altLang="ko-KR" sz="1900" b="1" i="1" u="none" strike="noStrike" cap="none" normalizeH="0" baseline="0" dirty="0" smtClean="0">
                 <a:ln>
                   <a:noFill/>
                 </a:ln>
@@ -12495,6 +12603,102 @@
               <a:t>runMethods</a:t>
             </a:r>
             <a:r>
+              <a:rPr kumimoji="1" lang="ko-KR" altLang="ko-KR" sz="1900" b="1" i="0" u="none" strike="noStrike" cap="none" normalizeH="0" baseline="0" dirty="0" smtClean="0">
+                <a:ln>
+                  <a:noFill/>
+                </a:ln>
+                <a:solidFill>
+                  <a:srgbClr val="000000"/>
+                </a:solidFill>
+                <a:effectLst/>
+                <a:latin typeface="Source Code Pro" pitchFamily="49" charset="0"/>
+                <a:ea typeface="굴림" pitchFamily="50" charset="-127"/>
+                <a:cs typeface="굴림" pitchFamily="50" charset="-127"/>
+              </a:rPr>
+              <a:t>(cat</a:t>
+            </a:r>
+            <a:r>
+              <a:rPr kumimoji="1" lang="ko-KR" altLang="ko-KR" sz="1900" b="1" i="0" u="none" strike="noStrike" cap="none" normalizeH="0" baseline="0" dirty="0" smtClean="0">
+                <a:ln>
+                  <a:noFill/>
+                </a:ln>
+                <a:solidFill>
+                  <a:srgbClr val="000000"/>
+                </a:solidFill>
+                <a:effectLst/>
+                <a:latin typeface="Source Code Pro" pitchFamily="49" charset="0"/>
+                <a:ea typeface="굴림" pitchFamily="50" charset="-127"/>
+                <a:cs typeface="굴림" pitchFamily="50" charset="-127"/>
+              </a:rPr>
+              <a:t>);</a:t>
+            </a:r>
+            <a:endParaRPr kumimoji="1" lang="en-US" altLang="ko-KR" sz="1900" b="1" i="0" u="none" strike="noStrike" cap="none" normalizeH="0" baseline="0" dirty="0" smtClean="0">
+              <a:ln>
+                <a:noFill/>
+              </a:ln>
+              <a:solidFill>
+                <a:srgbClr val="000000"/>
+              </a:solidFill>
+              <a:effectLst/>
+              <a:latin typeface="Source Code Pro" pitchFamily="49" charset="0"/>
+              <a:ea typeface="굴림" pitchFamily="50" charset="-127"/>
+              <a:cs typeface="굴림" pitchFamily="50" charset="-127"/>
+            </a:endParaRPr>
+          </a:p>
+          <a:p>
+            <a:pPr lvl="0" fontAlgn="base">
+              <a:spcBef>
+                <a:spcPct val="0"/>
+              </a:spcBef>
+              <a:spcAft>
+                <a:spcPct val="0"/>
+              </a:spcAft>
+            </a:pPr>
+            <a:r>
+              <a:rPr kumimoji="1" lang="ko-KR" altLang="ko-KR" sz="1900" b="1" i="1" dirty="0" smtClean="0">
+                <a:solidFill>
+                  <a:srgbClr val="000000"/>
+                </a:solidFill>
+                <a:latin typeface="Source Code Pro" pitchFamily="49" charset="0"/>
+                <a:ea typeface="굴림" pitchFamily="50" charset="-127"/>
+                <a:cs typeface="굴림" pitchFamily="50" charset="-127"/>
+              </a:rPr>
+              <a:t>runMethods</a:t>
+            </a:r>
+            <a:r>
+              <a:rPr kumimoji="1" lang="ko-KR" altLang="ko-KR" sz="1900" b="1" dirty="0" smtClean="0">
+                <a:solidFill>
+                  <a:srgbClr val="000000"/>
+                </a:solidFill>
+                <a:latin typeface="Source Code Pro" pitchFamily="49" charset="0"/>
+                <a:ea typeface="굴림" pitchFamily="50" charset="-127"/>
+                <a:cs typeface="굴림" pitchFamily="50" charset="-127"/>
+              </a:rPr>
+              <a:t>(</a:t>
+            </a:r>
+            <a:r>
+              <a:rPr kumimoji="1" lang="en-US" altLang="ko-KR" sz="1900" b="1" dirty="0" smtClean="0">
+                <a:solidFill>
+                  <a:srgbClr val="000000"/>
+                </a:solidFill>
+                <a:latin typeface="Source Code Pro" pitchFamily="49" charset="0"/>
+                <a:ea typeface="굴림" pitchFamily="50" charset="-127"/>
+                <a:cs typeface="굴림" pitchFamily="50" charset="-127"/>
+              </a:rPr>
+              <a:t>dog</a:t>
+            </a:r>
+            <a:r>
+              <a:rPr kumimoji="1" lang="ko-KR" altLang="ko-KR" sz="1900" b="1" dirty="0" smtClean="0">
+                <a:solidFill>
+                  <a:srgbClr val="000000"/>
+                </a:solidFill>
+                <a:latin typeface="Source Code Pro" pitchFamily="49" charset="0"/>
+                <a:ea typeface="굴림" pitchFamily="50" charset="-127"/>
+                <a:cs typeface="굴림" pitchFamily="50" charset="-127"/>
+              </a:rPr>
+              <a:t>);</a:t>
+            </a:r>
+            <a:r>
               <a:rPr kumimoji="1" lang="ko-KR" altLang="ko-KR" sz="1900" b="0" i="0" u="none" strike="noStrike" cap="none" normalizeH="0" baseline="0" dirty="0" smtClean="0">
                 <a:ln>
                   <a:noFill/>
@@ -12507,7 +12711,7 @@
                 <a:ea typeface="굴림" pitchFamily="50" charset="-127"/>
                 <a:cs typeface="굴림" pitchFamily="50" charset="-127"/>
               </a:rPr>
-              <a:t>(cat);</a:t>
+              <a:t/>
             </a:r>
             <a:br>
               <a:rPr kumimoji="1" lang="ko-KR" altLang="ko-KR" sz="1900" b="0" i="0" u="none" strike="noStrike" cap="none" normalizeH="0" baseline="0" dirty="0" smtClean="0">
@@ -13473,7 +13677,7 @@
         </p:nvSpPr>
         <p:spPr>
           <a:xfrm>
-            <a:off x="5004048" y="1588006"/>
+            <a:off x="4978174" y="1354085"/>
             <a:ext cx="2880320" cy="2520280"/>
           </a:xfrm>
           <a:prstGeom prst="rect">
@@ -13513,7 +13717,7 @@
         </p:nvSpPr>
         <p:spPr>
           <a:xfrm>
-            <a:off x="5830571" y="2186545"/>
+            <a:off x="5804697" y="1952624"/>
             <a:ext cx="1220725" cy="846411"/>
           </a:xfrm>
           <a:prstGeom prst="rect">
@@ -13578,7 +13782,7 @@
         </p:nvSpPr>
         <p:spPr>
           <a:xfrm>
-            <a:off x="5292079" y="1692111"/>
+            <a:off x="5266205" y="1458190"/>
             <a:ext cx="2304258" cy="369620"/>
           </a:xfrm>
           <a:prstGeom prst="rect">
@@ -13627,7 +13831,7 @@
         </p:nvSpPr>
         <p:spPr>
           <a:xfrm>
-            <a:off x="5833845" y="3024555"/>
+            <a:off x="5807971" y="2790634"/>
             <a:ext cx="1220725" cy="764485"/>
           </a:xfrm>
           <a:prstGeom prst="rect">
@@ -13730,7 +13934,7 @@
         </p:nvSpPr>
         <p:spPr>
           <a:xfrm>
-            <a:off x="5302119" y="1148197"/>
+            <a:off x="5276245" y="914276"/>
             <a:ext cx="2363147" cy="369332"/>
           </a:xfrm>
           <a:prstGeom prst="rect">
@@ -13768,7 +13972,7 @@
         </p:nvSpPr>
         <p:spPr>
           <a:xfrm>
-            <a:off x="5255792" y="4359534"/>
+            <a:off x="5229918" y="4125613"/>
             <a:ext cx="1619739" cy="369332"/>
           </a:xfrm>
           <a:prstGeom prst="rect">
@@ -13959,7 +14163,7 @@
         </p:nvSpPr>
         <p:spPr>
           <a:xfrm>
-            <a:off x="5030215" y="4833156"/>
+            <a:off x="5004341" y="4599235"/>
             <a:ext cx="2880320" cy="1529876"/>
           </a:xfrm>
           <a:prstGeom prst="rect">
@@ -14006,7 +14210,7 @@
         </p:nvSpPr>
         <p:spPr>
           <a:xfrm>
-            <a:off x="5301654" y="4957969"/>
+            <a:off x="5275780" y="4724048"/>
             <a:ext cx="2310810" cy="369620"/>
           </a:xfrm>
           <a:prstGeom prst="rect">
@@ -14055,7 +14259,7 @@
         </p:nvSpPr>
         <p:spPr>
           <a:xfrm>
-            <a:off x="5846696" y="5444340"/>
+            <a:off x="5820822" y="5210419"/>
             <a:ext cx="1220725" cy="720080"/>
           </a:xfrm>
           <a:prstGeom prst="rect">
